--- a/slides/Arquitetura Orientada a Serviços.pptx
+++ b/slides/Arquitetura Orientada a Serviços.pptx
@@ -5,7 +5,7 @@
     <p:sldMasterId id="2147483648" r:id="rId1"/>
   </p:sldMasterIdLst>
   <p:notesMasterIdLst>
-    <p:notesMasterId r:id="rId19"/>
+    <p:notesMasterId r:id="rId21"/>
   </p:notesMasterIdLst>
   <p:sldIdLst>
     <p:sldId id="256" r:id="rId2"/>
@@ -25,6 +25,8 @@
     <p:sldId id="270" r:id="rId16"/>
     <p:sldId id="271" r:id="rId17"/>
     <p:sldId id="272" r:id="rId18"/>
+    <p:sldId id="275" r:id="rId19"/>
+    <p:sldId id="274" r:id="rId20"/>
   </p:sldIdLst>
   <p:sldSz cx="9144000" cy="6858000" type="screen4x3"/>
   <p:notesSz cx="6858000" cy="9144000"/>
@@ -258,7 +260,7 @@
           <a:p>
             <a:fld id="{918E9E99-0740-4EBC-8C66-28828258ECF4}" type="datetimeFigureOut">
               <a:rPr lang="pt-BR" smtClean="0"/>
-              <a:t>01/12/2017</a:t>
+              <a:t>05/12/2017</a:t>
             </a:fld>
             <a:endParaRPr lang="pt-BR"/>
           </a:p>
@@ -1113,6 +1115,174 @@
 </p:notes>
 </file>
 
+<file path=ppt/notesSlides/notesSlide8.xml><?xml version="1.0" encoding="utf-8"?>
+<p:notes xmlns:a="http://schemas.openxmlformats.org/drawingml/2006/main" xmlns:r="http://schemas.openxmlformats.org/officeDocument/2006/relationships" xmlns:p="http://schemas.openxmlformats.org/presentationml/2006/main">
+  <p:cSld>
+    <p:spTree>
+      <p:nvGrpSpPr>
+        <p:cNvPr id="1" name=""/>
+        <p:cNvGrpSpPr/>
+        <p:nvPr/>
+      </p:nvGrpSpPr>
+      <p:grpSpPr>
+        <a:xfrm>
+          <a:off x="0" y="0"/>
+          <a:ext cx="0" cy="0"/>
+          <a:chOff x="0" y="0"/>
+          <a:chExt cx="0" cy="0"/>
+        </a:xfrm>
+      </p:grpSpPr>
+      <p:sp>
+        <p:nvSpPr>
+          <p:cNvPr id="2" name="Espaço Reservado para Imagem de Slide 1"/>
+          <p:cNvSpPr>
+            <a:spLocks noGrp="1" noRot="1" noChangeAspect="1"/>
+          </p:cNvSpPr>
+          <p:nvPr>
+            <p:ph type="sldImg"/>
+          </p:nvPr>
+        </p:nvSpPr>
+        <p:spPr/>
+      </p:sp>
+      <p:sp>
+        <p:nvSpPr>
+          <p:cNvPr id="3" name="Espaço Reservado para Anotações 2"/>
+          <p:cNvSpPr>
+            <a:spLocks noGrp="1"/>
+          </p:cNvSpPr>
+          <p:nvPr>
+            <p:ph type="body" idx="1"/>
+          </p:nvPr>
+        </p:nvSpPr>
+        <p:spPr/>
+        <p:txBody>
+          <a:bodyPr/>
+          <a:lstStyle/>
+          <a:p>
+            <a:endParaRPr lang="pt-BR" dirty="0"/>
+          </a:p>
+        </p:txBody>
+      </p:sp>
+      <p:sp>
+        <p:nvSpPr>
+          <p:cNvPr id="4" name="Espaço Reservado para Número de Slide 3"/>
+          <p:cNvSpPr>
+            <a:spLocks noGrp="1"/>
+          </p:cNvSpPr>
+          <p:nvPr>
+            <p:ph type="sldNum" sz="quarter" idx="10"/>
+          </p:nvPr>
+        </p:nvSpPr>
+        <p:spPr/>
+        <p:txBody>
+          <a:bodyPr/>
+          <a:lstStyle/>
+          <a:p>
+            <a:fld id="{7E6F39C0-BB6C-47CF-AEAC-762C41D4FCD8}" type="slidenum">
+              <a:rPr lang="pt-BR" smtClean="0"/>
+              <a:t>18</a:t>
+            </a:fld>
+            <a:endParaRPr lang="pt-BR"/>
+          </a:p>
+        </p:txBody>
+      </p:sp>
+    </p:spTree>
+    <p:extLst>
+      <p:ext uri="{BB962C8B-B14F-4D97-AF65-F5344CB8AC3E}">
+        <p14:creationId xmlns:p14="http://schemas.microsoft.com/office/powerpoint/2010/main" val="2771024443"/>
+      </p:ext>
+    </p:extLst>
+  </p:cSld>
+  <p:clrMapOvr>
+    <a:masterClrMapping/>
+  </p:clrMapOvr>
+</p:notes>
+</file>
+
+<file path=ppt/notesSlides/notesSlide9.xml><?xml version="1.0" encoding="utf-8"?>
+<p:notes xmlns:a="http://schemas.openxmlformats.org/drawingml/2006/main" xmlns:r="http://schemas.openxmlformats.org/officeDocument/2006/relationships" xmlns:p="http://schemas.openxmlformats.org/presentationml/2006/main">
+  <p:cSld>
+    <p:spTree>
+      <p:nvGrpSpPr>
+        <p:cNvPr id="1" name=""/>
+        <p:cNvGrpSpPr/>
+        <p:nvPr/>
+      </p:nvGrpSpPr>
+      <p:grpSpPr>
+        <a:xfrm>
+          <a:off x="0" y="0"/>
+          <a:ext cx="0" cy="0"/>
+          <a:chOff x="0" y="0"/>
+          <a:chExt cx="0" cy="0"/>
+        </a:xfrm>
+      </p:grpSpPr>
+      <p:sp>
+        <p:nvSpPr>
+          <p:cNvPr id="2" name="Espaço Reservado para Imagem de Slide 1"/>
+          <p:cNvSpPr>
+            <a:spLocks noGrp="1" noRot="1" noChangeAspect="1"/>
+          </p:cNvSpPr>
+          <p:nvPr>
+            <p:ph type="sldImg"/>
+          </p:nvPr>
+        </p:nvSpPr>
+        <p:spPr/>
+      </p:sp>
+      <p:sp>
+        <p:nvSpPr>
+          <p:cNvPr id="3" name="Espaço Reservado para Anotações 2"/>
+          <p:cNvSpPr>
+            <a:spLocks noGrp="1"/>
+          </p:cNvSpPr>
+          <p:nvPr>
+            <p:ph type="body" idx="1"/>
+          </p:nvPr>
+        </p:nvSpPr>
+        <p:spPr/>
+        <p:txBody>
+          <a:bodyPr/>
+          <a:lstStyle/>
+          <a:p>
+            <a:endParaRPr lang="pt-BR" dirty="0"/>
+          </a:p>
+        </p:txBody>
+      </p:sp>
+      <p:sp>
+        <p:nvSpPr>
+          <p:cNvPr id="4" name="Espaço Reservado para Número de Slide 3"/>
+          <p:cNvSpPr>
+            <a:spLocks noGrp="1"/>
+          </p:cNvSpPr>
+          <p:nvPr>
+            <p:ph type="sldNum" sz="quarter" idx="10"/>
+          </p:nvPr>
+        </p:nvSpPr>
+        <p:spPr/>
+        <p:txBody>
+          <a:bodyPr/>
+          <a:lstStyle/>
+          <a:p>
+            <a:fld id="{7E6F39C0-BB6C-47CF-AEAC-762C41D4FCD8}" type="slidenum">
+              <a:rPr lang="pt-BR" smtClean="0"/>
+              <a:t>19</a:t>
+            </a:fld>
+            <a:endParaRPr lang="pt-BR"/>
+          </a:p>
+        </p:txBody>
+      </p:sp>
+    </p:spTree>
+    <p:extLst>
+      <p:ext uri="{BB962C8B-B14F-4D97-AF65-F5344CB8AC3E}">
+        <p14:creationId xmlns:p14="http://schemas.microsoft.com/office/powerpoint/2010/main" val="2932639599"/>
+      </p:ext>
+    </p:extLst>
+  </p:cSld>
+  <p:clrMapOvr>
+    <a:masterClrMapping/>
+  </p:clrMapOvr>
+</p:notes>
+</file>
+
 <file path=ppt/slideLayouts/slideLayout1.xml><?xml version="1.0" encoding="utf-8"?>
 <p:sldLayout xmlns:a="http://schemas.openxmlformats.org/drawingml/2006/main" xmlns:r="http://schemas.openxmlformats.org/officeDocument/2006/relationships" xmlns:p="http://schemas.openxmlformats.org/presentationml/2006/main" type="title" preserve="1">
   <p:cSld name="Title Slide">
@@ -1310,7 +1480,7 @@
               <a:pPr>
                 <a:defRPr/>
               </a:pPr>
-              <a:t>12/1/2017</a:t>
+              <a:t>12/5/2017</a:t>
             </a:fld>
             <a:endParaRPr lang="en-US" altLang="pt-BR"/>
           </a:p>
@@ -1520,7 +1690,7 @@
               <a:pPr>
                 <a:defRPr/>
               </a:pPr>
-              <a:t>12/1/2017</a:t>
+              <a:t>12/5/2017</a:t>
             </a:fld>
             <a:endParaRPr lang="en-US" altLang="pt-BR"/>
           </a:p>
@@ -1740,7 +1910,7 @@
               <a:pPr>
                 <a:defRPr/>
               </a:pPr>
-              <a:t>12/1/2017</a:t>
+              <a:t>12/5/2017</a:t>
             </a:fld>
             <a:endParaRPr lang="en-US" altLang="pt-BR"/>
           </a:p>
@@ -1950,7 +2120,7 @@
               <a:pPr>
                 <a:defRPr/>
               </a:pPr>
-              <a:t>12/1/2017</a:t>
+              <a:t>12/5/2017</a:t>
             </a:fld>
             <a:endParaRPr lang="en-US" altLang="pt-BR"/>
           </a:p>
@@ -2236,7 +2406,7 @@
               <a:pPr>
                 <a:defRPr/>
               </a:pPr>
-              <a:t>12/1/2017</a:t>
+              <a:t>12/5/2017</a:t>
             </a:fld>
             <a:endParaRPr lang="en-US" altLang="pt-BR"/>
           </a:p>
@@ -2564,7 +2734,7 @@
               <a:pPr>
                 <a:defRPr/>
               </a:pPr>
-              <a:t>12/1/2017</a:t>
+              <a:t>12/5/2017</a:t>
             </a:fld>
             <a:endParaRPr lang="en-US" altLang="pt-BR"/>
           </a:p>
@@ -3026,7 +3196,7 @@
               <a:pPr>
                 <a:defRPr/>
               </a:pPr>
-              <a:t>12/1/2017</a:t>
+              <a:t>12/5/2017</a:t>
             </a:fld>
             <a:endParaRPr lang="en-US" altLang="pt-BR"/>
           </a:p>
@@ -3184,7 +3354,7 @@
               <a:pPr>
                 <a:defRPr/>
               </a:pPr>
-              <a:t>12/1/2017</a:t>
+              <a:t>12/5/2017</a:t>
             </a:fld>
             <a:endParaRPr lang="en-US" altLang="pt-BR"/>
           </a:p>
@@ -3319,7 +3489,7 @@
               <a:pPr>
                 <a:defRPr/>
               </a:pPr>
-              <a:t>12/1/2017</a:t>
+              <a:t>12/5/2017</a:t>
             </a:fld>
             <a:endParaRPr lang="en-US" altLang="pt-BR"/>
           </a:p>
@@ -3636,7 +3806,7 @@
               <a:pPr>
                 <a:defRPr/>
               </a:pPr>
-              <a:t>12/1/2017</a:t>
+              <a:t>12/5/2017</a:t>
             </a:fld>
             <a:endParaRPr lang="en-US" altLang="pt-BR"/>
           </a:p>
@@ -3932,7 +4102,7 @@
               <a:pPr>
                 <a:defRPr/>
               </a:pPr>
-              <a:t>12/1/2017</a:t>
+              <a:t>12/5/2017</a:t>
             </a:fld>
             <a:endParaRPr lang="en-US" altLang="pt-BR"/>
           </a:p>
@@ -4249,7 +4419,7 @@
               <a:pPr>
                 <a:defRPr/>
               </a:pPr>
-              <a:t>12/1/2017</a:t>
+              <a:t>12/5/2017</a:t>
             </a:fld>
             <a:endParaRPr lang="en-US" altLang="pt-BR"/>
           </a:p>
@@ -18109,6 +18279,6930 @@
       <p:bldP spid="9" grpId="0" animBg="1"/>
       <p:bldP spid="6" grpId="0" animBg="1"/>
     </p:bldLst>
+  </p:timing>
+</p:sld>
+</file>
+
+<file path=ppt/slides/slide18.xml><?xml version="1.0" encoding="utf-8"?>
+<p:sld xmlns:a="http://schemas.openxmlformats.org/drawingml/2006/main" xmlns:r="http://schemas.openxmlformats.org/officeDocument/2006/relationships" xmlns:p="http://schemas.openxmlformats.org/presentationml/2006/main">
+  <p:cSld>
+    <p:bg>
+      <p:bgPr>
+        <a:blipFill dpi="0" rotWithShape="0">
+          <a:blip r:embed="rId3"/>
+          <a:srcRect/>
+          <a:stretch>
+            <a:fillRect/>
+          </a:stretch>
+        </a:blipFill>
+        <a:effectLst/>
+      </p:bgPr>
+    </p:bg>
+    <p:spTree>
+      <p:nvGrpSpPr>
+        <p:cNvPr id="1" name=""/>
+        <p:cNvGrpSpPr/>
+        <p:nvPr/>
+      </p:nvGrpSpPr>
+      <p:grpSpPr>
+        <a:xfrm>
+          <a:off x="0" y="0"/>
+          <a:ext cx="0" cy="0"/>
+          <a:chOff x="0" y="0"/>
+          <a:chExt cx="0" cy="0"/>
+        </a:xfrm>
+      </p:grpSpPr>
+      <p:sp>
+        <p:nvSpPr>
+          <p:cNvPr id="3074" name="TextBox 5">
+            <a:extLst>
+              <a:ext uri="{FF2B5EF4-FFF2-40B4-BE49-F238E27FC236}">
+                <a16:creationId xmlns:a16="http://schemas.microsoft.com/office/drawing/2014/main" id="{30C17079-C4CC-412C-A3D1-A1AC49D7AA9B}"/>
+              </a:ext>
+            </a:extLst>
+          </p:cNvPr>
+          <p:cNvSpPr txBox="1">
+            <a:spLocks noChangeArrowheads="1"/>
+          </p:cNvSpPr>
+          <p:nvPr/>
+        </p:nvSpPr>
+        <p:spPr bwMode="auto">
+          <a:xfrm>
+            <a:off x="457200" y="155575"/>
+            <a:ext cx="3987800" cy="584200"/>
+          </a:xfrm>
+          <a:prstGeom prst="rect">
+            <a:avLst/>
+          </a:prstGeom>
+          <a:noFill/>
+          <a:ln>
+            <a:noFill/>
+          </a:ln>
+          <a:extLst>
+            <a:ext uri="{909E8E84-426E-40DD-AFC4-6F175D3DCCD1}">
+              <a14:hiddenFill xmlns:a14="http://schemas.microsoft.com/office/drawing/2010/main">
+                <a:solidFill>
+                  <a:srgbClr val="FFFFFF"/>
+                </a:solidFill>
+              </a14:hiddenFill>
+            </a:ext>
+            <a:ext uri="{91240B29-F687-4F45-9708-019B960494DF}">
+              <a14:hiddenLine xmlns:a14="http://schemas.microsoft.com/office/drawing/2010/main" w="9525">
+                <a:solidFill>
+                  <a:srgbClr val="000000"/>
+                </a:solidFill>
+                <a:miter lim="800000"/>
+                <a:headEnd/>
+                <a:tailEnd/>
+              </a14:hiddenLine>
+            </a:ext>
+          </a:extLst>
+        </p:spPr>
+        <p:txBody>
+          <a:bodyPr>
+            <a:spAutoFit/>
+          </a:bodyPr>
+          <a:lstStyle>
+            <a:lvl1pPr eaLnBrk="0" hangingPunct="0">
+              <a:defRPr>
+                <a:solidFill>
+                  <a:schemeClr val="tx1"/>
+                </a:solidFill>
+                <a:latin typeface="Calibri" panose="020F0502020204030204" pitchFamily="34" charset="0"/>
+                <a:ea typeface="MS PGothic" panose="020B0600070205080204" pitchFamily="34" charset="-128"/>
+              </a:defRPr>
+            </a:lvl1pPr>
+            <a:lvl2pPr marL="742950" indent="-285750" eaLnBrk="0" hangingPunct="0">
+              <a:defRPr>
+                <a:solidFill>
+                  <a:schemeClr val="tx1"/>
+                </a:solidFill>
+                <a:latin typeface="Calibri" panose="020F0502020204030204" pitchFamily="34" charset="0"/>
+                <a:ea typeface="MS PGothic" panose="020B0600070205080204" pitchFamily="34" charset="-128"/>
+              </a:defRPr>
+            </a:lvl2pPr>
+            <a:lvl3pPr marL="1143000" indent="-228600" eaLnBrk="0" hangingPunct="0">
+              <a:defRPr>
+                <a:solidFill>
+                  <a:schemeClr val="tx1"/>
+                </a:solidFill>
+                <a:latin typeface="Calibri" panose="020F0502020204030204" pitchFamily="34" charset="0"/>
+                <a:ea typeface="MS PGothic" panose="020B0600070205080204" pitchFamily="34" charset="-128"/>
+              </a:defRPr>
+            </a:lvl3pPr>
+            <a:lvl4pPr marL="1600200" indent="-228600" eaLnBrk="0" hangingPunct="0">
+              <a:defRPr>
+                <a:solidFill>
+                  <a:schemeClr val="tx1"/>
+                </a:solidFill>
+                <a:latin typeface="Calibri" panose="020F0502020204030204" pitchFamily="34" charset="0"/>
+                <a:ea typeface="MS PGothic" panose="020B0600070205080204" pitchFamily="34" charset="-128"/>
+              </a:defRPr>
+            </a:lvl4pPr>
+            <a:lvl5pPr marL="2057400" indent="-228600" eaLnBrk="0" hangingPunct="0">
+              <a:defRPr>
+                <a:solidFill>
+                  <a:schemeClr val="tx1"/>
+                </a:solidFill>
+                <a:latin typeface="Calibri" panose="020F0502020204030204" pitchFamily="34" charset="0"/>
+                <a:ea typeface="MS PGothic" panose="020B0600070205080204" pitchFamily="34" charset="-128"/>
+              </a:defRPr>
+            </a:lvl5pPr>
+            <a:lvl6pPr marL="2514600" indent="-228600" defTabSz="457200" eaLnBrk="0" fontAlgn="base" hangingPunct="0">
+              <a:spcBef>
+                <a:spcPct val="0"/>
+              </a:spcBef>
+              <a:spcAft>
+                <a:spcPct val="0"/>
+              </a:spcAft>
+              <a:defRPr>
+                <a:solidFill>
+                  <a:schemeClr val="tx1"/>
+                </a:solidFill>
+                <a:latin typeface="Calibri" panose="020F0502020204030204" pitchFamily="34" charset="0"/>
+                <a:ea typeface="MS PGothic" panose="020B0600070205080204" pitchFamily="34" charset="-128"/>
+              </a:defRPr>
+            </a:lvl6pPr>
+            <a:lvl7pPr marL="2971800" indent="-228600" defTabSz="457200" eaLnBrk="0" fontAlgn="base" hangingPunct="0">
+              <a:spcBef>
+                <a:spcPct val="0"/>
+              </a:spcBef>
+              <a:spcAft>
+                <a:spcPct val="0"/>
+              </a:spcAft>
+              <a:defRPr>
+                <a:solidFill>
+                  <a:schemeClr val="tx1"/>
+                </a:solidFill>
+                <a:latin typeface="Calibri" panose="020F0502020204030204" pitchFamily="34" charset="0"/>
+                <a:ea typeface="MS PGothic" panose="020B0600070205080204" pitchFamily="34" charset="-128"/>
+              </a:defRPr>
+            </a:lvl7pPr>
+            <a:lvl8pPr marL="3429000" indent="-228600" defTabSz="457200" eaLnBrk="0" fontAlgn="base" hangingPunct="0">
+              <a:spcBef>
+                <a:spcPct val="0"/>
+              </a:spcBef>
+              <a:spcAft>
+                <a:spcPct val="0"/>
+              </a:spcAft>
+              <a:defRPr>
+                <a:solidFill>
+                  <a:schemeClr val="tx1"/>
+                </a:solidFill>
+                <a:latin typeface="Calibri" panose="020F0502020204030204" pitchFamily="34" charset="0"/>
+                <a:ea typeface="MS PGothic" panose="020B0600070205080204" pitchFamily="34" charset="-128"/>
+              </a:defRPr>
+            </a:lvl8pPr>
+            <a:lvl9pPr marL="3886200" indent="-228600" defTabSz="457200" eaLnBrk="0" fontAlgn="base" hangingPunct="0">
+              <a:spcBef>
+                <a:spcPct val="0"/>
+              </a:spcBef>
+              <a:spcAft>
+                <a:spcPct val="0"/>
+              </a:spcAft>
+              <a:defRPr>
+                <a:solidFill>
+                  <a:schemeClr val="tx1"/>
+                </a:solidFill>
+                <a:latin typeface="Calibri" panose="020F0502020204030204" pitchFamily="34" charset="0"/>
+                <a:ea typeface="MS PGothic" panose="020B0600070205080204" pitchFamily="34" charset="-128"/>
+              </a:defRPr>
+            </a:lvl9pPr>
+          </a:lstStyle>
+          <a:p>
+            <a:pPr eaLnBrk="1" hangingPunct="1"/>
+            <a:r>
+              <a:rPr lang="en-US" altLang="pt-BR" sz="3200" b="1" i="1" dirty="0">
+                <a:solidFill>
+                  <a:schemeClr val="bg1"/>
+                </a:solidFill>
+                <a:latin typeface="Myriad Pro" pitchFamily="-84" charset="0"/>
+              </a:rPr>
+              <a:t>INFRAESTRUTURA</a:t>
+            </a:r>
+          </a:p>
+        </p:txBody>
+      </p:sp>
+      <p:sp>
+        <p:nvSpPr>
+          <p:cNvPr id="3076" name="TextBox 7">
+            <a:extLst>
+              <a:ext uri="{FF2B5EF4-FFF2-40B4-BE49-F238E27FC236}">
+                <a16:creationId xmlns:a16="http://schemas.microsoft.com/office/drawing/2014/main" id="{BBF672AD-50A6-4C9A-B06F-B75DFBC71A10}"/>
+              </a:ext>
+            </a:extLst>
+          </p:cNvPr>
+          <p:cNvSpPr txBox="1">
+            <a:spLocks noChangeArrowheads="1"/>
+          </p:cNvSpPr>
+          <p:nvPr/>
+        </p:nvSpPr>
+        <p:spPr bwMode="auto">
+          <a:xfrm>
+            <a:off x="457200" y="6519863"/>
+            <a:ext cx="3949700" cy="338137"/>
+          </a:xfrm>
+          <a:prstGeom prst="rect">
+            <a:avLst/>
+          </a:prstGeom>
+          <a:noFill/>
+          <a:ln>
+            <a:noFill/>
+          </a:ln>
+          <a:extLst>
+            <a:ext uri="{909E8E84-426E-40DD-AFC4-6F175D3DCCD1}">
+              <a14:hiddenFill xmlns:a14="http://schemas.microsoft.com/office/drawing/2010/main">
+                <a:solidFill>
+                  <a:srgbClr val="FFFFFF"/>
+                </a:solidFill>
+              </a14:hiddenFill>
+            </a:ext>
+            <a:ext uri="{91240B29-F687-4F45-9708-019B960494DF}">
+              <a14:hiddenLine xmlns:a14="http://schemas.microsoft.com/office/drawing/2010/main" w="9525">
+                <a:solidFill>
+                  <a:srgbClr val="000000"/>
+                </a:solidFill>
+                <a:miter lim="800000"/>
+                <a:headEnd/>
+                <a:tailEnd/>
+              </a14:hiddenLine>
+            </a:ext>
+          </a:extLst>
+        </p:spPr>
+        <p:txBody>
+          <a:bodyPr>
+            <a:spAutoFit/>
+          </a:bodyPr>
+          <a:lstStyle>
+            <a:lvl1pPr eaLnBrk="0" hangingPunct="0">
+              <a:defRPr>
+                <a:solidFill>
+                  <a:schemeClr val="tx1"/>
+                </a:solidFill>
+                <a:latin typeface="Calibri" panose="020F0502020204030204" pitchFamily="34" charset="0"/>
+                <a:ea typeface="MS PGothic" panose="020B0600070205080204" pitchFamily="34" charset="-128"/>
+              </a:defRPr>
+            </a:lvl1pPr>
+            <a:lvl2pPr marL="742950" indent="-285750" eaLnBrk="0" hangingPunct="0">
+              <a:defRPr>
+                <a:solidFill>
+                  <a:schemeClr val="tx1"/>
+                </a:solidFill>
+                <a:latin typeface="Calibri" panose="020F0502020204030204" pitchFamily="34" charset="0"/>
+                <a:ea typeface="MS PGothic" panose="020B0600070205080204" pitchFamily="34" charset="-128"/>
+              </a:defRPr>
+            </a:lvl2pPr>
+            <a:lvl3pPr marL="1143000" indent="-228600" eaLnBrk="0" hangingPunct="0">
+              <a:defRPr>
+                <a:solidFill>
+                  <a:schemeClr val="tx1"/>
+                </a:solidFill>
+                <a:latin typeface="Calibri" panose="020F0502020204030204" pitchFamily="34" charset="0"/>
+                <a:ea typeface="MS PGothic" panose="020B0600070205080204" pitchFamily="34" charset="-128"/>
+              </a:defRPr>
+            </a:lvl3pPr>
+            <a:lvl4pPr marL="1600200" indent="-228600" eaLnBrk="0" hangingPunct="0">
+              <a:defRPr>
+                <a:solidFill>
+                  <a:schemeClr val="tx1"/>
+                </a:solidFill>
+                <a:latin typeface="Calibri" panose="020F0502020204030204" pitchFamily="34" charset="0"/>
+                <a:ea typeface="MS PGothic" panose="020B0600070205080204" pitchFamily="34" charset="-128"/>
+              </a:defRPr>
+            </a:lvl4pPr>
+            <a:lvl5pPr marL="2057400" indent="-228600" eaLnBrk="0" hangingPunct="0">
+              <a:defRPr>
+                <a:solidFill>
+                  <a:schemeClr val="tx1"/>
+                </a:solidFill>
+                <a:latin typeface="Calibri" panose="020F0502020204030204" pitchFamily="34" charset="0"/>
+                <a:ea typeface="MS PGothic" panose="020B0600070205080204" pitchFamily="34" charset="-128"/>
+              </a:defRPr>
+            </a:lvl5pPr>
+            <a:lvl6pPr marL="2514600" indent="-228600" defTabSz="457200" eaLnBrk="0" fontAlgn="base" hangingPunct="0">
+              <a:spcBef>
+                <a:spcPct val="0"/>
+              </a:spcBef>
+              <a:spcAft>
+                <a:spcPct val="0"/>
+              </a:spcAft>
+              <a:defRPr>
+                <a:solidFill>
+                  <a:schemeClr val="tx1"/>
+                </a:solidFill>
+                <a:latin typeface="Calibri" panose="020F0502020204030204" pitchFamily="34" charset="0"/>
+                <a:ea typeface="MS PGothic" panose="020B0600070205080204" pitchFamily="34" charset="-128"/>
+              </a:defRPr>
+            </a:lvl6pPr>
+            <a:lvl7pPr marL="2971800" indent="-228600" defTabSz="457200" eaLnBrk="0" fontAlgn="base" hangingPunct="0">
+              <a:spcBef>
+                <a:spcPct val="0"/>
+              </a:spcBef>
+              <a:spcAft>
+                <a:spcPct val="0"/>
+              </a:spcAft>
+              <a:defRPr>
+                <a:solidFill>
+                  <a:schemeClr val="tx1"/>
+                </a:solidFill>
+                <a:latin typeface="Calibri" panose="020F0502020204030204" pitchFamily="34" charset="0"/>
+                <a:ea typeface="MS PGothic" panose="020B0600070205080204" pitchFamily="34" charset="-128"/>
+              </a:defRPr>
+            </a:lvl7pPr>
+            <a:lvl8pPr marL="3429000" indent="-228600" defTabSz="457200" eaLnBrk="0" fontAlgn="base" hangingPunct="0">
+              <a:spcBef>
+                <a:spcPct val="0"/>
+              </a:spcBef>
+              <a:spcAft>
+                <a:spcPct val="0"/>
+              </a:spcAft>
+              <a:defRPr>
+                <a:solidFill>
+                  <a:schemeClr val="tx1"/>
+                </a:solidFill>
+                <a:latin typeface="Calibri" panose="020F0502020204030204" pitchFamily="34" charset="0"/>
+                <a:ea typeface="MS PGothic" panose="020B0600070205080204" pitchFamily="34" charset="-128"/>
+              </a:defRPr>
+            </a:lvl8pPr>
+            <a:lvl9pPr marL="3886200" indent="-228600" defTabSz="457200" eaLnBrk="0" fontAlgn="base" hangingPunct="0">
+              <a:spcBef>
+                <a:spcPct val="0"/>
+              </a:spcBef>
+              <a:spcAft>
+                <a:spcPct val="0"/>
+              </a:spcAft>
+              <a:defRPr>
+                <a:solidFill>
+                  <a:schemeClr val="tx1"/>
+                </a:solidFill>
+                <a:latin typeface="Calibri" panose="020F0502020204030204" pitchFamily="34" charset="0"/>
+                <a:ea typeface="MS PGothic" panose="020B0600070205080204" pitchFamily="34" charset="-128"/>
+              </a:defRPr>
+            </a:lvl9pPr>
+          </a:lstStyle>
+          <a:p>
+            <a:pPr eaLnBrk="1" hangingPunct="1"/>
+            <a:r>
+              <a:rPr lang="en-US" altLang="pt-BR" sz="1600" i="1" dirty="0">
+                <a:solidFill>
+                  <a:schemeClr val="bg1"/>
+                </a:solidFill>
+                <a:latin typeface="Myriad Pro" pitchFamily="-84" charset="0"/>
+              </a:rPr>
+              <a:t>JULIANO PÁVEL</a:t>
+            </a:r>
+          </a:p>
+        </p:txBody>
+      </p:sp>
+      <p:sp>
+        <p:nvSpPr>
+          <p:cNvPr id="2" name="Título 1">
+            <a:extLst>
+              <a:ext uri="{FF2B5EF4-FFF2-40B4-BE49-F238E27FC236}">
+                <a16:creationId xmlns:a16="http://schemas.microsoft.com/office/drawing/2014/main" id="{759B9689-E8F3-4F47-B004-FB3ADC3217FF}"/>
+              </a:ext>
+            </a:extLst>
+          </p:cNvPr>
+          <p:cNvSpPr>
+            <a:spLocks noGrp="1"/>
+          </p:cNvSpPr>
+          <p:nvPr>
+            <p:ph type="title"/>
+          </p:nvPr>
+        </p:nvSpPr>
+        <p:spPr>
+          <a:xfrm>
+            <a:off x="4847206" y="603682"/>
+            <a:ext cx="3839593" cy="435005"/>
+          </a:xfrm>
+        </p:spPr>
+        <p:txBody>
+          <a:bodyPr/>
+          <a:lstStyle/>
+          <a:p>
+            <a:r>
+              <a:rPr lang="pt-BR" sz="2400" dirty="0"/>
+              <a:t>CARACTERÍSTICAS BÁSICAS</a:t>
+            </a:r>
+          </a:p>
+        </p:txBody>
+      </p:sp>
+      <p:sp>
+        <p:nvSpPr>
+          <p:cNvPr id="4" name="Espaço Reservado para Conteúdo 3">
+            <a:extLst>
+              <a:ext uri="{FF2B5EF4-FFF2-40B4-BE49-F238E27FC236}">
+                <a16:creationId xmlns:a16="http://schemas.microsoft.com/office/drawing/2014/main" id="{EF8F1665-4312-4786-AFBF-9CA386DF90D1}"/>
+              </a:ext>
+            </a:extLst>
+          </p:cNvPr>
+          <p:cNvSpPr>
+            <a:spLocks noGrp="1"/>
+          </p:cNvSpPr>
+          <p:nvPr>
+            <p:ph idx="1"/>
+          </p:nvPr>
+        </p:nvSpPr>
+        <p:spPr>
+          <a:xfrm>
+            <a:off x="457200" y="1600200"/>
+            <a:ext cx="8229600" cy="4276817"/>
+          </a:xfrm>
+        </p:spPr>
+        <p:txBody>
+          <a:bodyPr>
+            <a:normAutofit/>
+          </a:bodyPr>
+          <a:lstStyle/>
+          <a:p>
+            <a:r>
+              <a:rPr lang="pt-BR" dirty="0"/>
+              <a:t>TRANSPARÊNCIA</a:t>
+            </a:r>
+          </a:p>
+          <a:p>
+            <a:endParaRPr lang="pt-BR" dirty="0"/>
+          </a:p>
+          <a:p>
+            <a:r>
+              <a:rPr lang="pt-BR" dirty="0"/>
+              <a:t>ESCALABILIDADE</a:t>
+            </a:r>
+          </a:p>
+          <a:p>
+            <a:endParaRPr lang="pt-BR" dirty="0"/>
+          </a:p>
+          <a:p>
+            <a:r>
+              <a:rPr lang="pt-BR" dirty="0"/>
+              <a:t>CONFIABILIDADE</a:t>
+            </a:r>
+          </a:p>
+          <a:p>
+            <a:pPr lvl="1"/>
+            <a:r>
+              <a:rPr lang="pt-BR" dirty="0"/>
+              <a:t>RESILIÊNCIA</a:t>
+            </a:r>
+          </a:p>
+          <a:p>
+            <a:pPr lvl="1"/>
+            <a:r>
+              <a:rPr lang="pt-BR" dirty="0"/>
+              <a:t>SEGURANÇA</a:t>
+            </a:r>
+          </a:p>
+        </p:txBody>
+      </p:sp>
+      <p:pic>
+        <p:nvPicPr>
+          <p:cNvPr id="3" name="Picture 2" descr="Resultado de imagem para TRANSLUCID HULK">
+            <a:extLst>
+              <a:ext uri="{FF2B5EF4-FFF2-40B4-BE49-F238E27FC236}">
+                <a16:creationId xmlns:a16="http://schemas.microsoft.com/office/drawing/2014/main" id="{F83650F4-9131-44AC-825E-83FD14334FCD}"/>
+              </a:ext>
+            </a:extLst>
+          </p:cNvPr>
+          <p:cNvPicPr>
+            <a:picLocks noChangeAspect="1" noChangeArrowheads="1"/>
+          </p:cNvPicPr>
+          <p:nvPr/>
+        </p:nvPicPr>
+        <p:blipFill>
+          <a:blip r:embed="rId4">
+            <a:clrChange>
+              <a:clrFrom>
+                <a:srgbClr val="549954"/>
+              </a:clrFrom>
+              <a:clrTo>
+                <a:srgbClr val="549954">
+                  <a:alpha val="0"/>
+                </a:srgbClr>
+              </a:clrTo>
+            </a:clrChange>
+            <a:extLst>
+              <a:ext uri="{28A0092B-C50C-407E-A947-70E740481C1C}">
+                <a14:useLocalDpi xmlns:a14="http://schemas.microsoft.com/office/drawing/2010/main" val="0"/>
+              </a:ext>
+            </a:extLst>
+          </a:blip>
+          <a:srcRect/>
+          <a:stretch>
+            <a:fillRect/>
+          </a:stretch>
+        </p:blipFill>
+        <p:spPr bwMode="auto">
+          <a:xfrm>
+            <a:off x="3649794" y="473777"/>
+            <a:ext cx="5037006" cy="6046086"/>
+          </a:xfrm>
+          <a:prstGeom prst="rect">
+            <a:avLst/>
+          </a:prstGeom>
+          <a:noFill/>
+        </p:spPr>
+      </p:pic>
+    </p:spTree>
+    <p:extLst>
+      <p:ext uri="{BB962C8B-B14F-4D97-AF65-F5344CB8AC3E}">
+        <p14:creationId xmlns:p14="http://schemas.microsoft.com/office/powerpoint/2010/main" val="971927388"/>
+      </p:ext>
+    </p:extLst>
+  </p:cSld>
+  <p:clrMapOvr>
+    <a:masterClrMapping/>
+  </p:clrMapOvr>
+  <p:timing>
+    <p:tnLst>
+      <p:par>
+        <p:cTn id="1" dur="indefinite" restart="never" nodeType="tmRoot">
+          <p:childTnLst>
+            <p:seq concurrent="1" nextAc="seek">
+              <p:cTn id="2" dur="indefinite" nodeType="mainSeq">
+                <p:childTnLst>
+                  <p:par>
+                    <p:cTn id="3" fill="hold">
+                      <p:stCondLst>
+                        <p:cond delay="indefinite"/>
+                      </p:stCondLst>
+                      <p:childTnLst>
+                        <p:par>
+                          <p:cTn id="4" fill="hold">
+                            <p:stCondLst>
+                              <p:cond delay="0"/>
+                            </p:stCondLst>
+                            <p:childTnLst>
+                              <p:par>
+                                <p:cTn id="5" presetID="2" presetClass="entr" presetSubtype="2" fill="hold" nodeType="clickEffect">
+                                  <p:stCondLst>
+                                    <p:cond delay="0"/>
+                                  </p:stCondLst>
+                                  <p:childTnLst>
+                                    <p:set>
+                                      <p:cBhvr>
+                                        <p:cTn id="6" dur="1" fill="hold">
+                                          <p:stCondLst>
+                                            <p:cond delay="0"/>
+                                          </p:stCondLst>
+                                        </p:cTn>
+                                        <p:tgtEl>
+                                          <p:spTgt spid="4">
+                                            <p:txEl>
+                                              <p:pRg st="0" end="0"/>
+                                            </p:txEl>
+                                          </p:spTgt>
+                                        </p:tgtEl>
+                                        <p:attrNameLst>
+                                          <p:attrName>style.visibility</p:attrName>
+                                        </p:attrNameLst>
+                                      </p:cBhvr>
+                                      <p:to>
+                                        <p:strVal val="visible"/>
+                                      </p:to>
+                                    </p:set>
+                                    <p:anim calcmode="lin" valueType="num">
+                                      <p:cBhvr additive="base">
+                                        <p:cTn id="7" dur="500" fill="hold"/>
+                                        <p:tgtEl>
+                                          <p:spTgt spid="4">
+                                            <p:txEl>
+                                              <p:pRg st="0" end="0"/>
+                                            </p:txEl>
+                                          </p:spTgt>
+                                        </p:tgtEl>
+                                        <p:attrNameLst>
+                                          <p:attrName>ppt_x</p:attrName>
+                                        </p:attrNameLst>
+                                      </p:cBhvr>
+                                      <p:tavLst>
+                                        <p:tav tm="0">
+                                          <p:val>
+                                            <p:strVal val="1+#ppt_w/2"/>
+                                          </p:val>
+                                        </p:tav>
+                                        <p:tav tm="100000">
+                                          <p:val>
+                                            <p:strVal val="#ppt_x"/>
+                                          </p:val>
+                                        </p:tav>
+                                      </p:tavLst>
+                                    </p:anim>
+                                    <p:anim calcmode="lin" valueType="num">
+                                      <p:cBhvr additive="base">
+                                        <p:cTn id="8" dur="500" fill="hold"/>
+                                        <p:tgtEl>
+                                          <p:spTgt spid="4">
+                                            <p:txEl>
+                                              <p:pRg st="0" end="0"/>
+                                            </p:txEl>
+                                          </p:spTgt>
+                                        </p:tgtEl>
+                                        <p:attrNameLst>
+                                          <p:attrName>ppt_y</p:attrName>
+                                        </p:attrNameLst>
+                                      </p:cBhvr>
+                                      <p:tavLst>
+                                        <p:tav tm="0">
+                                          <p:val>
+                                            <p:strVal val="#ppt_y"/>
+                                          </p:val>
+                                        </p:tav>
+                                        <p:tav tm="100000">
+                                          <p:val>
+                                            <p:strVal val="#ppt_y"/>
+                                          </p:val>
+                                        </p:tav>
+                                      </p:tavLst>
+                                    </p:anim>
+                                  </p:childTnLst>
+                                </p:cTn>
+                              </p:par>
+                            </p:childTnLst>
+                          </p:cTn>
+                        </p:par>
+                      </p:childTnLst>
+                    </p:cTn>
+                  </p:par>
+                  <p:par>
+                    <p:cTn id="9" fill="hold">
+                      <p:stCondLst>
+                        <p:cond delay="indefinite"/>
+                      </p:stCondLst>
+                      <p:childTnLst>
+                        <p:par>
+                          <p:cTn id="10" fill="hold">
+                            <p:stCondLst>
+                              <p:cond delay="0"/>
+                            </p:stCondLst>
+                            <p:childTnLst>
+                              <p:par>
+                                <p:cTn id="11" presetID="2" presetClass="entr" presetSubtype="2" fill="hold" nodeType="clickEffect">
+                                  <p:stCondLst>
+                                    <p:cond delay="0"/>
+                                  </p:stCondLst>
+                                  <p:childTnLst>
+                                    <p:set>
+                                      <p:cBhvr>
+                                        <p:cTn id="12" dur="1" fill="hold">
+                                          <p:stCondLst>
+                                            <p:cond delay="0"/>
+                                          </p:stCondLst>
+                                        </p:cTn>
+                                        <p:tgtEl>
+                                          <p:spTgt spid="4">
+                                            <p:txEl>
+                                              <p:pRg st="2" end="2"/>
+                                            </p:txEl>
+                                          </p:spTgt>
+                                        </p:tgtEl>
+                                        <p:attrNameLst>
+                                          <p:attrName>style.visibility</p:attrName>
+                                        </p:attrNameLst>
+                                      </p:cBhvr>
+                                      <p:to>
+                                        <p:strVal val="visible"/>
+                                      </p:to>
+                                    </p:set>
+                                    <p:anim calcmode="lin" valueType="num">
+                                      <p:cBhvr additive="base">
+                                        <p:cTn id="13" dur="500" fill="hold"/>
+                                        <p:tgtEl>
+                                          <p:spTgt spid="4">
+                                            <p:txEl>
+                                              <p:pRg st="2" end="2"/>
+                                            </p:txEl>
+                                          </p:spTgt>
+                                        </p:tgtEl>
+                                        <p:attrNameLst>
+                                          <p:attrName>ppt_x</p:attrName>
+                                        </p:attrNameLst>
+                                      </p:cBhvr>
+                                      <p:tavLst>
+                                        <p:tav tm="0">
+                                          <p:val>
+                                            <p:strVal val="1+#ppt_w/2"/>
+                                          </p:val>
+                                        </p:tav>
+                                        <p:tav tm="100000">
+                                          <p:val>
+                                            <p:strVal val="#ppt_x"/>
+                                          </p:val>
+                                        </p:tav>
+                                      </p:tavLst>
+                                    </p:anim>
+                                    <p:anim calcmode="lin" valueType="num">
+                                      <p:cBhvr additive="base">
+                                        <p:cTn id="14" dur="500" fill="hold"/>
+                                        <p:tgtEl>
+                                          <p:spTgt spid="4">
+                                            <p:txEl>
+                                              <p:pRg st="2" end="2"/>
+                                            </p:txEl>
+                                          </p:spTgt>
+                                        </p:tgtEl>
+                                        <p:attrNameLst>
+                                          <p:attrName>ppt_y</p:attrName>
+                                        </p:attrNameLst>
+                                      </p:cBhvr>
+                                      <p:tavLst>
+                                        <p:tav tm="0">
+                                          <p:val>
+                                            <p:strVal val="#ppt_y"/>
+                                          </p:val>
+                                        </p:tav>
+                                        <p:tav tm="100000">
+                                          <p:val>
+                                            <p:strVal val="#ppt_y"/>
+                                          </p:val>
+                                        </p:tav>
+                                      </p:tavLst>
+                                    </p:anim>
+                                  </p:childTnLst>
+                                </p:cTn>
+                              </p:par>
+                            </p:childTnLst>
+                          </p:cTn>
+                        </p:par>
+                      </p:childTnLst>
+                    </p:cTn>
+                  </p:par>
+                  <p:par>
+                    <p:cTn id="15" fill="hold">
+                      <p:stCondLst>
+                        <p:cond delay="indefinite"/>
+                      </p:stCondLst>
+                      <p:childTnLst>
+                        <p:par>
+                          <p:cTn id="16" fill="hold">
+                            <p:stCondLst>
+                              <p:cond delay="0"/>
+                            </p:stCondLst>
+                            <p:childTnLst>
+                              <p:par>
+                                <p:cTn id="17" presetID="2" presetClass="entr" presetSubtype="2" fill="hold" nodeType="clickEffect">
+                                  <p:stCondLst>
+                                    <p:cond delay="0"/>
+                                  </p:stCondLst>
+                                  <p:childTnLst>
+                                    <p:set>
+                                      <p:cBhvr>
+                                        <p:cTn id="18" dur="1" fill="hold">
+                                          <p:stCondLst>
+                                            <p:cond delay="0"/>
+                                          </p:stCondLst>
+                                        </p:cTn>
+                                        <p:tgtEl>
+                                          <p:spTgt spid="4">
+                                            <p:txEl>
+                                              <p:pRg st="4" end="4"/>
+                                            </p:txEl>
+                                          </p:spTgt>
+                                        </p:tgtEl>
+                                        <p:attrNameLst>
+                                          <p:attrName>style.visibility</p:attrName>
+                                        </p:attrNameLst>
+                                      </p:cBhvr>
+                                      <p:to>
+                                        <p:strVal val="visible"/>
+                                      </p:to>
+                                    </p:set>
+                                    <p:anim calcmode="lin" valueType="num">
+                                      <p:cBhvr additive="base">
+                                        <p:cTn id="19" dur="500" fill="hold"/>
+                                        <p:tgtEl>
+                                          <p:spTgt spid="4">
+                                            <p:txEl>
+                                              <p:pRg st="4" end="4"/>
+                                            </p:txEl>
+                                          </p:spTgt>
+                                        </p:tgtEl>
+                                        <p:attrNameLst>
+                                          <p:attrName>ppt_x</p:attrName>
+                                        </p:attrNameLst>
+                                      </p:cBhvr>
+                                      <p:tavLst>
+                                        <p:tav tm="0">
+                                          <p:val>
+                                            <p:strVal val="1+#ppt_w/2"/>
+                                          </p:val>
+                                        </p:tav>
+                                        <p:tav tm="100000">
+                                          <p:val>
+                                            <p:strVal val="#ppt_x"/>
+                                          </p:val>
+                                        </p:tav>
+                                      </p:tavLst>
+                                    </p:anim>
+                                    <p:anim calcmode="lin" valueType="num">
+                                      <p:cBhvr additive="base">
+                                        <p:cTn id="20" dur="500" fill="hold"/>
+                                        <p:tgtEl>
+                                          <p:spTgt spid="4">
+                                            <p:txEl>
+                                              <p:pRg st="4" end="4"/>
+                                            </p:txEl>
+                                          </p:spTgt>
+                                        </p:tgtEl>
+                                        <p:attrNameLst>
+                                          <p:attrName>ppt_y</p:attrName>
+                                        </p:attrNameLst>
+                                      </p:cBhvr>
+                                      <p:tavLst>
+                                        <p:tav tm="0">
+                                          <p:val>
+                                            <p:strVal val="#ppt_y"/>
+                                          </p:val>
+                                        </p:tav>
+                                        <p:tav tm="100000">
+                                          <p:val>
+                                            <p:strVal val="#ppt_y"/>
+                                          </p:val>
+                                        </p:tav>
+                                      </p:tavLst>
+                                    </p:anim>
+                                  </p:childTnLst>
+                                </p:cTn>
+                              </p:par>
+                              <p:par>
+                                <p:cTn id="21" presetID="2" presetClass="entr" presetSubtype="2" fill="hold" nodeType="withEffect">
+                                  <p:stCondLst>
+                                    <p:cond delay="0"/>
+                                  </p:stCondLst>
+                                  <p:childTnLst>
+                                    <p:set>
+                                      <p:cBhvr>
+                                        <p:cTn id="22" dur="1" fill="hold">
+                                          <p:stCondLst>
+                                            <p:cond delay="0"/>
+                                          </p:stCondLst>
+                                        </p:cTn>
+                                        <p:tgtEl>
+                                          <p:spTgt spid="4">
+                                            <p:txEl>
+                                              <p:pRg st="5" end="5"/>
+                                            </p:txEl>
+                                          </p:spTgt>
+                                        </p:tgtEl>
+                                        <p:attrNameLst>
+                                          <p:attrName>style.visibility</p:attrName>
+                                        </p:attrNameLst>
+                                      </p:cBhvr>
+                                      <p:to>
+                                        <p:strVal val="visible"/>
+                                      </p:to>
+                                    </p:set>
+                                    <p:anim calcmode="lin" valueType="num">
+                                      <p:cBhvr additive="base">
+                                        <p:cTn id="23" dur="500" fill="hold"/>
+                                        <p:tgtEl>
+                                          <p:spTgt spid="4">
+                                            <p:txEl>
+                                              <p:pRg st="5" end="5"/>
+                                            </p:txEl>
+                                          </p:spTgt>
+                                        </p:tgtEl>
+                                        <p:attrNameLst>
+                                          <p:attrName>ppt_x</p:attrName>
+                                        </p:attrNameLst>
+                                      </p:cBhvr>
+                                      <p:tavLst>
+                                        <p:tav tm="0">
+                                          <p:val>
+                                            <p:strVal val="1+#ppt_w/2"/>
+                                          </p:val>
+                                        </p:tav>
+                                        <p:tav tm="100000">
+                                          <p:val>
+                                            <p:strVal val="#ppt_x"/>
+                                          </p:val>
+                                        </p:tav>
+                                      </p:tavLst>
+                                    </p:anim>
+                                    <p:anim calcmode="lin" valueType="num">
+                                      <p:cBhvr additive="base">
+                                        <p:cTn id="24" dur="500" fill="hold"/>
+                                        <p:tgtEl>
+                                          <p:spTgt spid="4">
+                                            <p:txEl>
+                                              <p:pRg st="5" end="5"/>
+                                            </p:txEl>
+                                          </p:spTgt>
+                                        </p:tgtEl>
+                                        <p:attrNameLst>
+                                          <p:attrName>ppt_y</p:attrName>
+                                        </p:attrNameLst>
+                                      </p:cBhvr>
+                                      <p:tavLst>
+                                        <p:tav tm="0">
+                                          <p:val>
+                                            <p:strVal val="#ppt_y"/>
+                                          </p:val>
+                                        </p:tav>
+                                        <p:tav tm="100000">
+                                          <p:val>
+                                            <p:strVal val="#ppt_y"/>
+                                          </p:val>
+                                        </p:tav>
+                                      </p:tavLst>
+                                    </p:anim>
+                                  </p:childTnLst>
+                                </p:cTn>
+                              </p:par>
+                              <p:par>
+                                <p:cTn id="25" presetID="2" presetClass="entr" presetSubtype="2" fill="hold" nodeType="withEffect">
+                                  <p:stCondLst>
+                                    <p:cond delay="0"/>
+                                  </p:stCondLst>
+                                  <p:childTnLst>
+                                    <p:set>
+                                      <p:cBhvr>
+                                        <p:cTn id="26" dur="1" fill="hold">
+                                          <p:stCondLst>
+                                            <p:cond delay="0"/>
+                                          </p:stCondLst>
+                                        </p:cTn>
+                                        <p:tgtEl>
+                                          <p:spTgt spid="4">
+                                            <p:txEl>
+                                              <p:pRg st="6" end="6"/>
+                                            </p:txEl>
+                                          </p:spTgt>
+                                        </p:tgtEl>
+                                        <p:attrNameLst>
+                                          <p:attrName>style.visibility</p:attrName>
+                                        </p:attrNameLst>
+                                      </p:cBhvr>
+                                      <p:to>
+                                        <p:strVal val="visible"/>
+                                      </p:to>
+                                    </p:set>
+                                    <p:anim calcmode="lin" valueType="num">
+                                      <p:cBhvr additive="base">
+                                        <p:cTn id="27" dur="500" fill="hold"/>
+                                        <p:tgtEl>
+                                          <p:spTgt spid="4">
+                                            <p:txEl>
+                                              <p:pRg st="6" end="6"/>
+                                            </p:txEl>
+                                          </p:spTgt>
+                                        </p:tgtEl>
+                                        <p:attrNameLst>
+                                          <p:attrName>ppt_x</p:attrName>
+                                        </p:attrNameLst>
+                                      </p:cBhvr>
+                                      <p:tavLst>
+                                        <p:tav tm="0">
+                                          <p:val>
+                                            <p:strVal val="1+#ppt_w/2"/>
+                                          </p:val>
+                                        </p:tav>
+                                        <p:tav tm="100000">
+                                          <p:val>
+                                            <p:strVal val="#ppt_x"/>
+                                          </p:val>
+                                        </p:tav>
+                                      </p:tavLst>
+                                    </p:anim>
+                                    <p:anim calcmode="lin" valueType="num">
+                                      <p:cBhvr additive="base">
+                                        <p:cTn id="28" dur="500" fill="hold"/>
+                                        <p:tgtEl>
+                                          <p:spTgt spid="4">
+                                            <p:txEl>
+                                              <p:pRg st="6" end="6"/>
+                                            </p:txEl>
+                                          </p:spTgt>
+                                        </p:tgtEl>
+                                        <p:attrNameLst>
+                                          <p:attrName>ppt_y</p:attrName>
+                                        </p:attrNameLst>
+                                      </p:cBhvr>
+                                      <p:tavLst>
+                                        <p:tav tm="0">
+                                          <p:val>
+                                            <p:strVal val="#ppt_y"/>
+                                          </p:val>
+                                        </p:tav>
+                                        <p:tav tm="100000">
+                                          <p:val>
+                                            <p:strVal val="#ppt_y"/>
+                                          </p:val>
+                                        </p:tav>
+                                      </p:tavLst>
+                                    </p:anim>
+                                  </p:childTnLst>
+                                </p:cTn>
+                              </p:par>
+                            </p:childTnLst>
+                          </p:cTn>
+                        </p:par>
+                      </p:childTnLst>
+                    </p:cTn>
+                  </p:par>
+                  <p:par>
+                    <p:cTn id="29" fill="hold">
+                      <p:stCondLst>
+                        <p:cond delay="indefinite"/>
+                      </p:stCondLst>
+                      <p:childTnLst>
+                        <p:par>
+                          <p:cTn id="30" fill="hold">
+                            <p:stCondLst>
+                              <p:cond delay="0"/>
+                            </p:stCondLst>
+                            <p:childTnLst>
+                              <p:par>
+                                <p:cTn id="31" presetID="26" presetClass="entr" presetSubtype="0" fill="hold" nodeType="clickEffect">
+                                  <p:stCondLst>
+                                    <p:cond delay="0"/>
+                                  </p:stCondLst>
+                                  <p:childTnLst>
+                                    <p:set>
+                                      <p:cBhvr>
+                                        <p:cTn id="32" dur="1" fill="hold">
+                                          <p:stCondLst>
+                                            <p:cond delay="0"/>
+                                          </p:stCondLst>
+                                        </p:cTn>
+                                        <p:tgtEl>
+                                          <p:spTgt spid="3"/>
+                                        </p:tgtEl>
+                                        <p:attrNameLst>
+                                          <p:attrName>style.visibility</p:attrName>
+                                        </p:attrNameLst>
+                                      </p:cBhvr>
+                                      <p:to>
+                                        <p:strVal val="visible"/>
+                                      </p:to>
+                                    </p:set>
+                                    <p:animEffect transition="in" filter="wipe(down)">
+                                      <p:cBhvr>
+                                        <p:cTn id="33" dur="580">
+                                          <p:stCondLst>
+                                            <p:cond delay="0"/>
+                                          </p:stCondLst>
+                                        </p:cTn>
+                                        <p:tgtEl>
+                                          <p:spTgt spid="3"/>
+                                        </p:tgtEl>
+                                      </p:cBhvr>
+                                    </p:animEffect>
+                                    <p:anim calcmode="lin" valueType="num">
+                                      <p:cBhvr>
+                                        <p:cTn id="34" dur="1822" tmFilter="0,0; 0.14,0.36; 0.43,0.73; 0.71,0.91; 1.0,1.0">
+                                          <p:stCondLst>
+                                            <p:cond delay="0"/>
+                                          </p:stCondLst>
+                                        </p:cTn>
+                                        <p:tgtEl>
+                                          <p:spTgt spid="3"/>
+                                        </p:tgtEl>
+                                        <p:attrNameLst>
+                                          <p:attrName>ppt_x</p:attrName>
+                                        </p:attrNameLst>
+                                      </p:cBhvr>
+                                      <p:tavLst>
+                                        <p:tav tm="0">
+                                          <p:val>
+                                            <p:strVal val="#ppt_x-0.25"/>
+                                          </p:val>
+                                        </p:tav>
+                                        <p:tav tm="100000">
+                                          <p:val>
+                                            <p:strVal val="#ppt_x"/>
+                                          </p:val>
+                                        </p:tav>
+                                      </p:tavLst>
+                                    </p:anim>
+                                    <p:anim calcmode="lin" valueType="num">
+                                      <p:cBhvr>
+                                        <p:cTn id="35" dur="664" tmFilter="0.0,0.0; 0.25,0.07; 0.50,0.2; 0.75,0.467; 1.0,1.0">
+                                          <p:stCondLst>
+                                            <p:cond delay="0"/>
+                                          </p:stCondLst>
+                                        </p:cTn>
+                                        <p:tgtEl>
+                                          <p:spTgt spid="3"/>
+                                        </p:tgtEl>
+                                        <p:attrNameLst>
+                                          <p:attrName>ppt_y</p:attrName>
+                                        </p:attrNameLst>
+                                      </p:cBhvr>
+                                      <p:tavLst>
+                                        <p:tav tm="0" fmla="#ppt_y-sin(pi*$)/3">
+                                          <p:val>
+                                            <p:fltVal val="0.5"/>
+                                          </p:val>
+                                        </p:tav>
+                                        <p:tav tm="100000">
+                                          <p:val>
+                                            <p:fltVal val="1"/>
+                                          </p:val>
+                                        </p:tav>
+                                      </p:tavLst>
+                                    </p:anim>
+                                    <p:anim calcmode="lin" valueType="num">
+                                      <p:cBhvr>
+                                        <p:cTn id="36" dur="664" tmFilter="0, 0; 0.125,0.2665; 0.25,0.4; 0.375,0.465; 0.5,0.5;  0.625,0.535; 0.75,0.6; 0.875,0.7335; 1,1">
+                                          <p:stCondLst>
+                                            <p:cond delay="664"/>
+                                          </p:stCondLst>
+                                        </p:cTn>
+                                        <p:tgtEl>
+                                          <p:spTgt spid="3"/>
+                                        </p:tgtEl>
+                                        <p:attrNameLst>
+                                          <p:attrName>ppt_y</p:attrName>
+                                        </p:attrNameLst>
+                                      </p:cBhvr>
+                                      <p:tavLst>
+                                        <p:tav tm="0" fmla="#ppt_y-sin(pi*$)/9">
+                                          <p:val>
+                                            <p:fltVal val="0"/>
+                                          </p:val>
+                                        </p:tav>
+                                        <p:tav tm="100000">
+                                          <p:val>
+                                            <p:fltVal val="1"/>
+                                          </p:val>
+                                        </p:tav>
+                                      </p:tavLst>
+                                    </p:anim>
+                                    <p:anim calcmode="lin" valueType="num">
+                                      <p:cBhvr>
+                                        <p:cTn id="37" dur="332" tmFilter="0, 0; 0.125,0.2665; 0.25,0.4; 0.375,0.465; 0.5,0.5;  0.625,0.535; 0.75,0.6; 0.875,0.7335; 1,1">
+                                          <p:stCondLst>
+                                            <p:cond delay="1324"/>
+                                          </p:stCondLst>
+                                        </p:cTn>
+                                        <p:tgtEl>
+                                          <p:spTgt spid="3"/>
+                                        </p:tgtEl>
+                                        <p:attrNameLst>
+                                          <p:attrName>ppt_y</p:attrName>
+                                        </p:attrNameLst>
+                                      </p:cBhvr>
+                                      <p:tavLst>
+                                        <p:tav tm="0" fmla="#ppt_y-sin(pi*$)/27">
+                                          <p:val>
+                                            <p:fltVal val="0"/>
+                                          </p:val>
+                                        </p:tav>
+                                        <p:tav tm="100000">
+                                          <p:val>
+                                            <p:fltVal val="1"/>
+                                          </p:val>
+                                        </p:tav>
+                                      </p:tavLst>
+                                    </p:anim>
+                                    <p:anim calcmode="lin" valueType="num">
+                                      <p:cBhvr>
+                                        <p:cTn id="38" dur="164" tmFilter="0, 0; 0.125,0.2665; 0.25,0.4; 0.375,0.465; 0.5,0.5;  0.625,0.535; 0.75,0.6; 0.875,0.7335; 1,1">
+                                          <p:stCondLst>
+                                            <p:cond delay="1656"/>
+                                          </p:stCondLst>
+                                        </p:cTn>
+                                        <p:tgtEl>
+                                          <p:spTgt spid="3"/>
+                                        </p:tgtEl>
+                                        <p:attrNameLst>
+                                          <p:attrName>ppt_y</p:attrName>
+                                        </p:attrNameLst>
+                                      </p:cBhvr>
+                                      <p:tavLst>
+                                        <p:tav tm="0" fmla="#ppt_y-sin(pi*$)/81">
+                                          <p:val>
+                                            <p:fltVal val="0"/>
+                                          </p:val>
+                                        </p:tav>
+                                        <p:tav tm="100000">
+                                          <p:val>
+                                            <p:fltVal val="1"/>
+                                          </p:val>
+                                        </p:tav>
+                                      </p:tavLst>
+                                    </p:anim>
+                                    <p:animScale>
+                                      <p:cBhvr>
+                                        <p:cTn id="39" dur="26">
+                                          <p:stCondLst>
+                                            <p:cond delay="650"/>
+                                          </p:stCondLst>
+                                        </p:cTn>
+                                        <p:tgtEl>
+                                          <p:spTgt spid="3"/>
+                                        </p:tgtEl>
+                                      </p:cBhvr>
+                                      <p:to x="100000" y="60000"/>
+                                    </p:animScale>
+                                    <p:animScale>
+                                      <p:cBhvr>
+                                        <p:cTn id="40" dur="166" decel="50000">
+                                          <p:stCondLst>
+                                            <p:cond delay="676"/>
+                                          </p:stCondLst>
+                                        </p:cTn>
+                                        <p:tgtEl>
+                                          <p:spTgt spid="3"/>
+                                        </p:tgtEl>
+                                      </p:cBhvr>
+                                      <p:to x="100000" y="100000"/>
+                                    </p:animScale>
+                                    <p:animScale>
+                                      <p:cBhvr>
+                                        <p:cTn id="41" dur="26">
+                                          <p:stCondLst>
+                                            <p:cond delay="1312"/>
+                                          </p:stCondLst>
+                                        </p:cTn>
+                                        <p:tgtEl>
+                                          <p:spTgt spid="3"/>
+                                        </p:tgtEl>
+                                      </p:cBhvr>
+                                      <p:to x="100000" y="80000"/>
+                                    </p:animScale>
+                                    <p:animScale>
+                                      <p:cBhvr>
+                                        <p:cTn id="42" dur="166" decel="50000">
+                                          <p:stCondLst>
+                                            <p:cond delay="1338"/>
+                                          </p:stCondLst>
+                                        </p:cTn>
+                                        <p:tgtEl>
+                                          <p:spTgt spid="3"/>
+                                        </p:tgtEl>
+                                      </p:cBhvr>
+                                      <p:to x="100000" y="100000"/>
+                                    </p:animScale>
+                                    <p:animScale>
+                                      <p:cBhvr>
+                                        <p:cTn id="43" dur="26">
+                                          <p:stCondLst>
+                                            <p:cond delay="1642"/>
+                                          </p:stCondLst>
+                                        </p:cTn>
+                                        <p:tgtEl>
+                                          <p:spTgt spid="3"/>
+                                        </p:tgtEl>
+                                      </p:cBhvr>
+                                      <p:to x="100000" y="90000"/>
+                                    </p:animScale>
+                                    <p:animScale>
+                                      <p:cBhvr>
+                                        <p:cTn id="44" dur="166" decel="50000">
+                                          <p:stCondLst>
+                                            <p:cond delay="1668"/>
+                                          </p:stCondLst>
+                                        </p:cTn>
+                                        <p:tgtEl>
+                                          <p:spTgt spid="3"/>
+                                        </p:tgtEl>
+                                      </p:cBhvr>
+                                      <p:to x="100000" y="100000"/>
+                                    </p:animScale>
+                                    <p:animScale>
+                                      <p:cBhvr>
+                                        <p:cTn id="45" dur="26">
+                                          <p:stCondLst>
+                                            <p:cond delay="1808"/>
+                                          </p:stCondLst>
+                                        </p:cTn>
+                                        <p:tgtEl>
+                                          <p:spTgt spid="3"/>
+                                        </p:tgtEl>
+                                      </p:cBhvr>
+                                      <p:to x="100000" y="95000"/>
+                                    </p:animScale>
+                                    <p:animScale>
+                                      <p:cBhvr>
+                                        <p:cTn id="46" dur="166" decel="50000">
+                                          <p:stCondLst>
+                                            <p:cond delay="1834"/>
+                                          </p:stCondLst>
+                                        </p:cTn>
+                                        <p:tgtEl>
+                                          <p:spTgt spid="3"/>
+                                        </p:tgtEl>
+                                      </p:cBhvr>
+                                      <p:to x="100000" y="100000"/>
+                                    </p:animScale>
+                                  </p:childTnLst>
+                                </p:cTn>
+                              </p:par>
+                            </p:childTnLst>
+                          </p:cTn>
+                        </p:par>
+                      </p:childTnLst>
+                    </p:cTn>
+                  </p:par>
+                </p:childTnLst>
+              </p:cTn>
+              <p:prevCondLst>
+                <p:cond evt="onPrev" delay="0">
+                  <p:tgtEl>
+                    <p:sldTgt/>
+                  </p:tgtEl>
+                </p:cond>
+              </p:prevCondLst>
+              <p:nextCondLst>
+                <p:cond evt="onNext" delay="0">
+                  <p:tgtEl>
+                    <p:sldTgt/>
+                  </p:tgtEl>
+                </p:cond>
+              </p:nextCondLst>
+            </p:seq>
+          </p:childTnLst>
+        </p:cTn>
+      </p:par>
+    </p:tnLst>
+  </p:timing>
+</p:sld>
+</file>
+
+<file path=ppt/slides/slide19.xml><?xml version="1.0" encoding="utf-8"?>
+<p:sld xmlns:a="http://schemas.openxmlformats.org/drawingml/2006/main" xmlns:r="http://schemas.openxmlformats.org/officeDocument/2006/relationships" xmlns:p="http://schemas.openxmlformats.org/presentationml/2006/main">
+  <p:cSld>
+    <p:bg>
+      <p:bgPr>
+        <a:blipFill dpi="0" rotWithShape="0">
+          <a:blip r:embed="rId3"/>
+          <a:srcRect/>
+          <a:stretch>
+            <a:fillRect/>
+          </a:stretch>
+        </a:blipFill>
+        <a:effectLst/>
+      </p:bgPr>
+    </p:bg>
+    <p:spTree>
+      <p:nvGrpSpPr>
+        <p:cNvPr id="1" name=""/>
+        <p:cNvGrpSpPr/>
+        <p:nvPr/>
+      </p:nvGrpSpPr>
+      <p:grpSpPr>
+        <a:xfrm>
+          <a:off x="0" y="0"/>
+          <a:ext cx="0" cy="0"/>
+          <a:chOff x="0" y="0"/>
+          <a:chExt cx="0" cy="0"/>
+        </a:xfrm>
+      </p:grpSpPr>
+      <p:sp>
+        <p:nvSpPr>
+          <p:cNvPr id="3074" name="TextBox 5">
+            <a:extLst>
+              <a:ext uri="{FF2B5EF4-FFF2-40B4-BE49-F238E27FC236}">
+                <a16:creationId xmlns:a16="http://schemas.microsoft.com/office/drawing/2014/main" id="{30C17079-C4CC-412C-A3D1-A1AC49D7AA9B}"/>
+              </a:ext>
+            </a:extLst>
+          </p:cNvPr>
+          <p:cNvSpPr txBox="1">
+            <a:spLocks noChangeArrowheads="1"/>
+          </p:cNvSpPr>
+          <p:nvPr/>
+        </p:nvSpPr>
+        <p:spPr bwMode="auto">
+          <a:xfrm>
+            <a:off x="457200" y="155575"/>
+            <a:ext cx="3987800" cy="584200"/>
+          </a:xfrm>
+          <a:prstGeom prst="rect">
+            <a:avLst/>
+          </a:prstGeom>
+          <a:noFill/>
+          <a:ln>
+            <a:noFill/>
+          </a:ln>
+          <a:extLst>
+            <a:ext uri="{909E8E84-426E-40DD-AFC4-6F175D3DCCD1}">
+              <a14:hiddenFill xmlns:a14="http://schemas.microsoft.com/office/drawing/2010/main">
+                <a:solidFill>
+                  <a:srgbClr val="FFFFFF"/>
+                </a:solidFill>
+              </a14:hiddenFill>
+            </a:ext>
+            <a:ext uri="{91240B29-F687-4F45-9708-019B960494DF}">
+              <a14:hiddenLine xmlns:a14="http://schemas.microsoft.com/office/drawing/2010/main" w="9525">
+                <a:solidFill>
+                  <a:srgbClr val="000000"/>
+                </a:solidFill>
+                <a:miter lim="800000"/>
+                <a:headEnd/>
+                <a:tailEnd/>
+              </a14:hiddenLine>
+            </a:ext>
+          </a:extLst>
+        </p:spPr>
+        <p:txBody>
+          <a:bodyPr>
+            <a:spAutoFit/>
+          </a:bodyPr>
+          <a:lstStyle>
+            <a:lvl1pPr eaLnBrk="0" hangingPunct="0">
+              <a:defRPr>
+                <a:solidFill>
+                  <a:schemeClr val="tx1"/>
+                </a:solidFill>
+                <a:latin typeface="Calibri" panose="020F0502020204030204" pitchFamily="34" charset="0"/>
+                <a:ea typeface="MS PGothic" panose="020B0600070205080204" pitchFamily="34" charset="-128"/>
+              </a:defRPr>
+            </a:lvl1pPr>
+            <a:lvl2pPr marL="742950" indent="-285750" eaLnBrk="0" hangingPunct="0">
+              <a:defRPr>
+                <a:solidFill>
+                  <a:schemeClr val="tx1"/>
+                </a:solidFill>
+                <a:latin typeface="Calibri" panose="020F0502020204030204" pitchFamily="34" charset="0"/>
+                <a:ea typeface="MS PGothic" panose="020B0600070205080204" pitchFamily="34" charset="-128"/>
+              </a:defRPr>
+            </a:lvl2pPr>
+            <a:lvl3pPr marL="1143000" indent="-228600" eaLnBrk="0" hangingPunct="0">
+              <a:defRPr>
+                <a:solidFill>
+                  <a:schemeClr val="tx1"/>
+                </a:solidFill>
+                <a:latin typeface="Calibri" panose="020F0502020204030204" pitchFamily="34" charset="0"/>
+                <a:ea typeface="MS PGothic" panose="020B0600070205080204" pitchFamily="34" charset="-128"/>
+              </a:defRPr>
+            </a:lvl3pPr>
+            <a:lvl4pPr marL="1600200" indent="-228600" eaLnBrk="0" hangingPunct="0">
+              <a:defRPr>
+                <a:solidFill>
+                  <a:schemeClr val="tx1"/>
+                </a:solidFill>
+                <a:latin typeface="Calibri" panose="020F0502020204030204" pitchFamily="34" charset="0"/>
+                <a:ea typeface="MS PGothic" panose="020B0600070205080204" pitchFamily="34" charset="-128"/>
+              </a:defRPr>
+            </a:lvl4pPr>
+            <a:lvl5pPr marL="2057400" indent="-228600" eaLnBrk="0" hangingPunct="0">
+              <a:defRPr>
+                <a:solidFill>
+                  <a:schemeClr val="tx1"/>
+                </a:solidFill>
+                <a:latin typeface="Calibri" panose="020F0502020204030204" pitchFamily="34" charset="0"/>
+                <a:ea typeface="MS PGothic" panose="020B0600070205080204" pitchFamily="34" charset="-128"/>
+              </a:defRPr>
+            </a:lvl5pPr>
+            <a:lvl6pPr marL="2514600" indent="-228600" defTabSz="457200" eaLnBrk="0" fontAlgn="base" hangingPunct="0">
+              <a:spcBef>
+                <a:spcPct val="0"/>
+              </a:spcBef>
+              <a:spcAft>
+                <a:spcPct val="0"/>
+              </a:spcAft>
+              <a:defRPr>
+                <a:solidFill>
+                  <a:schemeClr val="tx1"/>
+                </a:solidFill>
+                <a:latin typeface="Calibri" panose="020F0502020204030204" pitchFamily="34" charset="0"/>
+                <a:ea typeface="MS PGothic" panose="020B0600070205080204" pitchFamily="34" charset="-128"/>
+              </a:defRPr>
+            </a:lvl6pPr>
+            <a:lvl7pPr marL="2971800" indent="-228600" defTabSz="457200" eaLnBrk="0" fontAlgn="base" hangingPunct="0">
+              <a:spcBef>
+                <a:spcPct val="0"/>
+              </a:spcBef>
+              <a:spcAft>
+                <a:spcPct val="0"/>
+              </a:spcAft>
+              <a:defRPr>
+                <a:solidFill>
+                  <a:schemeClr val="tx1"/>
+                </a:solidFill>
+                <a:latin typeface="Calibri" panose="020F0502020204030204" pitchFamily="34" charset="0"/>
+                <a:ea typeface="MS PGothic" panose="020B0600070205080204" pitchFamily="34" charset="-128"/>
+              </a:defRPr>
+            </a:lvl7pPr>
+            <a:lvl8pPr marL="3429000" indent="-228600" defTabSz="457200" eaLnBrk="0" fontAlgn="base" hangingPunct="0">
+              <a:spcBef>
+                <a:spcPct val="0"/>
+              </a:spcBef>
+              <a:spcAft>
+                <a:spcPct val="0"/>
+              </a:spcAft>
+              <a:defRPr>
+                <a:solidFill>
+                  <a:schemeClr val="tx1"/>
+                </a:solidFill>
+                <a:latin typeface="Calibri" panose="020F0502020204030204" pitchFamily="34" charset="0"/>
+                <a:ea typeface="MS PGothic" panose="020B0600070205080204" pitchFamily="34" charset="-128"/>
+              </a:defRPr>
+            </a:lvl8pPr>
+            <a:lvl9pPr marL="3886200" indent="-228600" defTabSz="457200" eaLnBrk="0" fontAlgn="base" hangingPunct="0">
+              <a:spcBef>
+                <a:spcPct val="0"/>
+              </a:spcBef>
+              <a:spcAft>
+                <a:spcPct val="0"/>
+              </a:spcAft>
+              <a:defRPr>
+                <a:solidFill>
+                  <a:schemeClr val="tx1"/>
+                </a:solidFill>
+                <a:latin typeface="Calibri" panose="020F0502020204030204" pitchFamily="34" charset="0"/>
+                <a:ea typeface="MS PGothic" panose="020B0600070205080204" pitchFamily="34" charset="-128"/>
+              </a:defRPr>
+            </a:lvl9pPr>
+          </a:lstStyle>
+          <a:p>
+            <a:pPr eaLnBrk="1" hangingPunct="1"/>
+            <a:r>
+              <a:rPr lang="en-US" altLang="pt-BR" sz="3200" b="1" i="1" dirty="0">
+                <a:solidFill>
+                  <a:schemeClr val="bg1"/>
+                </a:solidFill>
+                <a:latin typeface="Myriad Pro" pitchFamily="-84" charset="0"/>
+              </a:rPr>
+              <a:t>INFRAESTRUTURA</a:t>
+            </a:r>
+          </a:p>
+        </p:txBody>
+      </p:sp>
+      <p:sp>
+        <p:nvSpPr>
+          <p:cNvPr id="3076" name="TextBox 7">
+            <a:extLst>
+              <a:ext uri="{FF2B5EF4-FFF2-40B4-BE49-F238E27FC236}">
+                <a16:creationId xmlns:a16="http://schemas.microsoft.com/office/drawing/2014/main" id="{BBF672AD-50A6-4C9A-B06F-B75DFBC71A10}"/>
+              </a:ext>
+            </a:extLst>
+          </p:cNvPr>
+          <p:cNvSpPr txBox="1">
+            <a:spLocks noChangeArrowheads="1"/>
+          </p:cNvSpPr>
+          <p:nvPr/>
+        </p:nvSpPr>
+        <p:spPr bwMode="auto">
+          <a:xfrm>
+            <a:off x="457200" y="6519863"/>
+            <a:ext cx="3949700" cy="338137"/>
+          </a:xfrm>
+          <a:prstGeom prst="rect">
+            <a:avLst/>
+          </a:prstGeom>
+          <a:noFill/>
+          <a:ln>
+            <a:noFill/>
+          </a:ln>
+          <a:extLst>
+            <a:ext uri="{909E8E84-426E-40DD-AFC4-6F175D3DCCD1}">
+              <a14:hiddenFill xmlns:a14="http://schemas.microsoft.com/office/drawing/2010/main">
+                <a:solidFill>
+                  <a:srgbClr val="FFFFFF"/>
+                </a:solidFill>
+              </a14:hiddenFill>
+            </a:ext>
+            <a:ext uri="{91240B29-F687-4F45-9708-019B960494DF}">
+              <a14:hiddenLine xmlns:a14="http://schemas.microsoft.com/office/drawing/2010/main" w="9525">
+                <a:solidFill>
+                  <a:srgbClr val="000000"/>
+                </a:solidFill>
+                <a:miter lim="800000"/>
+                <a:headEnd/>
+                <a:tailEnd/>
+              </a14:hiddenLine>
+            </a:ext>
+          </a:extLst>
+        </p:spPr>
+        <p:txBody>
+          <a:bodyPr>
+            <a:spAutoFit/>
+          </a:bodyPr>
+          <a:lstStyle>
+            <a:lvl1pPr eaLnBrk="0" hangingPunct="0">
+              <a:defRPr>
+                <a:solidFill>
+                  <a:schemeClr val="tx1"/>
+                </a:solidFill>
+                <a:latin typeface="Calibri" panose="020F0502020204030204" pitchFamily="34" charset="0"/>
+                <a:ea typeface="MS PGothic" panose="020B0600070205080204" pitchFamily="34" charset="-128"/>
+              </a:defRPr>
+            </a:lvl1pPr>
+            <a:lvl2pPr marL="742950" indent="-285750" eaLnBrk="0" hangingPunct="0">
+              <a:defRPr>
+                <a:solidFill>
+                  <a:schemeClr val="tx1"/>
+                </a:solidFill>
+                <a:latin typeface="Calibri" panose="020F0502020204030204" pitchFamily="34" charset="0"/>
+                <a:ea typeface="MS PGothic" panose="020B0600070205080204" pitchFamily="34" charset="-128"/>
+              </a:defRPr>
+            </a:lvl2pPr>
+            <a:lvl3pPr marL="1143000" indent="-228600" eaLnBrk="0" hangingPunct="0">
+              <a:defRPr>
+                <a:solidFill>
+                  <a:schemeClr val="tx1"/>
+                </a:solidFill>
+                <a:latin typeface="Calibri" panose="020F0502020204030204" pitchFamily="34" charset="0"/>
+                <a:ea typeface="MS PGothic" panose="020B0600070205080204" pitchFamily="34" charset="-128"/>
+              </a:defRPr>
+            </a:lvl3pPr>
+            <a:lvl4pPr marL="1600200" indent="-228600" eaLnBrk="0" hangingPunct="0">
+              <a:defRPr>
+                <a:solidFill>
+                  <a:schemeClr val="tx1"/>
+                </a:solidFill>
+                <a:latin typeface="Calibri" panose="020F0502020204030204" pitchFamily="34" charset="0"/>
+                <a:ea typeface="MS PGothic" panose="020B0600070205080204" pitchFamily="34" charset="-128"/>
+              </a:defRPr>
+            </a:lvl4pPr>
+            <a:lvl5pPr marL="2057400" indent="-228600" eaLnBrk="0" hangingPunct="0">
+              <a:defRPr>
+                <a:solidFill>
+                  <a:schemeClr val="tx1"/>
+                </a:solidFill>
+                <a:latin typeface="Calibri" panose="020F0502020204030204" pitchFamily="34" charset="0"/>
+                <a:ea typeface="MS PGothic" panose="020B0600070205080204" pitchFamily="34" charset="-128"/>
+              </a:defRPr>
+            </a:lvl5pPr>
+            <a:lvl6pPr marL="2514600" indent="-228600" defTabSz="457200" eaLnBrk="0" fontAlgn="base" hangingPunct="0">
+              <a:spcBef>
+                <a:spcPct val="0"/>
+              </a:spcBef>
+              <a:spcAft>
+                <a:spcPct val="0"/>
+              </a:spcAft>
+              <a:defRPr>
+                <a:solidFill>
+                  <a:schemeClr val="tx1"/>
+                </a:solidFill>
+                <a:latin typeface="Calibri" panose="020F0502020204030204" pitchFamily="34" charset="0"/>
+                <a:ea typeface="MS PGothic" panose="020B0600070205080204" pitchFamily="34" charset="-128"/>
+              </a:defRPr>
+            </a:lvl6pPr>
+            <a:lvl7pPr marL="2971800" indent="-228600" defTabSz="457200" eaLnBrk="0" fontAlgn="base" hangingPunct="0">
+              <a:spcBef>
+                <a:spcPct val="0"/>
+              </a:spcBef>
+              <a:spcAft>
+                <a:spcPct val="0"/>
+              </a:spcAft>
+              <a:defRPr>
+                <a:solidFill>
+                  <a:schemeClr val="tx1"/>
+                </a:solidFill>
+                <a:latin typeface="Calibri" panose="020F0502020204030204" pitchFamily="34" charset="0"/>
+                <a:ea typeface="MS PGothic" panose="020B0600070205080204" pitchFamily="34" charset="-128"/>
+              </a:defRPr>
+            </a:lvl7pPr>
+            <a:lvl8pPr marL="3429000" indent="-228600" defTabSz="457200" eaLnBrk="0" fontAlgn="base" hangingPunct="0">
+              <a:spcBef>
+                <a:spcPct val="0"/>
+              </a:spcBef>
+              <a:spcAft>
+                <a:spcPct val="0"/>
+              </a:spcAft>
+              <a:defRPr>
+                <a:solidFill>
+                  <a:schemeClr val="tx1"/>
+                </a:solidFill>
+                <a:latin typeface="Calibri" panose="020F0502020204030204" pitchFamily="34" charset="0"/>
+                <a:ea typeface="MS PGothic" panose="020B0600070205080204" pitchFamily="34" charset="-128"/>
+              </a:defRPr>
+            </a:lvl8pPr>
+            <a:lvl9pPr marL="3886200" indent="-228600" defTabSz="457200" eaLnBrk="0" fontAlgn="base" hangingPunct="0">
+              <a:spcBef>
+                <a:spcPct val="0"/>
+              </a:spcBef>
+              <a:spcAft>
+                <a:spcPct val="0"/>
+              </a:spcAft>
+              <a:defRPr>
+                <a:solidFill>
+                  <a:schemeClr val="tx1"/>
+                </a:solidFill>
+                <a:latin typeface="Calibri" panose="020F0502020204030204" pitchFamily="34" charset="0"/>
+                <a:ea typeface="MS PGothic" panose="020B0600070205080204" pitchFamily="34" charset="-128"/>
+              </a:defRPr>
+            </a:lvl9pPr>
+          </a:lstStyle>
+          <a:p>
+            <a:pPr eaLnBrk="1" hangingPunct="1"/>
+            <a:r>
+              <a:rPr lang="en-US" altLang="pt-BR" sz="1600" i="1" dirty="0">
+                <a:solidFill>
+                  <a:schemeClr val="bg1"/>
+                </a:solidFill>
+                <a:latin typeface="Myriad Pro" pitchFamily="-84" charset="0"/>
+              </a:rPr>
+              <a:t>JULIANO PÁVEL</a:t>
+            </a:r>
+          </a:p>
+        </p:txBody>
+      </p:sp>
+      <p:sp>
+        <p:nvSpPr>
+          <p:cNvPr id="4" name="Espaço Reservado para Conteúdo 3">
+            <a:extLst>
+              <a:ext uri="{FF2B5EF4-FFF2-40B4-BE49-F238E27FC236}">
+                <a16:creationId xmlns:a16="http://schemas.microsoft.com/office/drawing/2014/main" id="{EF8F1665-4312-4786-AFBF-9CA386DF90D1}"/>
+              </a:ext>
+            </a:extLst>
+          </p:cNvPr>
+          <p:cNvSpPr>
+            <a:spLocks noGrp="1"/>
+          </p:cNvSpPr>
+          <p:nvPr>
+            <p:ph idx="1"/>
+          </p:nvPr>
+        </p:nvSpPr>
+        <p:spPr>
+          <a:xfrm>
+            <a:off x="457200" y="1600200"/>
+            <a:ext cx="8229600" cy="4276817"/>
+          </a:xfrm>
+        </p:spPr>
+        <p:txBody>
+          <a:bodyPr>
+            <a:normAutofit/>
+          </a:bodyPr>
+          <a:lstStyle/>
+          <a:p>
+            <a:endParaRPr lang="pt-BR" dirty="0"/>
+          </a:p>
+          <a:p>
+            <a:endParaRPr lang="pt-BR" dirty="0"/>
+          </a:p>
+        </p:txBody>
+      </p:sp>
+      <p:grpSp>
+        <p:nvGrpSpPr>
+          <p:cNvPr id="15" name="Agrupar 14">
+            <a:extLst>
+              <a:ext uri="{FF2B5EF4-FFF2-40B4-BE49-F238E27FC236}">
+                <a16:creationId xmlns:a16="http://schemas.microsoft.com/office/drawing/2014/main" id="{4362A8FC-35BD-42AA-8617-D9E45C8F997B}"/>
+              </a:ext>
+            </a:extLst>
+          </p:cNvPr>
+          <p:cNvGrpSpPr/>
+          <p:nvPr/>
+        </p:nvGrpSpPr>
+        <p:grpSpPr>
+          <a:xfrm>
+            <a:off x="5769997" y="159200"/>
+            <a:ext cx="1466850" cy="1742032"/>
+            <a:chOff x="0" y="124868"/>
+            <a:chExt cx="1466850" cy="1742032"/>
+          </a:xfrm>
+        </p:grpSpPr>
+        <p:pic>
+          <p:nvPicPr>
+            <p:cNvPr id="16" name="Gráfico 4" descr="Laptop">
+              <a:extLst>
+                <a:ext uri="{FF2B5EF4-FFF2-40B4-BE49-F238E27FC236}">
+                  <a16:creationId xmlns:a16="http://schemas.microsoft.com/office/drawing/2014/main" id="{CAEBB632-34B8-4646-A473-2D77162D2B5D}"/>
+                </a:ext>
+              </a:extLst>
+            </p:cNvPr>
+            <p:cNvPicPr>
+              <a:picLocks noChangeAspect="1"/>
+            </p:cNvPicPr>
+            <p:nvPr/>
+          </p:nvPicPr>
+          <p:blipFill>
+            <a:blip r:embed="rId4">
+              <a:extLst>
+                <a:ext uri="{28A0092B-C50C-407E-A947-70E740481C1C}">
+                  <a14:useLocalDpi xmlns:a14="http://schemas.microsoft.com/office/drawing/2010/main" val="0"/>
+                </a:ext>
+                <a:ext uri="{96DAC541-7B7A-43D3-8B79-37D633B846F1}">
+                  <asvg:svgBlip xmlns:asvg="http://schemas.microsoft.com/office/drawing/2016/SVG/main" r:embed="rId5"/>
+                </a:ext>
+              </a:extLst>
+            </a:blip>
+            <a:stretch>
+              <a:fillRect/>
+            </a:stretch>
+          </p:blipFill>
+          <p:spPr>
+            <a:xfrm>
+              <a:off x="0" y="400050"/>
+              <a:ext cx="1466850" cy="1466850"/>
+            </a:xfrm>
+            <a:prstGeom prst="rect">
+              <a:avLst/>
+            </a:prstGeom>
+          </p:spPr>
+        </p:pic>
+        <p:sp>
+          <p:nvSpPr>
+            <p:cNvPr id="17" name="Caixa de Texto 5">
+              <a:extLst>
+                <a:ext uri="{FF2B5EF4-FFF2-40B4-BE49-F238E27FC236}">
+                  <a16:creationId xmlns:a16="http://schemas.microsoft.com/office/drawing/2014/main" id="{49FB8837-5421-4B5F-9366-C411BC4ED719}"/>
+                </a:ext>
+              </a:extLst>
+            </p:cNvPr>
+            <p:cNvSpPr txBox="1"/>
+            <p:nvPr/>
+          </p:nvSpPr>
+          <p:spPr>
+            <a:xfrm>
+              <a:off x="88454" y="124868"/>
+              <a:ext cx="1333500" cy="733425"/>
+            </a:xfrm>
+            <a:prstGeom prst="rect">
+              <a:avLst/>
+            </a:prstGeom>
+            <a:noFill/>
+            <a:ln w="6350">
+              <a:noFill/>
+            </a:ln>
+          </p:spPr>
+          <p:txBody>
+            <a:bodyPr rot="0" spcFirstLastPara="0" vert="horz" wrap="square" lIns="91440" tIns="45720" rIns="91440" bIns="45720" numCol="1" spcCol="0" rtlCol="0" fromWordArt="0" anchor="t" anchorCtr="0" forceAA="0" compatLnSpc="1">
+              <a:prstTxWarp prst="textNoShape">
+                <a:avLst/>
+              </a:prstTxWarp>
+              <a:noAutofit/>
+            </a:bodyPr>
+            <a:lstStyle/>
+            <a:p>
+              <a:pPr algn="ctr">
+                <a:spcAft>
+                  <a:spcPts val="1200"/>
+                </a:spcAft>
+              </a:pPr>
+              <a:r>
+                <a:rPr lang="pt-BR" sz="1600" dirty="0">
+                  <a:effectLst/>
+                  <a:latin typeface="Times New Roman" panose="02020603050405020304" pitchFamily="18" charset="0"/>
+                  <a:ea typeface="Calibri" panose="020F0502020204030204" pitchFamily="34" charset="0"/>
+                  <a:cs typeface="Times New Roman" panose="02020603050405020304" pitchFamily="18" charset="0"/>
+                </a:rPr>
+                <a:t>USUÁRIO FINAL</a:t>
+              </a:r>
+              <a:endParaRPr lang="pt-BR" sz="1000" dirty="0">
+                <a:effectLst/>
+                <a:latin typeface="Times New Roman" panose="02020603050405020304" pitchFamily="18" charset="0"/>
+                <a:ea typeface="Calibri" panose="020F0502020204030204" pitchFamily="34" charset="0"/>
+                <a:cs typeface="Times New Roman" panose="02020603050405020304" pitchFamily="18" charset="0"/>
+              </a:endParaRPr>
+            </a:p>
+          </p:txBody>
+        </p:sp>
+      </p:grpSp>
+      <p:grpSp>
+        <p:nvGrpSpPr>
+          <p:cNvPr id="24" name="Agrupar 23">
+            <a:extLst>
+              <a:ext uri="{FF2B5EF4-FFF2-40B4-BE49-F238E27FC236}">
+                <a16:creationId xmlns:a16="http://schemas.microsoft.com/office/drawing/2014/main" id="{6BD720D3-C82F-48DE-A492-E1A5CB08C03B}"/>
+              </a:ext>
+            </a:extLst>
+          </p:cNvPr>
+          <p:cNvGrpSpPr/>
+          <p:nvPr/>
+        </p:nvGrpSpPr>
+        <p:grpSpPr>
+          <a:xfrm>
+            <a:off x="-41852" y="2772620"/>
+            <a:ext cx="1447800" cy="1865769"/>
+            <a:chOff x="-68641" y="-284620"/>
+            <a:chExt cx="1447800" cy="1865770"/>
+          </a:xfrm>
+        </p:grpSpPr>
+        <p:pic>
+          <p:nvPicPr>
+            <p:cNvPr id="25" name="Gráfico 15" descr="Smartphone">
+              <a:extLst>
+                <a:ext uri="{FF2B5EF4-FFF2-40B4-BE49-F238E27FC236}">
+                  <a16:creationId xmlns:a16="http://schemas.microsoft.com/office/drawing/2014/main" id="{282159FD-AABD-4C58-988E-0BE2BF77FDF1}"/>
+                </a:ext>
+              </a:extLst>
+            </p:cNvPr>
+            <p:cNvPicPr>
+              <a:picLocks noChangeAspect="1"/>
+            </p:cNvPicPr>
+            <p:nvPr/>
+          </p:nvPicPr>
+          <p:blipFill>
+            <a:blip r:embed="rId6">
+              <a:extLst>
+                <a:ext uri="{28A0092B-C50C-407E-A947-70E740481C1C}">
+                  <a14:useLocalDpi xmlns:a14="http://schemas.microsoft.com/office/drawing/2010/main" val="0"/>
+                </a:ext>
+                <a:ext uri="{96DAC541-7B7A-43D3-8B79-37D633B846F1}">
+                  <asvg:svgBlip xmlns:asvg="http://schemas.microsoft.com/office/drawing/2016/SVG/main" r:embed="rId7"/>
+                </a:ext>
+              </a:extLst>
+            </a:blip>
+            <a:stretch>
+              <a:fillRect/>
+            </a:stretch>
+          </p:blipFill>
+          <p:spPr>
+            <a:xfrm>
+              <a:off x="0" y="228600"/>
+              <a:ext cx="1352550" cy="1352550"/>
+            </a:xfrm>
+            <a:prstGeom prst="rect">
+              <a:avLst/>
+            </a:prstGeom>
+            <a:effectLst>
+              <a:outerShdw blurRad="50800" dist="38100" dir="5400000" algn="t" rotWithShape="0">
+                <a:prstClr val="black">
+                  <a:alpha val="40000"/>
+                </a:prstClr>
+              </a:outerShdw>
+            </a:effectLst>
+          </p:spPr>
+        </p:pic>
+        <p:sp>
+          <p:nvSpPr>
+            <p:cNvPr id="26" name="Caixa de Texto 16">
+              <a:extLst>
+                <a:ext uri="{FF2B5EF4-FFF2-40B4-BE49-F238E27FC236}">
+                  <a16:creationId xmlns:a16="http://schemas.microsoft.com/office/drawing/2014/main" id="{4BB0E585-7F27-42C1-B16E-B57E265FCC99}"/>
+                </a:ext>
+              </a:extLst>
+            </p:cNvPr>
+            <p:cNvSpPr txBox="1"/>
+            <p:nvPr/>
+          </p:nvSpPr>
+          <p:spPr>
+            <a:xfrm>
+              <a:off x="-68641" y="-284620"/>
+              <a:ext cx="1447800" cy="809625"/>
+            </a:xfrm>
+            <a:prstGeom prst="rect">
+              <a:avLst/>
+            </a:prstGeom>
+            <a:noFill/>
+            <a:ln w="6350">
+              <a:noFill/>
+            </a:ln>
+          </p:spPr>
+          <p:txBody>
+            <a:bodyPr rot="0" spcFirstLastPara="0" vert="horz" wrap="square" lIns="91440" tIns="45720" rIns="91440" bIns="45720" numCol="1" spcCol="0" rtlCol="0" fromWordArt="0" anchor="t" anchorCtr="0" forceAA="0" compatLnSpc="1">
+              <a:prstTxWarp prst="textNoShape">
+                <a:avLst/>
+              </a:prstTxWarp>
+              <a:noAutofit/>
+            </a:bodyPr>
+            <a:lstStyle/>
+            <a:p>
+              <a:pPr algn="ctr">
+                <a:spcAft>
+                  <a:spcPts val="1200"/>
+                </a:spcAft>
+              </a:pPr>
+              <a:r>
+                <a:rPr lang="pt-BR" sz="1600" dirty="0">
+                  <a:solidFill>
+                    <a:srgbClr val="000000"/>
+                  </a:solidFill>
+                  <a:effectLst/>
+                  <a:latin typeface="Times New Roman" panose="02020603050405020304" pitchFamily="18" charset="0"/>
+                  <a:ea typeface="Calibri" panose="020F0502020204030204" pitchFamily="34" charset="0"/>
+                  <a:cs typeface="Times New Roman" panose="02020603050405020304" pitchFamily="18" charset="0"/>
+                </a:rPr>
+                <a:t>SERVIÇO DE USUÁRIOS</a:t>
+              </a:r>
+              <a:endParaRPr lang="pt-BR" sz="1000" dirty="0">
+                <a:effectLst/>
+                <a:latin typeface="Times New Roman" panose="02020603050405020304" pitchFamily="18" charset="0"/>
+                <a:ea typeface="Calibri" panose="020F0502020204030204" pitchFamily="34" charset="0"/>
+                <a:cs typeface="Times New Roman" panose="02020603050405020304" pitchFamily="18" charset="0"/>
+              </a:endParaRPr>
+            </a:p>
+          </p:txBody>
+        </p:sp>
+      </p:grpSp>
+      <p:grpSp>
+        <p:nvGrpSpPr>
+          <p:cNvPr id="30" name="Agrupar 29">
+            <a:extLst>
+              <a:ext uri="{FF2B5EF4-FFF2-40B4-BE49-F238E27FC236}">
+                <a16:creationId xmlns:a16="http://schemas.microsoft.com/office/drawing/2014/main" id="{8495DC18-45B6-4202-A76D-B2BB6E26C9BC}"/>
+              </a:ext>
+            </a:extLst>
+          </p:cNvPr>
+          <p:cNvGrpSpPr/>
+          <p:nvPr/>
+        </p:nvGrpSpPr>
+        <p:grpSpPr>
+          <a:xfrm>
+            <a:off x="4335883" y="1145280"/>
+            <a:ext cx="1447800" cy="1866317"/>
+            <a:chOff x="-64927" y="-285168"/>
+            <a:chExt cx="1447800" cy="1866318"/>
+          </a:xfrm>
+        </p:grpSpPr>
+        <p:pic>
+          <p:nvPicPr>
+            <p:cNvPr id="31" name="Gráfico 21" descr="Smartphone">
+              <a:extLst>
+                <a:ext uri="{FF2B5EF4-FFF2-40B4-BE49-F238E27FC236}">
+                  <a16:creationId xmlns:a16="http://schemas.microsoft.com/office/drawing/2014/main" id="{7F12CA8F-56C2-4558-B957-B087BF5391DE}"/>
+                </a:ext>
+              </a:extLst>
+            </p:cNvPr>
+            <p:cNvPicPr>
+              <a:picLocks noChangeAspect="1"/>
+            </p:cNvPicPr>
+            <p:nvPr/>
+          </p:nvPicPr>
+          <p:blipFill>
+            <a:blip r:embed="rId6">
+              <a:extLst>
+                <a:ext uri="{28A0092B-C50C-407E-A947-70E740481C1C}">
+                  <a14:useLocalDpi xmlns:a14="http://schemas.microsoft.com/office/drawing/2010/main" val="0"/>
+                </a:ext>
+                <a:ext uri="{96DAC541-7B7A-43D3-8B79-37D633B846F1}">
+                  <asvg:svgBlip xmlns:asvg="http://schemas.microsoft.com/office/drawing/2016/SVG/main" r:embed="rId7"/>
+                </a:ext>
+              </a:extLst>
+            </a:blip>
+            <a:stretch>
+              <a:fillRect/>
+            </a:stretch>
+          </p:blipFill>
+          <p:spPr>
+            <a:xfrm>
+              <a:off x="0" y="228600"/>
+              <a:ext cx="1352550" cy="1352550"/>
+            </a:xfrm>
+            <a:prstGeom prst="rect">
+              <a:avLst/>
+            </a:prstGeom>
+            <a:effectLst>
+              <a:outerShdw blurRad="50800" dist="38100" dir="5400000" algn="t" rotWithShape="0">
+                <a:prstClr val="black">
+                  <a:alpha val="40000"/>
+                </a:prstClr>
+              </a:outerShdw>
+            </a:effectLst>
+          </p:spPr>
+        </p:pic>
+        <p:sp>
+          <p:nvSpPr>
+            <p:cNvPr id="32" name="Caixa de Texto 22">
+              <a:extLst>
+                <a:ext uri="{FF2B5EF4-FFF2-40B4-BE49-F238E27FC236}">
+                  <a16:creationId xmlns:a16="http://schemas.microsoft.com/office/drawing/2014/main" id="{A4E62CBD-7ACD-4D2E-BF04-AB9AC03283B1}"/>
+                </a:ext>
+              </a:extLst>
+            </p:cNvPr>
+            <p:cNvSpPr txBox="1"/>
+            <p:nvPr/>
+          </p:nvSpPr>
+          <p:spPr>
+            <a:xfrm>
+              <a:off x="-64927" y="-285168"/>
+              <a:ext cx="1447800" cy="809625"/>
+            </a:xfrm>
+            <a:prstGeom prst="rect">
+              <a:avLst/>
+            </a:prstGeom>
+            <a:noFill/>
+            <a:ln w="6350">
+              <a:noFill/>
+            </a:ln>
+          </p:spPr>
+          <p:txBody>
+            <a:bodyPr rot="0" spcFirstLastPara="0" vert="horz" wrap="square" lIns="91440" tIns="45720" rIns="91440" bIns="45720" numCol="1" spcCol="0" rtlCol="0" fromWordArt="0" anchor="t" anchorCtr="0" forceAA="0" compatLnSpc="1">
+              <a:prstTxWarp prst="textNoShape">
+                <a:avLst/>
+              </a:prstTxWarp>
+              <a:noAutofit/>
+            </a:bodyPr>
+            <a:lstStyle/>
+            <a:p>
+              <a:pPr algn="ctr">
+                <a:spcAft>
+                  <a:spcPts val="1200"/>
+                </a:spcAft>
+              </a:pPr>
+              <a:r>
+                <a:rPr lang="pt-BR" sz="1600" dirty="0">
+                  <a:effectLst/>
+                  <a:latin typeface="Times New Roman" panose="02020603050405020304" pitchFamily="18" charset="0"/>
+                  <a:ea typeface="Calibri" panose="020F0502020204030204" pitchFamily="34" charset="0"/>
+                  <a:cs typeface="Times New Roman" panose="02020603050405020304" pitchFamily="18" charset="0"/>
+                </a:rPr>
+                <a:t>SERVIÇO DE TAREFAS</a:t>
+              </a:r>
+              <a:endParaRPr lang="pt-BR" sz="1000" dirty="0">
+                <a:effectLst/>
+                <a:latin typeface="Times New Roman" panose="02020603050405020304" pitchFamily="18" charset="0"/>
+                <a:ea typeface="Calibri" panose="020F0502020204030204" pitchFamily="34" charset="0"/>
+                <a:cs typeface="Times New Roman" panose="02020603050405020304" pitchFamily="18" charset="0"/>
+              </a:endParaRPr>
+            </a:p>
+          </p:txBody>
+        </p:sp>
+      </p:grpSp>
+      <p:grpSp>
+        <p:nvGrpSpPr>
+          <p:cNvPr id="3082" name="Agrupar 3081">
+            <a:extLst>
+              <a:ext uri="{FF2B5EF4-FFF2-40B4-BE49-F238E27FC236}">
+                <a16:creationId xmlns:a16="http://schemas.microsoft.com/office/drawing/2014/main" id="{F58034CA-671E-4D8C-8820-E277042A5B96}"/>
+              </a:ext>
+            </a:extLst>
+          </p:cNvPr>
+          <p:cNvGrpSpPr/>
+          <p:nvPr/>
+        </p:nvGrpSpPr>
+        <p:grpSpPr>
+          <a:xfrm>
+            <a:off x="1116227" y="1018713"/>
+            <a:ext cx="8178787" cy="4942040"/>
+            <a:chOff x="1116227" y="1018713"/>
+            <a:chExt cx="8178787" cy="4942040"/>
+          </a:xfrm>
+        </p:grpSpPr>
+        <p:grpSp>
+          <p:nvGrpSpPr>
+            <p:cNvPr id="33" name="Agrupar 32">
+              <a:extLst>
+                <a:ext uri="{FF2B5EF4-FFF2-40B4-BE49-F238E27FC236}">
+                  <a16:creationId xmlns:a16="http://schemas.microsoft.com/office/drawing/2014/main" id="{DA270F83-4FE4-4496-A58D-FD0DB530B0D5}"/>
+                </a:ext>
+              </a:extLst>
+            </p:cNvPr>
+            <p:cNvGrpSpPr/>
+            <p:nvPr/>
+          </p:nvGrpSpPr>
+          <p:grpSpPr>
+            <a:xfrm>
+              <a:off x="1282340" y="1018713"/>
+              <a:ext cx="1619250" cy="1661618"/>
+              <a:chOff x="-756010" y="847263"/>
+              <a:chExt cx="1619250" cy="1661619"/>
+            </a:xfrm>
+          </p:grpSpPr>
+          <p:pic>
+            <p:nvPicPr>
+              <p:cNvPr id="34" name="Gráfico 24" descr="Smartphone">
+                <a:extLst>
+                  <a:ext uri="{FF2B5EF4-FFF2-40B4-BE49-F238E27FC236}">
+                    <a16:creationId xmlns:a16="http://schemas.microsoft.com/office/drawing/2014/main" id="{38AC80ED-01E0-4D42-BAD5-0BD365FC5FD4}"/>
+                  </a:ext>
+                </a:extLst>
+              </p:cNvPr>
+              <p:cNvPicPr>
+                <a:picLocks noChangeAspect="1"/>
+              </p:cNvPicPr>
+              <p:nvPr/>
+            </p:nvPicPr>
+            <p:blipFill>
+              <a:blip r:embed="rId6">
+                <a:extLst>
+                  <a:ext uri="{28A0092B-C50C-407E-A947-70E740481C1C}">
+                    <a14:useLocalDpi xmlns:a14="http://schemas.microsoft.com/office/drawing/2010/main" val="0"/>
+                  </a:ext>
+                  <a:ext uri="{96DAC541-7B7A-43D3-8B79-37D633B846F1}">
+                    <asvg:svgBlip xmlns:asvg="http://schemas.microsoft.com/office/drawing/2016/SVG/main" r:embed="rId7"/>
+                  </a:ext>
+                </a:extLst>
+              </a:blip>
+              <a:stretch>
+                <a:fillRect/>
+              </a:stretch>
+            </p:blipFill>
+            <p:spPr>
+              <a:xfrm>
+                <a:off x="-676275" y="1156332"/>
+                <a:ext cx="1352550" cy="1352550"/>
+              </a:xfrm>
+              <a:prstGeom prst="rect">
+                <a:avLst/>
+              </a:prstGeom>
+              <a:effectLst>
+                <a:outerShdw blurRad="50800" dist="38100" dir="5400000" algn="t" rotWithShape="0">
+                  <a:prstClr val="black">
+                    <a:alpha val="40000"/>
+                  </a:prstClr>
+                </a:outerShdw>
+              </a:effectLst>
+            </p:spPr>
+          </p:pic>
+          <p:sp>
+            <p:nvSpPr>
+              <p:cNvPr id="35" name="Caixa de Texto 25">
+                <a:extLst>
+                  <a:ext uri="{FF2B5EF4-FFF2-40B4-BE49-F238E27FC236}">
+                    <a16:creationId xmlns:a16="http://schemas.microsoft.com/office/drawing/2014/main" id="{630F2A17-DEE5-4FAF-8DE9-44603DBCAD94}"/>
+                  </a:ext>
+                </a:extLst>
+              </p:cNvPr>
+              <p:cNvSpPr txBox="1"/>
+              <p:nvPr/>
+            </p:nvSpPr>
+            <p:spPr>
+              <a:xfrm>
+                <a:off x="-756010" y="847263"/>
+                <a:ext cx="1619250" cy="809625"/>
+              </a:xfrm>
+              <a:prstGeom prst="rect">
+                <a:avLst/>
+              </a:prstGeom>
+              <a:noFill/>
+              <a:ln w="6350">
+                <a:noFill/>
+              </a:ln>
+            </p:spPr>
+            <p:txBody>
+              <a:bodyPr rot="0" spcFirstLastPara="0" vert="horz" wrap="square" lIns="91440" tIns="45720" rIns="91440" bIns="45720" numCol="1" spcCol="0" rtlCol="0" fromWordArt="0" anchor="t" anchorCtr="0" forceAA="0" compatLnSpc="1">
+                <a:prstTxWarp prst="textNoShape">
+                  <a:avLst/>
+                </a:prstTxWarp>
+                <a:noAutofit/>
+              </a:bodyPr>
+              <a:lstStyle/>
+              <a:p>
+                <a:pPr algn="ctr">
+                  <a:lnSpc>
+                    <a:spcPct val="150000"/>
+                  </a:lnSpc>
+                  <a:spcAft>
+                    <a:spcPts val="1200"/>
+                  </a:spcAft>
+                </a:pPr>
+                <a:r>
+                  <a:rPr lang="pt-BR" sz="1600" dirty="0">
+                    <a:effectLst/>
+                    <a:latin typeface="Times New Roman" panose="02020603050405020304" pitchFamily="18" charset="0"/>
+                    <a:ea typeface="Calibri" panose="020F0502020204030204" pitchFamily="34" charset="0"/>
+                    <a:cs typeface="Times New Roman" panose="02020603050405020304" pitchFamily="18" charset="0"/>
+                  </a:rPr>
+                  <a:t>DESCOBERTA</a:t>
+                </a:r>
+                <a:endParaRPr lang="pt-BR" sz="1000" dirty="0">
+                  <a:effectLst/>
+                  <a:latin typeface="Times New Roman" panose="02020603050405020304" pitchFamily="18" charset="0"/>
+                  <a:ea typeface="Calibri" panose="020F0502020204030204" pitchFamily="34" charset="0"/>
+                  <a:cs typeface="Times New Roman" panose="02020603050405020304" pitchFamily="18" charset="0"/>
+                </a:endParaRPr>
+              </a:p>
+            </p:txBody>
+          </p:sp>
+        </p:grpSp>
+        <p:grpSp>
+          <p:nvGrpSpPr>
+            <p:cNvPr id="3081" name="Agrupar 3080">
+              <a:extLst>
+                <a:ext uri="{FF2B5EF4-FFF2-40B4-BE49-F238E27FC236}">
+                  <a16:creationId xmlns:a16="http://schemas.microsoft.com/office/drawing/2014/main" id="{B38FFED5-52BA-45BC-9E5A-056A89383B3F}"/>
+                </a:ext>
+              </a:extLst>
+            </p:cNvPr>
+            <p:cNvGrpSpPr/>
+            <p:nvPr/>
+          </p:nvGrpSpPr>
+          <p:grpSpPr>
+            <a:xfrm>
+              <a:off x="1116227" y="2484419"/>
+              <a:ext cx="8178787" cy="3476334"/>
+              <a:chOff x="1116227" y="2484419"/>
+              <a:chExt cx="8178787" cy="3476334"/>
+            </a:xfrm>
+          </p:grpSpPr>
+          <p:sp>
+            <p:nvSpPr>
+              <p:cNvPr id="5" name="Nuvem 1">
+                <a:extLst>
+                  <a:ext uri="{FF2B5EF4-FFF2-40B4-BE49-F238E27FC236}">
+                    <a16:creationId xmlns:a16="http://schemas.microsoft.com/office/drawing/2014/main" id="{9719F74C-73F5-4BBB-8AF8-D2CE6CC47FC5}"/>
+                  </a:ext>
+                </a:extLst>
+              </p:cNvPr>
+              <p:cNvSpPr>
+                <a:spLocks/>
+              </p:cNvSpPr>
+              <p:nvPr/>
+            </p:nvSpPr>
+            <p:spPr bwMode="auto">
+              <a:xfrm>
+                <a:off x="1679999" y="3296944"/>
+                <a:ext cx="4499478" cy="1582101"/>
+              </a:xfrm>
+              <a:custGeom>
+                <a:avLst/>
+                <a:gdLst>
+                  <a:gd name="T0" fmla="*/ 712937 w 43200"/>
+                  <a:gd name="T1" fmla="*/ 1731499 h 43200"/>
+                  <a:gd name="T2" fmla="*/ 328136 w 43200"/>
+                  <a:gd name="T3" fmla="*/ 1678781 h 43200"/>
+                  <a:gd name="T4" fmla="*/ 1052467 w 43200"/>
+                  <a:gd name="T5" fmla="*/ 2308423 h 43200"/>
+                  <a:gd name="T6" fmla="*/ 884145 w 43200"/>
+                  <a:gd name="T7" fmla="*/ 2333625 h 43200"/>
+                  <a:gd name="T8" fmla="*/ 2503254 w 43200"/>
+                  <a:gd name="T9" fmla="*/ 2585641 h 43200"/>
+                  <a:gd name="T10" fmla="*/ 2401775 w 43200"/>
+                  <a:gd name="T11" fmla="*/ 2470547 h 43200"/>
+                  <a:gd name="T12" fmla="*/ 4379252 w 43200"/>
+                  <a:gd name="T13" fmla="*/ 2298634 h 43200"/>
+                  <a:gd name="T14" fmla="*/ 4338690 w 43200"/>
+                  <a:gd name="T15" fmla="*/ 2424906 h 43200"/>
+                  <a:gd name="T16" fmla="*/ 5184705 w 43200"/>
+                  <a:gd name="T17" fmla="*/ 1518311 h 43200"/>
+                  <a:gd name="T18" fmla="*/ 5678580 w 43200"/>
+                  <a:gd name="T19" fmla="*/ 1990328 h 43200"/>
+                  <a:gd name="T20" fmla="*/ 6349740 w 43200"/>
+                  <a:gd name="T21" fmla="*/ 1015603 h 43200"/>
+                  <a:gd name="T22" fmla="*/ 6129767 w 43200"/>
+                  <a:gd name="T23" fmla="*/ 1192609 h 43200"/>
+                  <a:gd name="T24" fmla="*/ 5821988 w 43200"/>
+                  <a:gd name="T25" fmla="*/ 358907 h 43200"/>
+                  <a:gd name="T26" fmla="*/ 5833533 w 43200"/>
+                  <a:gd name="T27" fmla="*/ 442516 h 43200"/>
+                  <a:gd name="T28" fmla="*/ 4417382 w 43200"/>
+                  <a:gd name="T29" fmla="*/ 261408 h 43200"/>
+                  <a:gd name="T30" fmla="*/ 4530103 w 43200"/>
+                  <a:gd name="T31" fmla="*/ 154781 h 43200"/>
+                  <a:gd name="T32" fmla="*/ 3363548 w 43200"/>
+                  <a:gd name="T33" fmla="*/ 312208 h 43200"/>
+                  <a:gd name="T34" fmla="*/ 3418086 w 43200"/>
+                  <a:gd name="T35" fmla="*/ 220266 h 43200"/>
+                  <a:gd name="T36" fmla="*/ 2126809 w 43200"/>
+                  <a:gd name="T37" fmla="*/ 343429 h 43200"/>
+                  <a:gd name="T38" fmla="*/ 2324298 w 43200"/>
+                  <a:gd name="T39" fmla="*/ 432594 h 43200"/>
+                  <a:gd name="T40" fmla="*/ 626953 w 43200"/>
+                  <a:gd name="T41" fmla="*/ 1044377 h 43200"/>
+                  <a:gd name="T42" fmla="*/ 592468 w 43200"/>
+                  <a:gd name="T43" fmla="*/ 950516 h 43200"/>
+                  <a:gd name="T44" fmla="*/ 0 60000 65536"/>
+                  <a:gd name="T45" fmla="*/ 0 60000 65536"/>
+                  <a:gd name="T46" fmla="*/ 0 60000 65536"/>
+                  <a:gd name="T47" fmla="*/ 0 60000 65536"/>
+                  <a:gd name="T48" fmla="*/ 0 60000 65536"/>
+                  <a:gd name="T49" fmla="*/ 0 60000 65536"/>
+                  <a:gd name="T50" fmla="*/ 0 60000 65536"/>
+                  <a:gd name="T51" fmla="*/ 0 60000 65536"/>
+                  <a:gd name="T52" fmla="*/ 0 60000 65536"/>
+                  <a:gd name="T53" fmla="*/ 0 60000 65536"/>
+                  <a:gd name="T54" fmla="*/ 0 60000 65536"/>
+                  <a:gd name="T55" fmla="*/ 0 60000 65536"/>
+                  <a:gd name="T56" fmla="*/ 0 60000 65536"/>
+                  <a:gd name="T57" fmla="*/ 0 60000 65536"/>
+                  <a:gd name="T58" fmla="*/ 0 60000 65536"/>
+                  <a:gd name="T59" fmla="*/ 0 60000 65536"/>
+                  <a:gd name="T60" fmla="*/ 0 60000 65536"/>
+                  <a:gd name="T61" fmla="*/ 0 60000 65536"/>
+                  <a:gd name="T62" fmla="*/ 0 60000 65536"/>
+                  <a:gd name="T63" fmla="*/ 0 60000 65536"/>
+                  <a:gd name="T64" fmla="*/ 0 60000 65536"/>
+                  <a:gd name="T65" fmla="*/ 0 60000 65536"/>
+                  <a:gd name="T66" fmla="*/ 0 w 43200"/>
+                  <a:gd name="T67" fmla="*/ 0 h 43200"/>
+                  <a:gd name="T68" fmla="*/ 43200 w 43200"/>
+                  <a:gd name="T69" fmla="*/ 43200 h 43200"/>
+                </a:gdLst>
+                <a:ahLst/>
+                <a:cxnLst>
+                  <a:cxn ang="T44">
+                    <a:pos x="T0" y="T1"/>
+                  </a:cxn>
+                  <a:cxn ang="T45">
+                    <a:pos x="T2" y="T3"/>
+                  </a:cxn>
+                  <a:cxn ang="T46">
+                    <a:pos x="T4" y="T5"/>
+                  </a:cxn>
+                  <a:cxn ang="T47">
+                    <a:pos x="T6" y="T7"/>
+                  </a:cxn>
+                  <a:cxn ang="T48">
+                    <a:pos x="T8" y="T9"/>
+                  </a:cxn>
+                  <a:cxn ang="T49">
+                    <a:pos x="T10" y="T11"/>
+                  </a:cxn>
+                  <a:cxn ang="T50">
+                    <a:pos x="T12" y="T13"/>
+                  </a:cxn>
+                  <a:cxn ang="T51">
+                    <a:pos x="T14" y="T15"/>
+                  </a:cxn>
+                  <a:cxn ang="T52">
+                    <a:pos x="T16" y="T17"/>
+                  </a:cxn>
+                  <a:cxn ang="T53">
+                    <a:pos x="T18" y="T19"/>
+                  </a:cxn>
+                  <a:cxn ang="T54">
+                    <a:pos x="T20" y="T21"/>
+                  </a:cxn>
+                  <a:cxn ang="T55">
+                    <a:pos x="T22" y="T23"/>
+                  </a:cxn>
+                  <a:cxn ang="T56">
+                    <a:pos x="T24" y="T25"/>
+                  </a:cxn>
+                  <a:cxn ang="T57">
+                    <a:pos x="T26" y="T27"/>
+                  </a:cxn>
+                  <a:cxn ang="T58">
+                    <a:pos x="T28" y="T29"/>
+                  </a:cxn>
+                  <a:cxn ang="T59">
+                    <a:pos x="T30" y="T31"/>
+                  </a:cxn>
+                  <a:cxn ang="T60">
+                    <a:pos x="T32" y="T33"/>
+                  </a:cxn>
+                  <a:cxn ang="T61">
+                    <a:pos x="T34" y="T35"/>
+                  </a:cxn>
+                  <a:cxn ang="T62">
+                    <a:pos x="T36" y="T37"/>
+                  </a:cxn>
+                  <a:cxn ang="T63">
+                    <a:pos x="T38" y="T39"/>
+                  </a:cxn>
+                  <a:cxn ang="T64">
+                    <a:pos x="T40" y="T41"/>
+                  </a:cxn>
+                  <a:cxn ang="T65">
+                    <a:pos x="T42" y="T43"/>
+                  </a:cxn>
+                </a:cxnLst>
+                <a:rect l="T66" t="T67" r="T68" b="T69"/>
+                <a:pathLst>
+                  <a:path w="43200" h="43200">
+                    <a:moveTo>
+                      <a:pt x="3900" y="14370"/>
+                    </a:moveTo>
+                    <a:cubicBezTo>
+                      <a:pt x="3629" y="11657"/>
+                      <a:pt x="4261" y="8921"/>
+                      <a:pt x="5623" y="6907"/>
+                    </a:cubicBezTo>
+                    <a:cubicBezTo>
+                      <a:pt x="7775" y="3726"/>
+                      <a:pt x="11264" y="3017"/>
+                      <a:pt x="14005" y="5202"/>
+                    </a:cubicBezTo>
+                    <a:cubicBezTo>
+                      <a:pt x="15678" y="909"/>
+                      <a:pt x="19914" y="22"/>
+                      <a:pt x="22456" y="3432"/>
+                    </a:cubicBezTo>
+                    <a:cubicBezTo>
+                      <a:pt x="23097" y="1683"/>
+                      <a:pt x="24328" y="474"/>
+                      <a:pt x="25749" y="200"/>
+                    </a:cubicBezTo>
+                    <a:cubicBezTo>
+                      <a:pt x="27313" y="-102"/>
+                      <a:pt x="28875" y="770"/>
+                      <a:pt x="29833" y="2481"/>
+                    </a:cubicBezTo>
+                    <a:cubicBezTo>
+                      <a:pt x="31215" y="267"/>
+                      <a:pt x="33501" y="-460"/>
+                      <a:pt x="35463" y="690"/>
+                    </a:cubicBezTo>
+                    <a:cubicBezTo>
+                      <a:pt x="36958" y="1566"/>
+                      <a:pt x="38030" y="3400"/>
+                      <a:pt x="38318" y="5576"/>
+                    </a:cubicBezTo>
+                    <a:cubicBezTo>
+                      <a:pt x="40046" y="6218"/>
+                      <a:pt x="41422" y="7998"/>
+                      <a:pt x="41982" y="10318"/>
+                    </a:cubicBezTo>
+                    <a:cubicBezTo>
+                      <a:pt x="42389" y="12002"/>
+                      <a:pt x="42331" y="13831"/>
+                      <a:pt x="41818" y="15460"/>
+                    </a:cubicBezTo>
+                    <a:cubicBezTo>
+                      <a:pt x="43079" y="17694"/>
+                      <a:pt x="43520" y="20590"/>
+                      <a:pt x="43016" y="23322"/>
+                    </a:cubicBezTo>
+                    <a:cubicBezTo>
+                      <a:pt x="42346" y="26954"/>
+                      <a:pt x="40128" y="29674"/>
+                      <a:pt x="37404" y="30204"/>
+                    </a:cubicBezTo>
+                    <a:cubicBezTo>
+                      <a:pt x="37391" y="32471"/>
+                      <a:pt x="36658" y="34621"/>
+                      <a:pt x="35395" y="36101"/>
+                    </a:cubicBezTo>
+                    <a:cubicBezTo>
+                      <a:pt x="33476" y="38350"/>
+                      <a:pt x="30704" y="38639"/>
+                      <a:pt x="28555" y="36815"/>
+                    </a:cubicBezTo>
+                    <a:cubicBezTo>
+                      <a:pt x="27860" y="39948"/>
+                      <a:pt x="25999" y="42343"/>
+                      <a:pt x="23667" y="43106"/>
+                    </a:cubicBezTo>
+                    <a:cubicBezTo>
+                      <a:pt x="20919" y="44005"/>
+                      <a:pt x="18051" y="42473"/>
+                      <a:pt x="16480" y="39266"/>
+                    </a:cubicBezTo>
+                    <a:cubicBezTo>
+                      <a:pt x="12772" y="42310"/>
+                      <a:pt x="7956" y="40599"/>
+                      <a:pt x="5804" y="35472"/>
+                    </a:cubicBezTo>
+                    <a:cubicBezTo>
+                      <a:pt x="3690" y="35809"/>
+                      <a:pt x="1705" y="34024"/>
+                      <a:pt x="1110" y="31250"/>
+                    </a:cubicBezTo>
+                    <a:cubicBezTo>
+                      <a:pt x="679" y="29243"/>
+                      <a:pt x="1060" y="27077"/>
+                      <a:pt x="2113" y="25551"/>
+                    </a:cubicBezTo>
+                    <a:cubicBezTo>
+                      <a:pt x="619" y="24354"/>
+                      <a:pt x="-213" y="22057"/>
+                      <a:pt x="-5" y="19704"/>
+                    </a:cubicBezTo>
+                    <a:cubicBezTo>
+                      <a:pt x="239" y="16949"/>
+                      <a:pt x="1845" y="14791"/>
+                      <a:pt x="3863" y="14507"/>
+                    </a:cubicBezTo>
+                    <a:cubicBezTo>
+                      <a:pt x="3875" y="14461"/>
+                      <a:pt x="3888" y="14416"/>
+                      <a:pt x="3900" y="14370"/>
+                    </a:cubicBezTo>
+                    <a:close/>
+                  </a:path>
+                  <a:path w="43200" h="43200" fill="none">
+                    <a:moveTo>
+                      <a:pt x="4693" y="26177"/>
+                    </a:moveTo>
+                    <a:cubicBezTo>
+                      <a:pt x="3809" y="26271"/>
+                      <a:pt x="2925" y="25993"/>
+                      <a:pt x="2160" y="25380"/>
+                    </a:cubicBezTo>
+                    <a:moveTo>
+                      <a:pt x="6928" y="34899"/>
+                    </a:moveTo>
+                    <a:cubicBezTo>
+                      <a:pt x="6573" y="35092"/>
+                      <a:pt x="6200" y="35220"/>
+                      <a:pt x="5820" y="35280"/>
+                    </a:cubicBezTo>
+                    <a:moveTo>
+                      <a:pt x="16478" y="39090"/>
+                    </a:moveTo>
+                    <a:cubicBezTo>
+                      <a:pt x="16211" y="38544"/>
+                      <a:pt x="15987" y="37961"/>
+                      <a:pt x="15810" y="37350"/>
+                    </a:cubicBezTo>
+                    <a:moveTo>
+                      <a:pt x="28827" y="34751"/>
+                    </a:moveTo>
+                    <a:cubicBezTo>
+                      <a:pt x="28788" y="35398"/>
+                      <a:pt x="28698" y="36038"/>
+                      <a:pt x="28560" y="36660"/>
+                    </a:cubicBezTo>
+                    <a:moveTo>
+                      <a:pt x="34129" y="22954"/>
+                    </a:moveTo>
+                    <a:cubicBezTo>
+                      <a:pt x="36133" y="24282"/>
+                      <a:pt x="37398" y="27058"/>
+                      <a:pt x="37380" y="30090"/>
+                    </a:cubicBezTo>
+                    <a:moveTo>
+                      <a:pt x="41798" y="15354"/>
+                    </a:moveTo>
+                    <a:cubicBezTo>
+                      <a:pt x="41473" y="16386"/>
+                      <a:pt x="40978" y="17302"/>
+                      <a:pt x="40350" y="18030"/>
+                    </a:cubicBezTo>
+                    <a:moveTo>
+                      <a:pt x="38324" y="5426"/>
+                    </a:moveTo>
+                    <a:cubicBezTo>
+                      <a:pt x="38379" y="5843"/>
+                      <a:pt x="38405" y="6266"/>
+                      <a:pt x="38400" y="6690"/>
+                    </a:cubicBezTo>
+                    <a:moveTo>
+                      <a:pt x="29078" y="3952"/>
+                    </a:moveTo>
+                    <a:cubicBezTo>
+                      <a:pt x="29267" y="3369"/>
+                      <a:pt x="29516" y="2826"/>
+                      <a:pt x="29820" y="2340"/>
+                    </a:cubicBezTo>
+                    <a:moveTo>
+                      <a:pt x="22141" y="4720"/>
+                    </a:moveTo>
+                    <a:cubicBezTo>
+                      <a:pt x="22218" y="4238"/>
+                      <a:pt x="22339" y="3771"/>
+                      <a:pt x="22500" y="3330"/>
+                    </a:cubicBezTo>
+                    <a:moveTo>
+                      <a:pt x="14000" y="5192"/>
+                    </a:moveTo>
+                    <a:cubicBezTo>
+                      <a:pt x="14472" y="5568"/>
+                      <a:pt x="14908" y="6021"/>
+                      <a:pt x="15300" y="6540"/>
+                    </a:cubicBezTo>
+                    <a:moveTo>
+                      <a:pt x="4127" y="15789"/>
+                    </a:moveTo>
+                    <a:cubicBezTo>
+                      <a:pt x="4024" y="15325"/>
+                      <a:pt x="3948" y="14851"/>
+                      <a:pt x="3900" y="14370"/>
+                    </a:cubicBezTo>
+                  </a:path>
+                </a:pathLst>
+              </a:custGeom>
+              <a:solidFill>
+                <a:srgbClr val="4472C4"/>
+              </a:solidFill>
+              <a:ln w="12700">
+                <a:solidFill>
+                  <a:srgbClr val="1F3763"/>
+                </a:solidFill>
+                <a:miter lim="800000"/>
+                <a:headEnd/>
+                <a:tailEnd/>
+              </a:ln>
+            </p:spPr>
+            <p:txBody>
+              <a:bodyPr vert="horz" wrap="square" lIns="91440" tIns="45720" rIns="91440" bIns="45720" numCol="1" anchor="ctr" anchorCtr="0" compatLnSpc="1">
+                <a:prstTxWarp prst="textNoShape">
+                  <a:avLst/>
+                </a:prstTxWarp>
+              </a:bodyPr>
+              <a:lstStyle/>
+              <a:p>
+                <a:pPr marL="0" marR="0" lvl="0" algn="ctr" defTabSz="914400" rtl="0" eaLnBrk="0" fontAlgn="base" latinLnBrk="0" hangingPunct="0">
+                  <a:lnSpc>
+                    <a:spcPct val="100000"/>
+                  </a:lnSpc>
+                  <a:spcBef>
+                    <a:spcPct val="0"/>
+                  </a:spcBef>
+                  <a:spcAft>
+                    <a:spcPct val="0"/>
+                  </a:spcAft>
+                  <a:buClrTx/>
+                  <a:buSzTx/>
+                  <a:buFontTx/>
+                  <a:buNone/>
+                  <a:tabLst/>
+                </a:pPr>
+                <a:r>
+                  <a:rPr kumimoji="0" lang="pt-BR" altLang="pt-BR" sz="2200" b="1" i="0" u="none" strike="noStrike" cap="none" normalizeH="0" baseline="0" dirty="0">
+                    <a:ln>
+                      <a:noFill/>
+                    </a:ln>
+                    <a:solidFill>
+                      <a:schemeClr val="tx1"/>
+                    </a:solidFill>
+                    <a:effectLst/>
+                    <a:latin typeface="Arial" panose="020B0604020202020204" pitchFamily="34" charset="0"/>
+                    <a:ea typeface="Calibri" panose="020F0502020204030204" pitchFamily="34" charset="0"/>
+                    <a:cs typeface="Times New Roman" panose="02020603050405020304" pitchFamily="18" charset="0"/>
+                  </a:rPr>
+                  <a:t>INFRAESTRUTURA DE SERVIÇOS (HTTP)</a:t>
+                </a:r>
+                <a:endParaRPr kumimoji="0" lang="pt-BR" altLang="pt-BR" sz="1800" b="0" i="0" u="none" strike="noStrike" cap="none" normalizeH="0" baseline="0" dirty="0">
+                  <a:ln>
+                    <a:noFill/>
+                  </a:ln>
+                  <a:solidFill>
+                    <a:schemeClr val="tx1"/>
+                  </a:solidFill>
+                  <a:effectLst/>
+                  <a:latin typeface="Arial" panose="020B0604020202020204" pitchFamily="34" charset="0"/>
+                </a:endParaRPr>
+              </a:p>
+            </p:txBody>
+          </p:sp>
+          <p:grpSp>
+            <p:nvGrpSpPr>
+              <p:cNvPr id="12" name="Agrupar 11">
+                <a:extLst>
+                  <a:ext uri="{FF2B5EF4-FFF2-40B4-BE49-F238E27FC236}">
+                    <a16:creationId xmlns:a16="http://schemas.microsoft.com/office/drawing/2014/main" id="{DB81FFE3-D8A8-421C-B123-DD549B4EDD1D}"/>
+                  </a:ext>
+                </a:extLst>
+              </p:cNvPr>
+              <p:cNvGrpSpPr/>
+              <p:nvPr/>
+            </p:nvGrpSpPr>
+            <p:grpSpPr>
+              <a:xfrm>
+                <a:off x="7934279" y="3395451"/>
+                <a:ext cx="1360735" cy="1661144"/>
+                <a:chOff x="0" y="-79994"/>
+                <a:chExt cx="1360735" cy="1661144"/>
+              </a:xfrm>
+            </p:grpSpPr>
+            <p:pic>
+              <p:nvPicPr>
+                <p:cNvPr id="13" name="Gráfico 2" descr="Smartphone">
+                  <a:extLst>
+                    <a:ext uri="{FF2B5EF4-FFF2-40B4-BE49-F238E27FC236}">
+                      <a16:creationId xmlns:a16="http://schemas.microsoft.com/office/drawing/2014/main" id="{D1A869DD-A774-4AAD-AFA9-6A175A707CE7}"/>
+                    </a:ext>
+                  </a:extLst>
+                </p:cNvPr>
+                <p:cNvPicPr>
+                  <a:picLocks noChangeAspect="1"/>
+                </p:cNvPicPr>
+                <p:nvPr/>
+              </p:nvPicPr>
+              <p:blipFill>
+                <a:blip r:embed="rId6">
+                  <a:extLst>
+                    <a:ext uri="{28A0092B-C50C-407E-A947-70E740481C1C}">
+                      <a14:useLocalDpi xmlns:a14="http://schemas.microsoft.com/office/drawing/2010/main" val="0"/>
+                    </a:ext>
+                    <a:ext uri="{96DAC541-7B7A-43D3-8B79-37D633B846F1}">
+                      <asvg:svgBlip xmlns:asvg="http://schemas.microsoft.com/office/drawing/2016/SVG/main" r:embed="rId7"/>
+                    </a:ext>
+                  </a:extLst>
+                </a:blip>
+                <a:stretch>
+                  <a:fillRect/>
+                </a:stretch>
+              </p:blipFill>
+              <p:spPr>
+                <a:xfrm>
+                  <a:off x="0" y="228600"/>
+                  <a:ext cx="1352550" cy="1352550"/>
+                </a:xfrm>
+                <a:prstGeom prst="rect">
+                  <a:avLst/>
+                </a:prstGeom>
+                <a:effectLst>
+                  <a:outerShdw blurRad="50800" dist="38100" dir="5400000" algn="t" rotWithShape="0">
+                    <a:prstClr val="black">
+                      <a:alpha val="40000"/>
+                    </a:prstClr>
+                  </a:outerShdw>
+                </a:effectLst>
+              </p:spPr>
+            </p:pic>
+            <p:sp>
+              <p:nvSpPr>
+                <p:cNvPr id="14" name="Caixa de Texto 3">
+                  <a:extLst>
+                    <a:ext uri="{FF2B5EF4-FFF2-40B4-BE49-F238E27FC236}">
+                      <a16:creationId xmlns:a16="http://schemas.microsoft.com/office/drawing/2014/main" id="{0ABDFB7D-37A8-44E5-9121-31B432A4E4AD}"/>
+                    </a:ext>
+                  </a:extLst>
+                </p:cNvPr>
+                <p:cNvSpPr txBox="1"/>
+                <p:nvPr/>
+              </p:nvSpPr>
+              <p:spPr>
+                <a:xfrm>
+                  <a:off x="46285" y="-79994"/>
+                  <a:ext cx="1314450" cy="381000"/>
+                </a:xfrm>
+                <a:prstGeom prst="rect">
+                  <a:avLst/>
+                </a:prstGeom>
+                <a:noFill/>
+                <a:ln w="6350">
+                  <a:noFill/>
+                </a:ln>
+              </p:spPr>
+              <p:txBody>
+                <a:bodyPr rot="0" spcFirstLastPara="0" vert="horz" wrap="square" lIns="91440" tIns="45720" rIns="91440" bIns="45720" numCol="1" spcCol="0" rtlCol="0" fromWordArt="0" anchor="t" anchorCtr="0" forceAA="0" compatLnSpc="1">
+                  <a:prstTxWarp prst="textNoShape">
+                    <a:avLst/>
+                  </a:prstTxWarp>
+                  <a:noAutofit/>
+                </a:bodyPr>
+                <a:lstStyle/>
+                <a:p>
+                  <a:pPr algn="just">
+                    <a:lnSpc>
+                      <a:spcPct val="150000"/>
+                    </a:lnSpc>
+                    <a:spcAft>
+                      <a:spcPts val="1200"/>
+                    </a:spcAft>
+                  </a:pPr>
+                  <a:r>
+                    <a:rPr lang="pt-BR" sz="1600" dirty="0">
+                      <a:effectLst/>
+                      <a:latin typeface="Times New Roman" panose="02020603050405020304" pitchFamily="18" charset="0"/>
+                      <a:ea typeface="Calibri" panose="020F0502020204030204" pitchFamily="34" charset="0"/>
+                      <a:cs typeface="Times New Roman" panose="02020603050405020304" pitchFamily="18" charset="0"/>
+                    </a:rPr>
+                    <a:t>GATEWAY</a:t>
+                  </a:r>
+                  <a:endParaRPr lang="pt-BR" sz="1000" dirty="0">
+                    <a:effectLst/>
+                    <a:latin typeface="Times New Roman" panose="02020603050405020304" pitchFamily="18" charset="0"/>
+                    <a:ea typeface="Calibri" panose="020F0502020204030204" pitchFamily="34" charset="0"/>
+                    <a:cs typeface="Times New Roman" panose="02020603050405020304" pitchFamily="18" charset="0"/>
+                  </a:endParaRPr>
+                </a:p>
+              </p:txBody>
+            </p:sp>
+          </p:grpSp>
+          <p:grpSp>
+            <p:nvGrpSpPr>
+              <p:cNvPr id="21" name="Agrupar 20">
+                <a:extLst>
+                  <a:ext uri="{FF2B5EF4-FFF2-40B4-BE49-F238E27FC236}">
+                    <a16:creationId xmlns:a16="http://schemas.microsoft.com/office/drawing/2014/main" id="{06A65E60-87AF-4EE2-8A77-31D5FFE52FF8}"/>
+                  </a:ext>
+                </a:extLst>
+              </p:cNvPr>
+              <p:cNvGrpSpPr/>
+              <p:nvPr/>
+            </p:nvGrpSpPr>
+            <p:grpSpPr>
+              <a:xfrm rot="1675838">
+                <a:off x="6197759" y="4158447"/>
+                <a:ext cx="2078176" cy="619619"/>
+                <a:chOff x="0" y="0"/>
+                <a:chExt cx="981075" cy="876300"/>
+              </a:xfrm>
+            </p:grpSpPr>
+            <p:cxnSp>
+              <p:nvCxnSpPr>
+                <p:cNvPr id="22" name="Conector de Seta Reta 21">
+                  <a:extLst>
+                    <a:ext uri="{FF2B5EF4-FFF2-40B4-BE49-F238E27FC236}">
+                      <a16:creationId xmlns:a16="http://schemas.microsoft.com/office/drawing/2014/main" id="{8D3EE088-7CB5-4F66-8B4C-BDC8FBAF3DA1}"/>
+                    </a:ext>
+                  </a:extLst>
+                </p:cNvPr>
+                <p:cNvCxnSpPr/>
+                <p:nvPr/>
+              </p:nvCxnSpPr>
+              <p:spPr>
+                <a:xfrm flipV="1">
+                  <a:off x="0" y="0"/>
+                  <a:ext cx="914400" cy="685800"/>
+                </a:xfrm>
+                <a:prstGeom prst="straightConnector1">
+                  <a:avLst/>
+                </a:prstGeom>
+                <a:ln w="19050">
+                  <a:tailEnd type="triangle"/>
+                </a:ln>
+              </p:spPr>
+              <p:style>
+                <a:lnRef idx="1">
+                  <a:schemeClr val="accent1"/>
+                </a:lnRef>
+                <a:fillRef idx="0">
+                  <a:schemeClr val="accent1"/>
+                </a:fillRef>
+                <a:effectRef idx="0">
+                  <a:schemeClr val="accent1"/>
+                </a:effectRef>
+                <a:fontRef idx="minor">
+                  <a:schemeClr val="tx1"/>
+                </a:fontRef>
+              </p:style>
+            </p:cxnSp>
+            <p:cxnSp>
+              <p:nvCxnSpPr>
+                <p:cNvPr id="23" name="Conector de Seta Reta 22">
+                  <a:extLst>
+                    <a:ext uri="{FF2B5EF4-FFF2-40B4-BE49-F238E27FC236}">
+                      <a16:creationId xmlns:a16="http://schemas.microsoft.com/office/drawing/2014/main" id="{FBCE65D2-7136-4EBE-9C6B-40B123A6E970}"/>
+                    </a:ext>
+                  </a:extLst>
+                </p:cNvPr>
+                <p:cNvCxnSpPr/>
+                <p:nvPr/>
+              </p:nvCxnSpPr>
+              <p:spPr>
+                <a:xfrm flipV="1">
+                  <a:off x="66675" y="190500"/>
+                  <a:ext cx="914400" cy="685800"/>
+                </a:xfrm>
+                <a:prstGeom prst="straightConnector1">
+                  <a:avLst/>
+                </a:prstGeom>
+                <a:ln w="19050">
+                  <a:headEnd type="triangle"/>
+                  <a:tailEnd type="none"/>
+                </a:ln>
+              </p:spPr>
+              <p:style>
+                <a:lnRef idx="1">
+                  <a:schemeClr val="accent1"/>
+                </a:lnRef>
+                <a:fillRef idx="0">
+                  <a:schemeClr val="accent1"/>
+                </a:fillRef>
+                <a:effectRef idx="0">
+                  <a:schemeClr val="accent1"/>
+                </a:effectRef>
+                <a:fontRef idx="minor">
+                  <a:schemeClr val="tx1"/>
+                </a:fontRef>
+              </p:style>
+            </p:cxnSp>
+          </p:grpSp>
+          <p:grpSp>
+            <p:nvGrpSpPr>
+              <p:cNvPr id="36" name="Agrupar 35">
+                <a:extLst>
+                  <a:ext uri="{FF2B5EF4-FFF2-40B4-BE49-F238E27FC236}">
+                    <a16:creationId xmlns:a16="http://schemas.microsoft.com/office/drawing/2014/main" id="{D146744F-FE20-400D-91C6-32790FD90C21}"/>
+                  </a:ext>
+                </a:extLst>
+              </p:cNvPr>
+              <p:cNvGrpSpPr/>
+              <p:nvPr/>
+            </p:nvGrpSpPr>
+            <p:grpSpPr>
+              <a:xfrm rot="16200000">
+                <a:off x="2275054" y="2750907"/>
+                <a:ext cx="648576" cy="454987"/>
+                <a:chOff x="0" y="0"/>
+                <a:chExt cx="981075" cy="876300"/>
+              </a:xfrm>
+            </p:grpSpPr>
+            <p:cxnSp>
+              <p:nvCxnSpPr>
+                <p:cNvPr id="37" name="Conector de Seta Reta 36">
+                  <a:extLst>
+                    <a:ext uri="{FF2B5EF4-FFF2-40B4-BE49-F238E27FC236}">
+                      <a16:creationId xmlns:a16="http://schemas.microsoft.com/office/drawing/2014/main" id="{52685DA9-1CB3-4A14-9827-88DB867EF654}"/>
+                    </a:ext>
+                  </a:extLst>
+                </p:cNvPr>
+                <p:cNvCxnSpPr/>
+                <p:nvPr/>
+              </p:nvCxnSpPr>
+              <p:spPr>
+                <a:xfrm flipV="1">
+                  <a:off x="0" y="0"/>
+                  <a:ext cx="914400" cy="685800"/>
+                </a:xfrm>
+                <a:prstGeom prst="straightConnector1">
+                  <a:avLst/>
+                </a:prstGeom>
+                <a:ln w="19050">
+                  <a:tailEnd type="triangle"/>
+                </a:ln>
+              </p:spPr>
+              <p:style>
+                <a:lnRef idx="1">
+                  <a:schemeClr val="accent1"/>
+                </a:lnRef>
+                <a:fillRef idx="0">
+                  <a:schemeClr val="accent1"/>
+                </a:fillRef>
+                <a:effectRef idx="0">
+                  <a:schemeClr val="accent1"/>
+                </a:effectRef>
+                <a:fontRef idx="minor">
+                  <a:schemeClr val="tx1"/>
+                </a:fontRef>
+              </p:style>
+            </p:cxnSp>
+            <p:cxnSp>
+              <p:nvCxnSpPr>
+                <p:cNvPr id="38" name="Conector de Seta Reta 37">
+                  <a:extLst>
+                    <a:ext uri="{FF2B5EF4-FFF2-40B4-BE49-F238E27FC236}">
+                      <a16:creationId xmlns:a16="http://schemas.microsoft.com/office/drawing/2014/main" id="{7F8531E6-05EF-479C-BDDF-979A6E7C478F}"/>
+                    </a:ext>
+                  </a:extLst>
+                </p:cNvPr>
+                <p:cNvCxnSpPr/>
+                <p:nvPr/>
+              </p:nvCxnSpPr>
+              <p:spPr>
+                <a:xfrm flipV="1">
+                  <a:off x="66675" y="190500"/>
+                  <a:ext cx="914400" cy="685800"/>
+                </a:xfrm>
+                <a:prstGeom prst="straightConnector1">
+                  <a:avLst/>
+                </a:prstGeom>
+                <a:ln w="19050">
+                  <a:headEnd type="triangle"/>
+                  <a:tailEnd type="none"/>
+                </a:ln>
+              </p:spPr>
+              <p:style>
+                <a:lnRef idx="1">
+                  <a:schemeClr val="accent1"/>
+                </a:lnRef>
+                <a:fillRef idx="0">
+                  <a:schemeClr val="accent1"/>
+                </a:fillRef>
+                <a:effectRef idx="0">
+                  <a:schemeClr val="accent1"/>
+                </a:effectRef>
+                <a:fontRef idx="minor">
+                  <a:schemeClr val="tx1"/>
+                </a:fontRef>
+              </p:style>
+            </p:cxnSp>
+          </p:grpSp>
+          <p:grpSp>
+            <p:nvGrpSpPr>
+              <p:cNvPr id="39" name="Agrupar 38">
+                <a:extLst>
+                  <a:ext uri="{FF2B5EF4-FFF2-40B4-BE49-F238E27FC236}">
+                    <a16:creationId xmlns:a16="http://schemas.microsoft.com/office/drawing/2014/main" id="{B965588A-B020-4C52-869E-3B30F7CD07BA}"/>
+                  </a:ext>
+                </a:extLst>
+              </p:cNvPr>
+              <p:cNvGrpSpPr/>
+              <p:nvPr/>
+            </p:nvGrpSpPr>
+            <p:grpSpPr>
+              <a:xfrm rot="13069662">
+                <a:off x="1116227" y="3813770"/>
+                <a:ext cx="505952" cy="454707"/>
+                <a:chOff x="0" y="0"/>
+                <a:chExt cx="981075" cy="876300"/>
+              </a:xfrm>
+            </p:grpSpPr>
+            <p:cxnSp>
+              <p:nvCxnSpPr>
+                <p:cNvPr id="40" name="Conector de Seta Reta 39">
+                  <a:extLst>
+                    <a:ext uri="{FF2B5EF4-FFF2-40B4-BE49-F238E27FC236}">
+                      <a16:creationId xmlns:a16="http://schemas.microsoft.com/office/drawing/2014/main" id="{40C30B21-8394-449B-ADAD-6A307CCE0D2D}"/>
+                    </a:ext>
+                  </a:extLst>
+                </p:cNvPr>
+                <p:cNvCxnSpPr/>
+                <p:nvPr/>
+              </p:nvCxnSpPr>
+              <p:spPr>
+                <a:xfrm flipV="1">
+                  <a:off x="0" y="0"/>
+                  <a:ext cx="914400" cy="685800"/>
+                </a:xfrm>
+                <a:prstGeom prst="straightConnector1">
+                  <a:avLst/>
+                </a:prstGeom>
+                <a:ln w="19050">
+                  <a:tailEnd type="triangle"/>
+                </a:ln>
+              </p:spPr>
+              <p:style>
+                <a:lnRef idx="1">
+                  <a:schemeClr val="accent1"/>
+                </a:lnRef>
+                <a:fillRef idx="0">
+                  <a:schemeClr val="accent1"/>
+                </a:fillRef>
+                <a:effectRef idx="0">
+                  <a:schemeClr val="accent1"/>
+                </a:effectRef>
+                <a:fontRef idx="minor">
+                  <a:schemeClr val="tx1"/>
+                </a:fontRef>
+              </p:style>
+            </p:cxnSp>
+            <p:cxnSp>
+              <p:nvCxnSpPr>
+                <p:cNvPr id="41" name="Conector de Seta Reta 40">
+                  <a:extLst>
+                    <a:ext uri="{FF2B5EF4-FFF2-40B4-BE49-F238E27FC236}">
+                      <a16:creationId xmlns:a16="http://schemas.microsoft.com/office/drawing/2014/main" id="{E66A6AD2-8EF1-4B57-9027-DEDDF31DF8F3}"/>
+                    </a:ext>
+                  </a:extLst>
+                </p:cNvPr>
+                <p:cNvCxnSpPr/>
+                <p:nvPr/>
+              </p:nvCxnSpPr>
+              <p:spPr>
+                <a:xfrm flipV="1">
+                  <a:off x="66675" y="190500"/>
+                  <a:ext cx="914400" cy="685800"/>
+                </a:xfrm>
+                <a:prstGeom prst="straightConnector1">
+                  <a:avLst/>
+                </a:prstGeom>
+                <a:ln w="19050">
+                  <a:headEnd type="triangle"/>
+                  <a:tailEnd type="none"/>
+                </a:ln>
+              </p:spPr>
+              <p:style>
+                <a:lnRef idx="1">
+                  <a:schemeClr val="accent1"/>
+                </a:lnRef>
+                <a:fillRef idx="0">
+                  <a:schemeClr val="accent1"/>
+                </a:fillRef>
+                <a:effectRef idx="0">
+                  <a:schemeClr val="accent1"/>
+                </a:effectRef>
+                <a:fontRef idx="minor">
+                  <a:schemeClr val="tx1"/>
+                </a:fontRef>
+              </p:style>
+            </p:cxnSp>
+          </p:grpSp>
+          <p:grpSp>
+            <p:nvGrpSpPr>
+              <p:cNvPr id="42" name="Agrupar 41">
+                <a:extLst>
+                  <a:ext uri="{FF2B5EF4-FFF2-40B4-BE49-F238E27FC236}">
+                    <a16:creationId xmlns:a16="http://schemas.microsoft.com/office/drawing/2014/main" id="{884E93B4-89A7-4B40-80C2-B6236AB212B7}"/>
+                  </a:ext>
+                </a:extLst>
+              </p:cNvPr>
+              <p:cNvGrpSpPr/>
+              <p:nvPr/>
+            </p:nvGrpSpPr>
+            <p:grpSpPr>
+              <a:xfrm rot="20568945">
+                <a:off x="3996910" y="2484419"/>
+                <a:ext cx="742950" cy="718820"/>
+                <a:chOff x="0" y="0"/>
+                <a:chExt cx="981075" cy="876300"/>
+              </a:xfrm>
+            </p:grpSpPr>
+            <p:cxnSp>
+              <p:nvCxnSpPr>
+                <p:cNvPr id="43" name="Conector de Seta Reta 42">
+                  <a:extLst>
+                    <a:ext uri="{FF2B5EF4-FFF2-40B4-BE49-F238E27FC236}">
+                      <a16:creationId xmlns:a16="http://schemas.microsoft.com/office/drawing/2014/main" id="{62FEF075-05A1-4B27-88EB-3A275AE076C7}"/>
+                    </a:ext>
+                  </a:extLst>
+                </p:cNvPr>
+                <p:cNvCxnSpPr/>
+                <p:nvPr/>
+              </p:nvCxnSpPr>
+              <p:spPr>
+                <a:xfrm flipV="1">
+                  <a:off x="0" y="0"/>
+                  <a:ext cx="914400" cy="685800"/>
+                </a:xfrm>
+                <a:prstGeom prst="straightConnector1">
+                  <a:avLst/>
+                </a:prstGeom>
+                <a:ln w="19050">
+                  <a:tailEnd type="triangle"/>
+                </a:ln>
+              </p:spPr>
+              <p:style>
+                <a:lnRef idx="1">
+                  <a:schemeClr val="accent1"/>
+                </a:lnRef>
+                <a:fillRef idx="0">
+                  <a:schemeClr val="accent1"/>
+                </a:fillRef>
+                <a:effectRef idx="0">
+                  <a:schemeClr val="accent1"/>
+                </a:effectRef>
+                <a:fontRef idx="minor">
+                  <a:schemeClr val="tx1"/>
+                </a:fontRef>
+              </p:style>
+            </p:cxnSp>
+            <p:cxnSp>
+              <p:nvCxnSpPr>
+                <p:cNvPr id="44" name="Conector de Seta Reta 43">
+                  <a:extLst>
+                    <a:ext uri="{FF2B5EF4-FFF2-40B4-BE49-F238E27FC236}">
+                      <a16:creationId xmlns:a16="http://schemas.microsoft.com/office/drawing/2014/main" id="{9B3016B5-4C42-43FB-9CBF-D608EA128688}"/>
+                    </a:ext>
+                  </a:extLst>
+                </p:cNvPr>
+                <p:cNvCxnSpPr/>
+                <p:nvPr/>
+              </p:nvCxnSpPr>
+              <p:spPr>
+                <a:xfrm flipV="1">
+                  <a:off x="66675" y="190500"/>
+                  <a:ext cx="914400" cy="685800"/>
+                </a:xfrm>
+                <a:prstGeom prst="straightConnector1">
+                  <a:avLst/>
+                </a:prstGeom>
+                <a:ln w="19050">
+                  <a:headEnd type="triangle"/>
+                  <a:tailEnd type="none"/>
+                </a:ln>
+              </p:spPr>
+              <p:style>
+                <a:lnRef idx="1">
+                  <a:schemeClr val="accent1"/>
+                </a:lnRef>
+                <a:fillRef idx="0">
+                  <a:schemeClr val="accent1"/>
+                </a:fillRef>
+                <a:effectRef idx="0">
+                  <a:schemeClr val="accent1"/>
+                </a:effectRef>
+                <a:fontRef idx="minor">
+                  <a:schemeClr val="tx1"/>
+                </a:fontRef>
+              </p:style>
+            </p:cxnSp>
+          </p:grpSp>
+          <p:grpSp>
+            <p:nvGrpSpPr>
+              <p:cNvPr id="45" name="Agrupar 44">
+                <a:extLst>
+                  <a:ext uri="{FF2B5EF4-FFF2-40B4-BE49-F238E27FC236}">
+                    <a16:creationId xmlns:a16="http://schemas.microsoft.com/office/drawing/2014/main" id="{936D3F34-5D6C-47AA-AD5B-2D5848CF0568}"/>
+                  </a:ext>
+                </a:extLst>
+              </p:cNvPr>
+              <p:cNvGrpSpPr/>
+              <p:nvPr/>
+            </p:nvGrpSpPr>
+            <p:grpSpPr>
+              <a:xfrm rot="15482249">
+                <a:off x="4501114" y="5042646"/>
+                <a:ext cx="1148565" cy="687649"/>
+                <a:chOff x="0" y="0"/>
+                <a:chExt cx="981075" cy="876300"/>
+              </a:xfrm>
+            </p:grpSpPr>
+            <p:cxnSp>
+              <p:nvCxnSpPr>
+                <p:cNvPr id="46" name="Conector de Seta Reta 45">
+                  <a:extLst>
+                    <a:ext uri="{FF2B5EF4-FFF2-40B4-BE49-F238E27FC236}">
+                      <a16:creationId xmlns:a16="http://schemas.microsoft.com/office/drawing/2014/main" id="{F9CB42CD-B389-4C26-8862-31D1EAD65459}"/>
+                    </a:ext>
+                  </a:extLst>
+                </p:cNvPr>
+                <p:cNvCxnSpPr/>
+                <p:nvPr/>
+              </p:nvCxnSpPr>
+              <p:spPr>
+                <a:xfrm flipV="1">
+                  <a:off x="0" y="0"/>
+                  <a:ext cx="914400" cy="685800"/>
+                </a:xfrm>
+                <a:prstGeom prst="straightConnector1">
+                  <a:avLst/>
+                </a:prstGeom>
+                <a:ln w="19050">
+                  <a:tailEnd type="triangle"/>
+                </a:ln>
+              </p:spPr>
+              <p:style>
+                <a:lnRef idx="1">
+                  <a:schemeClr val="accent1"/>
+                </a:lnRef>
+                <a:fillRef idx="0">
+                  <a:schemeClr val="accent1"/>
+                </a:fillRef>
+                <a:effectRef idx="0">
+                  <a:schemeClr val="accent1"/>
+                </a:effectRef>
+                <a:fontRef idx="minor">
+                  <a:schemeClr val="tx1"/>
+                </a:fontRef>
+              </p:style>
+            </p:cxnSp>
+            <p:cxnSp>
+              <p:nvCxnSpPr>
+                <p:cNvPr id="47" name="Conector de Seta Reta 46">
+                  <a:extLst>
+                    <a:ext uri="{FF2B5EF4-FFF2-40B4-BE49-F238E27FC236}">
+                      <a16:creationId xmlns:a16="http://schemas.microsoft.com/office/drawing/2014/main" id="{3BED41AA-C6F5-4D3D-A088-CE419CB1E00F}"/>
+                    </a:ext>
+                  </a:extLst>
+                </p:cNvPr>
+                <p:cNvCxnSpPr/>
+                <p:nvPr/>
+              </p:nvCxnSpPr>
+              <p:spPr>
+                <a:xfrm flipV="1">
+                  <a:off x="66675" y="190500"/>
+                  <a:ext cx="914400" cy="685800"/>
+                </a:xfrm>
+                <a:prstGeom prst="straightConnector1">
+                  <a:avLst/>
+                </a:prstGeom>
+                <a:ln w="19050">
+                  <a:headEnd type="triangle"/>
+                  <a:tailEnd type="none"/>
+                </a:ln>
+              </p:spPr>
+              <p:style>
+                <a:lnRef idx="1">
+                  <a:schemeClr val="accent1"/>
+                </a:lnRef>
+                <a:fillRef idx="0">
+                  <a:schemeClr val="accent1"/>
+                </a:fillRef>
+                <a:effectRef idx="0">
+                  <a:schemeClr val="accent1"/>
+                </a:effectRef>
+                <a:fontRef idx="minor">
+                  <a:schemeClr val="tx1"/>
+                </a:fontRef>
+              </p:style>
+            </p:cxnSp>
+          </p:grpSp>
+          <p:grpSp>
+            <p:nvGrpSpPr>
+              <p:cNvPr id="49" name="Agrupar 48">
+                <a:extLst>
+                  <a:ext uri="{FF2B5EF4-FFF2-40B4-BE49-F238E27FC236}">
+                    <a16:creationId xmlns:a16="http://schemas.microsoft.com/office/drawing/2014/main" id="{07391FBC-F985-4EA1-A487-2A4CE3A2060B}"/>
+                  </a:ext>
+                </a:extLst>
+              </p:cNvPr>
+              <p:cNvGrpSpPr/>
+              <p:nvPr/>
+            </p:nvGrpSpPr>
+            <p:grpSpPr>
+              <a:xfrm rot="16614481">
+                <a:off x="7654915" y="3515222"/>
+                <a:ext cx="455295" cy="685165"/>
+                <a:chOff x="0" y="0"/>
+                <a:chExt cx="981075" cy="876300"/>
+              </a:xfrm>
+              <a:solidFill>
+                <a:srgbClr val="00B050"/>
+              </a:solidFill>
+            </p:grpSpPr>
+            <p:cxnSp>
+              <p:nvCxnSpPr>
+                <p:cNvPr id="50" name="Conector de Seta Reta 49">
+                  <a:extLst>
+                    <a:ext uri="{FF2B5EF4-FFF2-40B4-BE49-F238E27FC236}">
+                      <a16:creationId xmlns:a16="http://schemas.microsoft.com/office/drawing/2014/main" id="{6E1CA3AD-E998-4C97-BCA9-C42B91F029EB}"/>
+                    </a:ext>
+                  </a:extLst>
+                </p:cNvPr>
+                <p:cNvCxnSpPr/>
+                <p:nvPr/>
+              </p:nvCxnSpPr>
+              <p:spPr>
+                <a:xfrm flipV="1">
+                  <a:off x="0" y="0"/>
+                  <a:ext cx="914400" cy="685800"/>
+                </a:xfrm>
+                <a:prstGeom prst="straightConnector1">
+                  <a:avLst/>
+                </a:prstGeom>
+                <a:grpFill/>
+                <a:ln w="19050">
+                  <a:solidFill>
+                    <a:schemeClr val="accent3">
+                      <a:lumMod val="50000"/>
+                    </a:schemeClr>
+                  </a:solidFill>
+                  <a:tailEnd type="triangle"/>
+                </a:ln>
+              </p:spPr>
+              <p:style>
+                <a:lnRef idx="1">
+                  <a:schemeClr val="accent1"/>
+                </a:lnRef>
+                <a:fillRef idx="0">
+                  <a:schemeClr val="accent1"/>
+                </a:fillRef>
+                <a:effectRef idx="0">
+                  <a:schemeClr val="accent1"/>
+                </a:effectRef>
+                <a:fontRef idx="minor">
+                  <a:schemeClr val="tx1"/>
+                </a:fontRef>
+              </p:style>
+            </p:cxnSp>
+            <p:cxnSp>
+              <p:nvCxnSpPr>
+                <p:cNvPr id="51" name="Conector de Seta Reta 50">
+                  <a:extLst>
+                    <a:ext uri="{FF2B5EF4-FFF2-40B4-BE49-F238E27FC236}">
+                      <a16:creationId xmlns:a16="http://schemas.microsoft.com/office/drawing/2014/main" id="{5FB69463-21E3-4848-9CA2-179CFE86E90A}"/>
+                    </a:ext>
+                  </a:extLst>
+                </p:cNvPr>
+                <p:cNvCxnSpPr/>
+                <p:nvPr/>
+              </p:nvCxnSpPr>
+              <p:spPr>
+                <a:xfrm flipV="1">
+                  <a:off x="66675" y="190500"/>
+                  <a:ext cx="914400" cy="685800"/>
+                </a:xfrm>
+                <a:prstGeom prst="straightConnector1">
+                  <a:avLst/>
+                </a:prstGeom>
+                <a:grpFill/>
+                <a:ln w="19050">
+                  <a:solidFill>
+                    <a:schemeClr val="accent3">
+                      <a:lumMod val="50000"/>
+                    </a:schemeClr>
+                  </a:solidFill>
+                  <a:headEnd type="triangle"/>
+                  <a:tailEnd type="none"/>
+                </a:ln>
+              </p:spPr>
+              <p:style>
+                <a:lnRef idx="1">
+                  <a:schemeClr val="accent1"/>
+                </a:lnRef>
+                <a:fillRef idx="0">
+                  <a:schemeClr val="accent1"/>
+                </a:fillRef>
+                <a:effectRef idx="0">
+                  <a:schemeClr val="accent1"/>
+                </a:effectRef>
+                <a:fontRef idx="minor">
+                  <a:schemeClr val="tx1"/>
+                </a:fontRef>
+              </p:style>
+            </p:cxnSp>
+          </p:grpSp>
+        </p:grpSp>
+      </p:grpSp>
+      <p:grpSp>
+        <p:nvGrpSpPr>
+          <p:cNvPr id="3083" name="Agrupar 3082">
+            <a:extLst>
+              <a:ext uri="{FF2B5EF4-FFF2-40B4-BE49-F238E27FC236}">
+                <a16:creationId xmlns:a16="http://schemas.microsoft.com/office/drawing/2014/main" id="{F6796BE3-1780-42DE-A39E-9C3C9240441F}"/>
+              </a:ext>
+            </a:extLst>
+          </p:cNvPr>
+          <p:cNvGrpSpPr/>
+          <p:nvPr/>
+        </p:nvGrpSpPr>
+        <p:grpSpPr>
+          <a:xfrm>
+            <a:off x="6362202" y="634448"/>
+            <a:ext cx="2835025" cy="3056339"/>
+            <a:chOff x="6362202" y="634448"/>
+            <a:chExt cx="2835025" cy="3056339"/>
+          </a:xfrm>
+        </p:grpSpPr>
+        <p:grpSp>
+          <p:nvGrpSpPr>
+            <p:cNvPr id="52" name="Agrupar 51">
+              <a:extLst>
+                <a:ext uri="{FF2B5EF4-FFF2-40B4-BE49-F238E27FC236}">
+                  <a16:creationId xmlns:a16="http://schemas.microsoft.com/office/drawing/2014/main" id="{67A04B91-AD63-409B-BECB-C4AC13A0195B}"/>
+                </a:ext>
+              </a:extLst>
+            </p:cNvPr>
+            <p:cNvGrpSpPr/>
+            <p:nvPr/>
+          </p:nvGrpSpPr>
+          <p:grpSpPr>
+            <a:xfrm>
+              <a:off x="7378587" y="634448"/>
+              <a:ext cx="1818640" cy="1884468"/>
+              <a:chOff x="-285678" y="-303319"/>
+              <a:chExt cx="1819117" cy="1884469"/>
+            </a:xfrm>
+          </p:grpSpPr>
+          <p:pic>
+            <p:nvPicPr>
+              <p:cNvPr id="53" name="Gráfico 46" descr="Smartphone">
+                <a:extLst>
+                  <a:ext uri="{FF2B5EF4-FFF2-40B4-BE49-F238E27FC236}">
+                    <a16:creationId xmlns:a16="http://schemas.microsoft.com/office/drawing/2014/main" id="{011FAC19-C68E-45D5-B466-D6E528DD1E72}"/>
+                  </a:ext>
+                </a:extLst>
+              </p:cNvPr>
+              <p:cNvPicPr>
+                <a:picLocks noChangeAspect="1"/>
+              </p:cNvPicPr>
+              <p:nvPr/>
+            </p:nvPicPr>
+            <p:blipFill>
+              <a:blip r:embed="rId6">
+                <a:extLst>
+                  <a:ext uri="{28A0092B-C50C-407E-A947-70E740481C1C}">
+                    <a14:useLocalDpi xmlns:a14="http://schemas.microsoft.com/office/drawing/2010/main" val="0"/>
+                  </a:ext>
+                  <a:ext uri="{96DAC541-7B7A-43D3-8B79-37D633B846F1}">
+                    <asvg:svgBlip xmlns:asvg="http://schemas.microsoft.com/office/drawing/2016/SVG/main" r:embed="rId7"/>
+                  </a:ext>
+                </a:extLst>
+              </a:blip>
+              <a:stretch>
+                <a:fillRect/>
+              </a:stretch>
+            </p:blipFill>
+            <p:spPr>
+              <a:xfrm>
+                <a:off x="0" y="228600"/>
+                <a:ext cx="1352550" cy="1352550"/>
+              </a:xfrm>
+              <a:prstGeom prst="rect">
+                <a:avLst/>
+              </a:prstGeom>
+              <a:effectLst>
+                <a:outerShdw blurRad="50800" dist="38100" dir="5400000" algn="t" rotWithShape="0">
+                  <a:prstClr val="black">
+                    <a:alpha val="40000"/>
+                  </a:prstClr>
+                </a:outerShdw>
+              </a:effectLst>
+            </p:spPr>
+          </p:pic>
+          <p:sp>
+            <p:nvSpPr>
+              <p:cNvPr id="54" name="Caixa de Texto 47">
+                <a:extLst>
+                  <a:ext uri="{FF2B5EF4-FFF2-40B4-BE49-F238E27FC236}">
+                    <a16:creationId xmlns:a16="http://schemas.microsoft.com/office/drawing/2014/main" id="{DB93E3E1-B6B6-4ED2-BA8E-F9E7BE71BA9A}"/>
+                  </a:ext>
+                </a:extLst>
+              </p:cNvPr>
+              <p:cNvSpPr txBox="1"/>
+              <p:nvPr/>
+            </p:nvSpPr>
+            <p:spPr>
+              <a:xfrm>
+                <a:off x="-285678" y="-303319"/>
+                <a:ext cx="1819117" cy="809625"/>
+              </a:xfrm>
+              <a:prstGeom prst="rect">
+                <a:avLst/>
+              </a:prstGeom>
+              <a:noFill/>
+              <a:ln w="6350">
+                <a:noFill/>
+              </a:ln>
+            </p:spPr>
+            <p:txBody>
+              <a:bodyPr rot="0" spcFirstLastPara="0" vert="horz" wrap="square" lIns="91440" tIns="45720" rIns="91440" bIns="45720" numCol="1" spcCol="0" rtlCol="0" fromWordArt="0" anchor="t" anchorCtr="0" forceAA="0" compatLnSpc="1">
+                <a:prstTxWarp prst="textNoShape">
+                  <a:avLst/>
+                </a:prstTxWarp>
+                <a:noAutofit/>
+              </a:bodyPr>
+              <a:lstStyle/>
+              <a:p>
+                <a:pPr algn="ctr">
+                  <a:spcAft>
+                    <a:spcPts val="1200"/>
+                  </a:spcAft>
+                </a:pPr>
+                <a:r>
+                  <a:rPr lang="pt-BR" sz="1600" dirty="0">
+                    <a:effectLst/>
+                    <a:latin typeface="Times New Roman" panose="02020603050405020304" pitchFamily="18" charset="0"/>
+                    <a:ea typeface="Calibri" panose="020F0502020204030204" pitchFamily="34" charset="0"/>
+                    <a:cs typeface="Times New Roman" panose="02020603050405020304" pitchFamily="18" charset="0"/>
+                  </a:rPr>
+                  <a:t>SERVIDOR DE APLICAÇÃO</a:t>
+                </a:r>
+                <a:endParaRPr lang="pt-BR" sz="1000" dirty="0">
+                  <a:effectLst/>
+                  <a:latin typeface="Times New Roman" panose="02020603050405020304" pitchFamily="18" charset="0"/>
+                  <a:ea typeface="Calibri" panose="020F0502020204030204" pitchFamily="34" charset="0"/>
+                  <a:cs typeface="Times New Roman" panose="02020603050405020304" pitchFamily="18" charset="0"/>
+                </a:endParaRPr>
+              </a:p>
+            </p:txBody>
+          </p:sp>
+        </p:grpSp>
+        <p:grpSp>
+          <p:nvGrpSpPr>
+            <p:cNvPr id="3080" name="Agrupar 3079">
+              <a:extLst>
+                <a:ext uri="{FF2B5EF4-FFF2-40B4-BE49-F238E27FC236}">
+                  <a16:creationId xmlns:a16="http://schemas.microsoft.com/office/drawing/2014/main" id="{5C71D177-5B6E-41B6-92A0-3197D1105D79}"/>
+                </a:ext>
+              </a:extLst>
+            </p:cNvPr>
+            <p:cNvGrpSpPr/>
+            <p:nvPr/>
+          </p:nvGrpSpPr>
+          <p:grpSpPr>
+            <a:xfrm>
+              <a:off x="6362202" y="1775713"/>
+              <a:ext cx="1893665" cy="1915074"/>
+              <a:chOff x="6362202" y="1775713"/>
+              <a:chExt cx="1893665" cy="1915074"/>
+            </a:xfrm>
+          </p:grpSpPr>
+          <p:grpSp>
+            <p:nvGrpSpPr>
+              <p:cNvPr id="18" name="Agrupar 17">
+                <a:extLst>
+                  <a:ext uri="{FF2B5EF4-FFF2-40B4-BE49-F238E27FC236}">
+                    <a16:creationId xmlns:a16="http://schemas.microsoft.com/office/drawing/2014/main" id="{C2E4F860-DDFE-4E86-AC67-425196103FA6}"/>
+                  </a:ext>
+                </a:extLst>
+              </p:cNvPr>
+              <p:cNvGrpSpPr/>
+              <p:nvPr/>
+            </p:nvGrpSpPr>
+            <p:grpSpPr>
+              <a:xfrm rot="16419094">
+                <a:off x="6176000" y="2123311"/>
+                <a:ext cx="1039086" cy="343889"/>
+                <a:chOff x="0" y="0"/>
+                <a:chExt cx="981075" cy="876300"/>
+              </a:xfrm>
+              <a:solidFill>
+                <a:srgbClr val="00B050"/>
+              </a:solidFill>
+            </p:grpSpPr>
+            <p:cxnSp>
+              <p:nvCxnSpPr>
+                <p:cNvPr id="19" name="Conector de Seta Reta 18">
+                  <a:extLst>
+                    <a:ext uri="{FF2B5EF4-FFF2-40B4-BE49-F238E27FC236}">
+                      <a16:creationId xmlns:a16="http://schemas.microsoft.com/office/drawing/2014/main" id="{F3C59E08-1A0E-4A27-99C2-CEC24174D0E5}"/>
+                    </a:ext>
+                  </a:extLst>
+                </p:cNvPr>
+                <p:cNvCxnSpPr/>
+                <p:nvPr/>
+              </p:nvCxnSpPr>
+              <p:spPr>
+                <a:xfrm flipV="1">
+                  <a:off x="0" y="0"/>
+                  <a:ext cx="914400" cy="685800"/>
+                </a:xfrm>
+                <a:prstGeom prst="straightConnector1">
+                  <a:avLst/>
+                </a:prstGeom>
+                <a:grpFill/>
+                <a:ln w="19050">
+                  <a:solidFill>
+                    <a:schemeClr val="accent3">
+                      <a:lumMod val="50000"/>
+                    </a:schemeClr>
+                  </a:solidFill>
+                  <a:tailEnd type="triangle"/>
+                </a:ln>
+              </p:spPr>
+              <p:style>
+                <a:lnRef idx="1">
+                  <a:schemeClr val="accent1"/>
+                </a:lnRef>
+                <a:fillRef idx="0">
+                  <a:schemeClr val="accent1"/>
+                </a:fillRef>
+                <a:effectRef idx="0">
+                  <a:schemeClr val="accent1"/>
+                </a:effectRef>
+                <a:fontRef idx="minor">
+                  <a:schemeClr val="tx1"/>
+                </a:fontRef>
+              </p:style>
+            </p:cxnSp>
+            <p:cxnSp>
+              <p:nvCxnSpPr>
+                <p:cNvPr id="20" name="Conector de Seta Reta 19">
+                  <a:extLst>
+                    <a:ext uri="{FF2B5EF4-FFF2-40B4-BE49-F238E27FC236}">
+                      <a16:creationId xmlns:a16="http://schemas.microsoft.com/office/drawing/2014/main" id="{E6F088BD-510D-4F84-8020-EFA8168D2623}"/>
+                    </a:ext>
+                  </a:extLst>
+                </p:cNvPr>
+                <p:cNvCxnSpPr/>
+                <p:nvPr/>
+              </p:nvCxnSpPr>
+              <p:spPr>
+                <a:xfrm flipV="1">
+                  <a:off x="66675" y="190500"/>
+                  <a:ext cx="914400" cy="685800"/>
+                </a:xfrm>
+                <a:prstGeom prst="straightConnector1">
+                  <a:avLst/>
+                </a:prstGeom>
+                <a:grpFill/>
+                <a:ln w="19050">
+                  <a:solidFill>
+                    <a:schemeClr val="accent3">
+                      <a:lumMod val="50000"/>
+                    </a:schemeClr>
+                  </a:solidFill>
+                  <a:headEnd type="triangle"/>
+                  <a:tailEnd type="none"/>
+                </a:ln>
+              </p:spPr>
+              <p:style>
+                <a:lnRef idx="1">
+                  <a:schemeClr val="accent1"/>
+                </a:lnRef>
+                <a:fillRef idx="0">
+                  <a:schemeClr val="accent1"/>
+                </a:fillRef>
+                <a:effectRef idx="0">
+                  <a:schemeClr val="accent1"/>
+                </a:effectRef>
+                <a:fontRef idx="minor">
+                  <a:schemeClr val="tx1"/>
+                </a:fontRef>
+              </p:style>
+            </p:cxnSp>
+          </p:grpSp>
+          <p:sp>
+            <p:nvSpPr>
+              <p:cNvPr id="48" name="Nuvem 47">
+                <a:extLst>
+                  <a:ext uri="{FF2B5EF4-FFF2-40B4-BE49-F238E27FC236}">
+                    <a16:creationId xmlns:a16="http://schemas.microsoft.com/office/drawing/2014/main" id="{6ECF8BB9-DDFF-4356-9710-5AC3D21DDBA0}"/>
+                  </a:ext>
+                </a:extLst>
+              </p:cNvPr>
+              <p:cNvSpPr/>
+              <p:nvPr/>
+            </p:nvSpPr>
+            <p:spPr>
+              <a:xfrm>
+                <a:off x="6362202" y="2785277"/>
+                <a:ext cx="1543050" cy="905510"/>
+              </a:xfrm>
+              <a:prstGeom prst="cloud">
+                <a:avLst/>
+              </a:prstGeom>
+              <a:solidFill>
+                <a:srgbClr val="00B050"/>
+              </a:solidFill>
+              <a:ln>
+                <a:solidFill>
+                  <a:schemeClr val="accent3">
+                    <a:lumMod val="50000"/>
+                  </a:schemeClr>
+                </a:solidFill>
+              </a:ln>
+            </p:spPr>
+            <p:style>
+              <a:lnRef idx="2">
+                <a:schemeClr val="accent1">
+                  <a:shade val="50000"/>
+                </a:schemeClr>
+              </a:lnRef>
+              <a:fillRef idx="1">
+                <a:schemeClr val="accent1"/>
+              </a:fillRef>
+              <a:effectRef idx="0">
+                <a:schemeClr val="accent1"/>
+              </a:effectRef>
+              <a:fontRef idx="minor">
+                <a:schemeClr val="lt1"/>
+              </a:fontRef>
+            </p:style>
+            <p:txBody>
+              <a:bodyPr rot="0" spcFirstLastPara="0" vert="horz" wrap="square" lIns="91440" tIns="45720" rIns="91440" bIns="45720" numCol="1" spcCol="0" rtlCol="0" fromWordArt="0" anchor="ctr" anchorCtr="0" forceAA="0" compatLnSpc="1">
+                <a:prstTxWarp prst="textNoShape">
+                  <a:avLst/>
+                </a:prstTxWarp>
+                <a:noAutofit/>
+              </a:bodyPr>
+              <a:lstStyle/>
+              <a:p>
+                <a:pPr indent="450215" algn="ctr">
+                  <a:lnSpc>
+                    <a:spcPct val="150000"/>
+                  </a:lnSpc>
+                  <a:spcAft>
+                    <a:spcPts val="1200"/>
+                  </a:spcAft>
+                </a:pPr>
+                <a:r>
+                  <a:rPr lang="pt-BR" sz="2200" b="1">
+                    <a:effectLst/>
+                    <a:latin typeface="Times New Roman" panose="02020603050405020304" pitchFamily="18" charset="0"/>
+                    <a:ea typeface="Calibri" panose="020F0502020204030204" pitchFamily="34" charset="0"/>
+                    <a:cs typeface="Times New Roman" panose="02020603050405020304" pitchFamily="18" charset="0"/>
+                  </a:rPr>
+                  <a:t> </a:t>
+                </a:r>
+                <a:endParaRPr lang="pt-BR" sz="1000">
+                  <a:effectLst/>
+                  <a:latin typeface="Times New Roman" panose="02020603050405020304" pitchFamily="18" charset="0"/>
+                  <a:ea typeface="Calibri" panose="020F0502020204030204" pitchFamily="34" charset="0"/>
+                  <a:cs typeface="Times New Roman" panose="02020603050405020304" pitchFamily="18" charset="0"/>
+                </a:endParaRPr>
+              </a:p>
+            </p:txBody>
+          </p:sp>
+          <p:grpSp>
+            <p:nvGrpSpPr>
+              <p:cNvPr id="55" name="Agrupar 54">
+                <a:extLst>
+                  <a:ext uri="{FF2B5EF4-FFF2-40B4-BE49-F238E27FC236}">
+                    <a16:creationId xmlns:a16="http://schemas.microsoft.com/office/drawing/2014/main" id="{2D027C43-54B8-4513-A937-F1892E1819F8}"/>
+                  </a:ext>
+                </a:extLst>
+              </p:cNvPr>
+              <p:cNvGrpSpPr/>
+              <p:nvPr/>
+            </p:nvGrpSpPr>
+            <p:grpSpPr>
+              <a:xfrm rot="594466">
+                <a:off x="7989167" y="2486312"/>
+                <a:ext cx="266700" cy="699770"/>
+                <a:chOff x="0" y="0"/>
+                <a:chExt cx="981075" cy="876300"/>
+              </a:xfrm>
+              <a:solidFill>
+                <a:srgbClr val="00B050"/>
+              </a:solidFill>
+            </p:grpSpPr>
+            <p:cxnSp>
+              <p:nvCxnSpPr>
+                <p:cNvPr id="56" name="Conector de Seta Reta 55">
+                  <a:extLst>
+                    <a:ext uri="{FF2B5EF4-FFF2-40B4-BE49-F238E27FC236}">
+                      <a16:creationId xmlns:a16="http://schemas.microsoft.com/office/drawing/2014/main" id="{C91530DD-AABF-4A7F-AC1B-28A06A19B4FA}"/>
+                    </a:ext>
+                  </a:extLst>
+                </p:cNvPr>
+                <p:cNvCxnSpPr/>
+                <p:nvPr/>
+              </p:nvCxnSpPr>
+              <p:spPr>
+                <a:xfrm flipV="1">
+                  <a:off x="0" y="0"/>
+                  <a:ext cx="914400" cy="685800"/>
+                </a:xfrm>
+                <a:prstGeom prst="straightConnector1">
+                  <a:avLst/>
+                </a:prstGeom>
+                <a:grpFill/>
+                <a:ln w="19050">
+                  <a:solidFill>
+                    <a:schemeClr val="accent3">
+                      <a:lumMod val="50000"/>
+                    </a:schemeClr>
+                  </a:solidFill>
+                  <a:tailEnd type="triangle"/>
+                </a:ln>
+              </p:spPr>
+              <p:style>
+                <a:lnRef idx="1">
+                  <a:schemeClr val="accent1"/>
+                </a:lnRef>
+                <a:fillRef idx="0">
+                  <a:schemeClr val="accent1"/>
+                </a:fillRef>
+                <a:effectRef idx="0">
+                  <a:schemeClr val="accent1"/>
+                </a:effectRef>
+                <a:fontRef idx="minor">
+                  <a:schemeClr val="tx1"/>
+                </a:fontRef>
+              </p:style>
+            </p:cxnSp>
+            <p:cxnSp>
+              <p:nvCxnSpPr>
+                <p:cNvPr id="57" name="Conector de Seta Reta 56">
+                  <a:extLst>
+                    <a:ext uri="{FF2B5EF4-FFF2-40B4-BE49-F238E27FC236}">
+                      <a16:creationId xmlns:a16="http://schemas.microsoft.com/office/drawing/2014/main" id="{9BD37BCC-05CF-47C4-B8B1-74939FC5D2D0}"/>
+                    </a:ext>
+                  </a:extLst>
+                </p:cNvPr>
+                <p:cNvCxnSpPr/>
+                <p:nvPr/>
+              </p:nvCxnSpPr>
+              <p:spPr>
+                <a:xfrm flipV="1">
+                  <a:off x="66675" y="190500"/>
+                  <a:ext cx="914400" cy="685800"/>
+                </a:xfrm>
+                <a:prstGeom prst="straightConnector1">
+                  <a:avLst/>
+                </a:prstGeom>
+                <a:grpFill/>
+                <a:ln w="19050">
+                  <a:solidFill>
+                    <a:schemeClr val="accent3">
+                      <a:lumMod val="50000"/>
+                    </a:schemeClr>
+                  </a:solidFill>
+                  <a:headEnd type="triangle"/>
+                  <a:tailEnd type="none"/>
+                </a:ln>
+              </p:spPr>
+              <p:style>
+                <a:lnRef idx="1">
+                  <a:schemeClr val="accent1"/>
+                </a:lnRef>
+                <a:fillRef idx="0">
+                  <a:schemeClr val="accent1"/>
+                </a:fillRef>
+                <a:effectRef idx="0">
+                  <a:schemeClr val="accent1"/>
+                </a:effectRef>
+                <a:fontRef idx="minor">
+                  <a:schemeClr val="tx1"/>
+                </a:fontRef>
+              </p:style>
+            </p:cxnSp>
+          </p:grpSp>
+        </p:grpSp>
+      </p:grpSp>
+      <p:sp>
+        <p:nvSpPr>
+          <p:cNvPr id="10" name="Rectangle 48">
+            <a:extLst>
+              <a:ext uri="{FF2B5EF4-FFF2-40B4-BE49-F238E27FC236}">
+                <a16:creationId xmlns:a16="http://schemas.microsoft.com/office/drawing/2014/main" id="{D54A395D-74EF-43FD-9A8B-6C2691B87CBA}"/>
+              </a:ext>
+            </a:extLst>
+          </p:cNvPr>
+          <p:cNvSpPr>
+            <a:spLocks noChangeArrowheads="1"/>
+          </p:cNvSpPr>
+          <p:nvPr/>
+        </p:nvSpPr>
+        <p:spPr bwMode="auto">
+          <a:xfrm>
+            <a:off x="0" y="0"/>
+            <a:ext cx="9144000" cy="457200"/>
+          </a:xfrm>
+          <a:prstGeom prst="rect">
+            <a:avLst/>
+          </a:prstGeom>
+          <a:noFill/>
+          <a:ln>
+            <a:noFill/>
+          </a:ln>
+          <a:effectLst/>
+          <a:extLst>
+            <a:ext uri="{909E8E84-426E-40DD-AFC4-6F175D3DCCD1}">
+              <a14:hiddenFill xmlns:a14="http://schemas.microsoft.com/office/drawing/2010/main">
+                <a:solidFill>
+                  <a:schemeClr val="accent1"/>
+                </a:solidFill>
+              </a14:hiddenFill>
+            </a:ext>
+            <a:ext uri="{91240B29-F687-4F45-9708-019B960494DF}">
+              <a14:hiddenLine xmlns:a14="http://schemas.microsoft.com/office/drawing/2010/main" w="9525">
+                <a:solidFill>
+                  <a:schemeClr val="tx1"/>
+                </a:solidFill>
+                <a:miter lim="800000"/>
+                <a:headEnd/>
+                <a:tailEnd/>
+              </a14:hiddenLine>
+            </a:ext>
+            <a:ext uri="{AF507438-7753-43E0-B8FC-AC1667EBCBE1}">
+              <a14:hiddenEffects xmlns:a14="http://schemas.microsoft.com/office/drawing/2010/main">
+                <a:effectLst>
+                  <a:outerShdw dist="35921" dir="2700000" algn="ctr" rotWithShape="0">
+                    <a:schemeClr val="bg2"/>
+                  </a:outerShdw>
+                </a:effectLst>
+              </a14:hiddenEffects>
+            </a:ext>
+          </a:extLst>
+        </p:spPr>
+        <p:txBody>
+          <a:bodyPr vert="horz" wrap="square" lIns="91440" tIns="45720" rIns="91440" bIns="45720" numCol="1" anchor="ctr" anchorCtr="0" compatLnSpc="1">
+            <a:prstTxWarp prst="textNoShape">
+              <a:avLst/>
+            </a:prstTxWarp>
+            <a:spAutoFit/>
+          </a:bodyPr>
+          <a:lstStyle/>
+          <a:p>
+            <a:endParaRPr lang="pt-BR"/>
+          </a:p>
+        </p:txBody>
+      </p:sp>
+      <p:grpSp>
+        <p:nvGrpSpPr>
+          <p:cNvPr id="59" name="Agrupar 58">
+            <a:extLst>
+              <a:ext uri="{FF2B5EF4-FFF2-40B4-BE49-F238E27FC236}">
+                <a16:creationId xmlns:a16="http://schemas.microsoft.com/office/drawing/2014/main" id="{4004F817-69B7-4FF3-8CB2-46E7DD384FF9}"/>
+              </a:ext>
+            </a:extLst>
+          </p:cNvPr>
+          <p:cNvGrpSpPr/>
+          <p:nvPr/>
+        </p:nvGrpSpPr>
+        <p:grpSpPr>
+          <a:xfrm>
+            <a:off x="5244980" y="4708341"/>
+            <a:ext cx="1447800" cy="1876011"/>
+            <a:chOff x="-78771" y="-294862"/>
+            <a:chExt cx="1447800" cy="1876012"/>
+          </a:xfrm>
+        </p:grpSpPr>
+        <p:pic>
+          <p:nvPicPr>
+            <p:cNvPr id="60" name="Gráfico 15" descr="Smartphone">
+              <a:extLst>
+                <a:ext uri="{FF2B5EF4-FFF2-40B4-BE49-F238E27FC236}">
+                  <a16:creationId xmlns:a16="http://schemas.microsoft.com/office/drawing/2014/main" id="{124E494B-7CB9-4C9B-8580-569AA7A867B5}"/>
+                </a:ext>
+              </a:extLst>
+            </p:cNvPr>
+            <p:cNvPicPr>
+              <a:picLocks noChangeAspect="1"/>
+            </p:cNvPicPr>
+            <p:nvPr/>
+          </p:nvPicPr>
+          <p:blipFill>
+            <a:blip r:embed="rId6">
+              <a:extLst>
+                <a:ext uri="{28A0092B-C50C-407E-A947-70E740481C1C}">
+                  <a14:useLocalDpi xmlns:a14="http://schemas.microsoft.com/office/drawing/2010/main" val="0"/>
+                </a:ext>
+                <a:ext uri="{96DAC541-7B7A-43D3-8B79-37D633B846F1}">
+                  <asvg:svgBlip xmlns:asvg="http://schemas.microsoft.com/office/drawing/2016/SVG/main" r:embed="rId7"/>
+                </a:ext>
+              </a:extLst>
+            </a:blip>
+            <a:stretch>
+              <a:fillRect/>
+            </a:stretch>
+          </p:blipFill>
+          <p:spPr>
+            <a:xfrm>
+              <a:off x="0" y="228600"/>
+              <a:ext cx="1352550" cy="1352550"/>
+            </a:xfrm>
+            <a:prstGeom prst="rect">
+              <a:avLst/>
+            </a:prstGeom>
+            <a:effectLst>
+              <a:outerShdw blurRad="50800" dist="38100" dir="5400000" algn="t" rotWithShape="0">
+                <a:prstClr val="black">
+                  <a:alpha val="40000"/>
+                </a:prstClr>
+              </a:outerShdw>
+            </a:effectLst>
+          </p:spPr>
+        </p:pic>
+        <p:sp>
+          <p:nvSpPr>
+            <p:cNvPr id="61" name="Caixa de Texto 16">
+              <a:extLst>
+                <a:ext uri="{FF2B5EF4-FFF2-40B4-BE49-F238E27FC236}">
+                  <a16:creationId xmlns:a16="http://schemas.microsoft.com/office/drawing/2014/main" id="{8C40B77D-2E8F-46F8-933A-88672CEE7457}"/>
+                </a:ext>
+              </a:extLst>
+            </p:cNvPr>
+            <p:cNvSpPr txBox="1"/>
+            <p:nvPr/>
+          </p:nvSpPr>
+          <p:spPr>
+            <a:xfrm>
+              <a:off x="-78771" y="-294862"/>
+              <a:ext cx="1447800" cy="809625"/>
+            </a:xfrm>
+            <a:prstGeom prst="rect">
+              <a:avLst/>
+            </a:prstGeom>
+            <a:noFill/>
+            <a:ln w="6350">
+              <a:noFill/>
+            </a:ln>
+          </p:spPr>
+          <p:txBody>
+            <a:bodyPr rot="0" spcFirstLastPara="0" vert="horz" wrap="square" lIns="91440" tIns="45720" rIns="91440" bIns="45720" numCol="1" spcCol="0" rtlCol="0" fromWordArt="0" anchor="t" anchorCtr="0" forceAA="0" compatLnSpc="1">
+              <a:prstTxWarp prst="textNoShape">
+                <a:avLst/>
+              </a:prstTxWarp>
+              <a:noAutofit/>
+            </a:bodyPr>
+            <a:lstStyle/>
+            <a:p>
+              <a:pPr algn="ctr">
+                <a:spcAft>
+                  <a:spcPts val="1200"/>
+                </a:spcAft>
+              </a:pPr>
+              <a:r>
+                <a:rPr lang="pt-BR" sz="1600" dirty="0">
+                  <a:solidFill>
+                    <a:srgbClr val="000000"/>
+                  </a:solidFill>
+                  <a:effectLst/>
+                  <a:latin typeface="Times New Roman" panose="02020603050405020304" pitchFamily="18" charset="0"/>
+                  <a:ea typeface="Calibri" panose="020F0502020204030204" pitchFamily="34" charset="0"/>
+                  <a:cs typeface="Times New Roman" panose="02020603050405020304" pitchFamily="18" charset="0"/>
+                </a:rPr>
+                <a:t>SERVIÇO DE USUÁRIOS</a:t>
+              </a:r>
+              <a:endParaRPr lang="pt-BR" sz="1000" dirty="0">
+                <a:effectLst/>
+                <a:latin typeface="Times New Roman" panose="02020603050405020304" pitchFamily="18" charset="0"/>
+                <a:ea typeface="Calibri" panose="020F0502020204030204" pitchFamily="34" charset="0"/>
+                <a:cs typeface="Times New Roman" panose="02020603050405020304" pitchFamily="18" charset="0"/>
+              </a:endParaRPr>
+            </a:p>
+          </p:txBody>
+        </p:sp>
+      </p:grpSp>
+      <p:pic>
+        <p:nvPicPr>
+          <p:cNvPr id="3085" name="Gráfico 3084" descr="Usuário">
+            <a:extLst>
+              <a:ext uri="{FF2B5EF4-FFF2-40B4-BE49-F238E27FC236}">
+                <a16:creationId xmlns:a16="http://schemas.microsoft.com/office/drawing/2014/main" id="{D3FCD65E-983F-44B7-99B2-1BC8CF7C3142}"/>
+              </a:ext>
+            </a:extLst>
+          </p:cNvPr>
+          <p:cNvPicPr>
+            <a:picLocks noChangeAspect="1"/>
+          </p:cNvPicPr>
+          <p:nvPr/>
+        </p:nvPicPr>
+        <p:blipFill>
+          <a:blip r:embed="rId8">
+            <a:extLst>
+              <a:ext uri="{96DAC541-7B7A-43D3-8B79-37D633B846F1}">
+                <asvg:svgBlip xmlns:asvg="http://schemas.microsoft.com/office/drawing/2016/SVG/main" r:embed="rId9"/>
+              </a:ext>
+            </a:extLst>
+          </a:blip>
+          <a:stretch>
+            <a:fillRect/>
+          </a:stretch>
+        </p:blipFill>
+        <p:spPr>
+          <a:xfrm>
+            <a:off x="5010364" y="274852"/>
+            <a:ext cx="914400" cy="914400"/>
+          </a:xfrm>
+          <a:prstGeom prst="rect">
+            <a:avLst/>
+          </a:prstGeom>
+        </p:spPr>
+      </p:pic>
+      <p:cxnSp>
+        <p:nvCxnSpPr>
+          <p:cNvPr id="85" name="Conector de Seta Reta 84">
+            <a:extLst>
+              <a:ext uri="{FF2B5EF4-FFF2-40B4-BE49-F238E27FC236}">
+                <a16:creationId xmlns:a16="http://schemas.microsoft.com/office/drawing/2014/main" id="{E6E116AD-5E1A-40A0-AD39-7D304560DC44}"/>
+              </a:ext>
+            </a:extLst>
+          </p:cNvPr>
+          <p:cNvCxnSpPr>
+            <a:cxnSpLocks/>
+          </p:cNvCxnSpPr>
+          <p:nvPr/>
+        </p:nvCxnSpPr>
+        <p:spPr>
+          <a:xfrm flipH="1" flipV="1">
+            <a:off x="5442279" y="2339139"/>
+            <a:ext cx="994266" cy="565524"/>
+          </a:xfrm>
+          <a:prstGeom prst="straightConnector1">
+            <a:avLst/>
+          </a:prstGeom>
+          <a:solidFill>
+            <a:srgbClr val="00B050"/>
+          </a:solidFill>
+          <a:ln w="19050">
+            <a:solidFill>
+              <a:schemeClr val="accent3">
+                <a:lumMod val="50000"/>
+              </a:schemeClr>
+            </a:solidFill>
+            <a:tailEnd type="triangle"/>
+          </a:ln>
+        </p:spPr>
+        <p:style>
+          <a:lnRef idx="1">
+            <a:schemeClr val="accent1"/>
+          </a:lnRef>
+          <a:fillRef idx="0">
+            <a:schemeClr val="accent1"/>
+          </a:fillRef>
+          <a:effectRef idx="0">
+            <a:schemeClr val="accent1"/>
+          </a:effectRef>
+          <a:fontRef idx="minor">
+            <a:schemeClr val="tx1"/>
+          </a:fontRef>
+        </p:style>
+      </p:cxnSp>
+      <p:cxnSp>
+        <p:nvCxnSpPr>
+          <p:cNvPr id="86" name="Conector de Seta Reta 85">
+            <a:extLst>
+              <a:ext uri="{FF2B5EF4-FFF2-40B4-BE49-F238E27FC236}">
+                <a16:creationId xmlns:a16="http://schemas.microsoft.com/office/drawing/2014/main" id="{379F852F-52AA-4534-8AA7-1D4486F8AED7}"/>
+              </a:ext>
+            </a:extLst>
+          </p:cNvPr>
+          <p:cNvCxnSpPr>
+            <a:cxnSpLocks/>
+          </p:cNvCxnSpPr>
+          <p:nvPr/>
+        </p:nvCxnSpPr>
+        <p:spPr>
+          <a:xfrm flipH="1" flipV="1">
+            <a:off x="5521383" y="2273426"/>
+            <a:ext cx="994266" cy="565524"/>
+          </a:xfrm>
+          <a:prstGeom prst="straightConnector1">
+            <a:avLst/>
+          </a:prstGeom>
+          <a:solidFill>
+            <a:srgbClr val="00B050"/>
+          </a:solidFill>
+          <a:ln w="19050">
+            <a:solidFill>
+              <a:schemeClr val="accent3">
+                <a:lumMod val="50000"/>
+              </a:schemeClr>
+            </a:solidFill>
+            <a:headEnd type="triangle"/>
+            <a:tailEnd type="none"/>
+          </a:ln>
+        </p:spPr>
+        <p:style>
+          <a:lnRef idx="1">
+            <a:schemeClr val="accent1"/>
+          </a:lnRef>
+          <a:fillRef idx="0">
+            <a:schemeClr val="accent1"/>
+          </a:fillRef>
+          <a:effectRef idx="0">
+            <a:schemeClr val="accent1"/>
+          </a:effectRef>
+          <a:fontRef idx="minor">
+            <a:schemeClr val="tx1"/>
+          </a:fontRef>
+        </p:style>
+      </p:cxnSp>
+      <p:cxnSp>
+        <p:nvCxnSpPr>
+          <p:cNvPr id="91" name="Conector de Seta Reta 90">
+            <a:extLst>
+              <a:ext uri="{FF2B5EF4-FFF2-40B4-BE49-F238E27FC236}">
+                <a16:creationId xmlns:a16="http://schemas.microsoft.com/office/drawing/2014/main" id="{0A8DECEB-980D-4AB5-92D0-A1BDD6936108}"/>
+              </a:ext>
+            </a:extLst>
+          </p:cNvPr>
+          <p:cNvCxnSpPr>
+            <a:cxnSpLocks/>
+          </p:cNvCxnSpPr>
+          <p:nvPr/>
+        </p:nvCxnSpPr>
+        <p:spPr>
+          <a:xfrm flipH="1">
+            <a:off x="1098063" y="3410036"/>
+            <a:ext cx="5138712" cy="923597"/>
+          </a:xfrm>
+          <a:prstGeom prst="straightConnector1">
+            <a:avLst/>
+          </a:prstGeom>
+          <a:solidFill>
+            <a:srgbClr val="00B050"/>
+          </a:solidFill>
+          <a:ln w="19050">
+            <a:solidFill>
+              <a:schemeClr val="accent3">
+                <a:lumMod val="50000"/>
+              </a:schemeClr>
+            </a:solidFill>
+            <a:tailEnd type="triangle"/>
+          </a:ln>
+        </p:spPr>
+        <p:style>
+          <a:lnRef idx="1">
+            <a:schemeClr val="accent1"/>
+          </a:lnRef>
+          <a:fillRef idx="0">
+            <a:schemeClr val="accent1"/>
+          </a:fillRef>
+          <a:effectRef idx="0">
+            <a:schemeClr val="accent1"/>
+          </a:effectRef>
+          <a:fontRef idx="minor">
+            <a:schemeClr val="tx1"/>
+          </a:fontRef>
+        </p:style>
+      </p:cxnSp>
+      <p:cxnSp>
+        <p:nvCxnSpPr>
+          <p:cNvPr id="92" name="Conector de Seta Reta 91">
+            <a:extLst>
+              <a:ext uri="{FF2B5EF4-FFF2-40B4-BE49-F238E27FC236}">
+                <a16:creationId xmlns:a16="http://schemas.microsoft.com/office/drawing/2014/main" id="{40F7FA0D-00D6-42C9-8F7B-0901111B0F71}"/>
+              </a:ext>
+            </a:extLst>
+          </p:cNvPr>
+          <p:cNvCxnSpPr>
+            <a:cxnSpLocks/>
+          </p:cNvCxnSpPr>
+          <p:nvPr/>
+        </p:nvCxnSpPr>
+        <p:spPr>
+          <a:xfrm flipH="1">
+            <a:off x="1177167" y="3344323"/>
+            <a:ext cx="5138712" cy="923597"/>
+          </a:xfrm>
+          <a:prstGeom prst="straightConnector1">
+            <a:avLst/>
+          </a:prstGeom>
+          <a:solidFill>
+            <a:srgbClr val="00B050"/>
+          </a:solidFill>
+          <a:ln w="19050">
+            <a:solidFill>
+              <a:schemeClr val="accent3">
+                <a:lumMod val="50000"/>
+              </a:schemeClr>
+            </a:solidFill>
+            <a:headEnd type="triangle"/>
+            <a:tailEnd type="none"/>
+          </a:ln>
+        </p:spPr>
+        <p:style>
+          <a:lnRef idx="1">
+            <a:schemeClr val="accent1"/>
+          </a:lnRef>
+          <a:fillRef idx="0">
+            <a:schemeClr val="accent1"/>
+          </a:fillRef>
+          <a:effectRef idx="0">
+            <a:schemeClr val="accent1"/>
+          </a:effectRef>
+          <a:fontRef idx="minor">
+            <a:schemeClr val="tx1"/>
+          </a:fontRef>
+        </p:style>
+      </p:cxnSp>
+      <p:cxnSp>
+        <p:nvCxnSpPr>
+          <p:cNvPr id="97" name="Conector de Seta Reta 96">
+            <a:extLst>
+              <a:ext uri="{FF2B5EF4-FFF2-40B4-BE49-F238E27FC236}">
+                <a16:creationId xmlns:a16="http://schemas.microsoft.com/office/drawing/2014/main" id="{40F8DD19-47DD-4AB3-B02E-A4E45C8964C1}"/>
+              </a:ext>
+            </a:extLst>
+          </p:cNvPr>
+          <p:cNvCxnSpPr>
+            <a:cxnSpLocks/>
+          </p:cNvCxnSpPr>
+          <p:nvPr/>
+        </p:nvCxnSpPr>
+        <p:spPr>
+          <a:xfrm flipH="1">
+            <a:off x="6470078" y="3871276"/>
+            <a:ext cx="687665" cy="1732121"/>
+          </a:xfrm>
+          <a:prstGeom prst="straightConnector1">
+            <a:avLst/>
+          </a:prstGeom>
+          <a:solidFill>
+            <a:srgbClr val="00B050"/>
+          </a:solidFill>
+          <a:ln w="19050">
+            <a:solidFill>
+              <a:schemeClr val="accent3">
+                <a:lumMod val="50000"/>
+              </a:schemeClr>
+            </a:solidFill>
+            <a:tailEnd type="triangle"/>
+          </a:ln>
+        </p:spPr>
+        <p:style>
+          <a:lnRef idx="1">
+            <a:schemeClr val="accent1"/>
+          </a:lnRef>
+          <a:fillRef idx="0">
+            <a:schemeClr val="accent1"/>
+          </a:fillRef>
+          <a:effectRef idx="0">
+            <a:schemeClr val="accent1"/>
+          </a:effectRef>
+          <a:fontRef idx="minor">
+            <a:schemeClr val="tx1"/>
+          </a:fontRef>
+        </p:style>
+      </p:cxnSp>
+      <p:cxnSp>
+        <p:nvCxnSpPr>
+          <p:cNvPr id="98" name="Conector de Seta Reta 97">
+            <a:extLst>
+              <a:ext uri="{FF2B5EF4-FFF2-40B4-BE49-F238E27FC236}">
+                <a16:creationId xmlns:a16="http://schemas.microsoft.com/office/drawing/2014/main" id="{93E8CCDA-B12D-4C47-88D5-C1EA505ABDE6}"/>
+              </a:ext>
+            </a:extLst>
+          </p:cNvPr>
+          <p:cNvCxnSpPr>
+            <a:cxnSpLocks/>
+          </p:cNvCxnSpPr>
+          <p:nvPr/>
+        </p:nvCxnSpPr>
+        <p:spPr>
+          <a:xfrm flipH="1">
+            <a:off x="6549182" y="3805563"/>
+            <a:ext cx="687665" cy="1732121"/>
+          </a:xfrm>
+          <a:prstGeom prst="straightConnector1">
+            <a:avLst/>
+          </a:prstGeom>
+          <a:solidFill>
+            <a:srgbClr val="00B050"/>
+          </a:solidFill>
+          <a:ln w="19050">
+            <a:solidFill>
+              <a:schemeClr val="accent3">
+                <a:lumMod val="50000"/>
+              </a:schemeClr>
+            </a:solidFill>
+            <a:headEnd type="triangle"/>
+            <a:tailEnd type="none"/>
+          </a:ln>
+        </p:spPr>
+        <p:style>
+          <a:lnRef idx="1">
+            <a:schemeClr val="accent1"/>
+          </a:lnRef>
+          <a:fillRef idx="0">
+            <a:schemeClr val="accent1"/>
+          </a:fillRef>
+          <a:effectRef idx="0">
+            <a:schemeClr val="accent1"/>
+          </a:effectRef>
+          <a:fontRef idx="minor">
+            <a:schemeClr val="tx1"/>
+          </a:fontRef>
+        </p:style>
+      </p:cxnSp>
+      <p:pic>
+        <p:nvPicPr>
+          <p:cNvPr id="64" name="Gráfico 63" descr="Quebra-cabeças">
+            <a:extLst>
+              <a:ext uri="{FF2B5EF4-FFF2-40B4-BE49-F238E27FC236}">
+                <a16:creationId xmlns:a16="http://schemas.microsoft.com/office/drawing/2014/main" id="{D119A7D7-E469-4A90-BA79-912B7CE8486E}"/>
+              </a:ext>
+            </a:extLst>
+          </p:cNvPr>
+          <p:cNvPicPr>
+            <a:picLocks noChangeAspect="1"/>
+          </p:cNvPicPr>
+          <p:nvPr/>
+        </p:nvPicPr>
+        <p:blipFill>
+          <a:blip r:embed="rId10">
+            <a:extLst>
+              <a:ext uri="{96DAC541-7B7A-43D3-8B79-37D633B846F1}">
+                <asvg:svgBlip xmlns:asvg="http://schemas.microsoft.com/office/drawing/2016/SVG/main" r:embed="rId11"/>
+              </a:ext>
+            </a:extLst>
+          </a:blip>
+          <a:stretch>
+            <a:fillRect/>
+          </a:stretch>
+        </p:blipFill>
+        <p:spPr>
+          <a:xfrm>
+            <a:off x="6269107" y="857337"/>
+            <a:ext cx="490600" cy="490600"/>
+          </a:xfrm>
+          <a:prstGeom prst="rect">
+            <a:avLst/>
+          </a:prstGeom>
+        </p:spPr>
+      </p:pic>
+      <p:pic>
+        <p:nvPicPr>
+          <p:cNvPr id="66" name="Gráfico 65" descr="Bloqueio">
+            <a:extLst>
+              <a:ext uri="{FF2B5EF4-FFF2-40B4-BE49-F238E27FC236}">
+                <a16:creationId xmlns:a16="http://schemas.microsoft.com/office/drawing/2014/main" id="{B034FE64-AD19-4B87-9E9D-17271459194F}"/>
+              </a:ext>
+            </a:extLst>
+          </p:cNvPr>
+          <p:cNvPicPr>
+            <a:picLocks noChangeAspect="1"/>
+          </p:cNvPicPr>
+          <p:nvPr/>
+        </p:nvPicPr>
+        <p:blipFill>
+          <a:blip r:embed="rId12">
+            <a:extLst>
+              <a:ext uri="{96DAC541-7B7A-43D3-8B79-37D633B846F1}">
+                <asvg:svgBlip xmlns:asvg="http://schemas.microsoft.com/office/drawing/2016/SVG/main" r:embed="rId13"/>
+              </a:ext>
+            </a:extLst>
+          </a:blip>
+          <a:stretch>
+            <a:fillRect/>
+          </a:stretch>
+        </p:blipFill>
+        <p:spPr>
+          <a:xfrm>
+            <a:off x="8266421" y="3978145"/>
+            <a:ext cx="686321" cy="686321"/>
+          </a:xfrm>
+          <a:prstGeom prst="rect">
+            <a:avLst/>
+          </a:prstGeom>
+        </p:spPr>
+      </p:pic>
+    </p:spTree>
+    <p:extLst>
+      <p:ext uri="{BB962C8B-B14F-4D97-AF65-F5344CB8AC3E}">
+        <p14:creationId xmlns:p14="http://schemas.microsoft.com/office/powerpoint/2010/main" val="2902478972"/>
+      </p:ext>
+    </p:extLst>
+  </p:cSld>
+  <p:clrMapOvr>
+    <a:masterClrMapping/>
+  </p:clrMapOvr>
+  <p:transition spd="slow">
+    <p:push dir="u"/>
+  </p:transition>
+  <p:timing>
+    <p:tnLst>
+      <p:par>
+        <p:cTn id="1" dur="indefinite" restart="never" nodeType="tmRoot">
+          <p:childTnLst>
+            <p:seq concurrent="1" nextAc="seek">
+              <p:cTn id="2" dur="indefinite" nodeType="mainSeq">
+                <p:childTnLst>
+                  <p:par>
+                    <p:cTn id="3" fill="hold">
+                      <p:stCondLst>
+                        <p:cond delay="indefinite"/>
+                        <p:cond evt="onBegin" delay="0">
+                          <p:tn val="2"/>
+                        </p:cond>
+                      </p:stCondLst>
+                      <p:childTnLst>
+                        <p:par>
+                          <p:cTn id="4" fill="hold">
+                            <p:stCondLst>
+                              <p:cond delay="0"/>
+                            </p:stCondLst>
+                            <p:childTnLst>
+                              <p:par>
+                                <p:cTn id="5" presetID="2" presetClass="entr" presetSubtype="2" fill="hold" nodeType="withEffect" nodePh="1">
+                                  <p:stCondLst>
+                                    <p:cond delay="0"/>
+                                  </p:stCondLst>
+                                  <p:endCondLst>
+                                    <p:cond evt="begin" delay="0">
+                                      <p:tn val="5"/>
+                                    </p:cond>
+                                  </p:endCondLst>
+                                  <p:childTnLst>
+                                    <p:set>
+                                      <p:cBhvr>
+                                        <p:cTn id="6" dur="1" fill="hold">
+                                          <p:stCondLst>
+                                            <p:cond delay="0"/>
+                                          </p:stCondLst>
+                                        </p:cTn>
+                                        <p:tgtEl>
+                                          <p:spTgt spid="4">
+                                            <p:txEl>
+                                              <p:pRg st="0" end="0"/>
+                                            </p:txEl>
+                                          </p:spTgt>
+                                        </p:tgtEl>
+                                        <p:attrNameLst>
+                                          <p:attrName>style.visibility</p:attrName>
+                                        </p:attrNameLst>
+                                      </p:cBhvr>
+                                      <p:to>
+                                        <p:strVal val="visible"/>
+                                      </p:to>
+                                    </p:set>
+                                    <p:anim calcmode="lin" valueType="num">
+                                      <p:cBhvr additive="base">
+                                        <p:cTn id="7" dur="500" fill="hold"/>
+                                        <p:tgtEl>
+                                          <p:spTgt spid="4">
+                                            <p:txEl>
+                                              <p:pRg st="0" end="0"/>
+                                            </p:txEl>
+                                          </p:spTgt>
+                                        </p:tgtEl>
+                                        <p:attrNameLst>
+                                          <p:attrName>ppt_x</p:attrName>
+                                        </p:attrNameLst>
+                                      </p:cBhvr>
+                                      <p:tavLst>
+                                        <p:tav tm="0">
+                                          <p:val>
+                                            <p:strVal val="1+#ppt_w/2"/>
+                                          </p:val>
+                                        </p:tav>
+                                        <p:tav tm="100000">
+                                          <p:val>
+                                            <p:strVal val="#ppt_x"/>
+                                          </p:val>
+                                        </p:tav>
+                                      </p:tavLst>
+                                    </p:anim>
+                                    <p:anim calcmode="lin" valueType="num">
+                                      <p:cBhvr additive="base">
+                                        <p:cTn id="8" dur="500" fill="hold"/>
+                                        <p:tgtEl>
+                                          <p:spTgt spid="4">
+                                            <p:txEl>
+                                              <p:pRg st="0" end="0"/>
+                                            </p:txEl>
+                                          </p:spTgt>
+                                        </p:tgtEl>
+                                        <p:attrNameLst>
+                                          <p:attrName>ppt_y</p:attrName>
+                                        </p:attrNameLst>
+                                      </p:cBhvr>
+                                      <p:tavLst>
+                                        <p:tav tm="0">
+                                          <p:val>
+                                            <p:strVal val="#ppt_y"/>
+                                          </p:val>
+                                        </p:tav>
+                                        <p:tav tm="100000">
+                                          <p:val>
+                                            <p:strVal val="#ppt_y"/>
+                                          </p:val>
+                                        </p:tav>
+                                      </p:tavLst>
+                                    </p:anim>
+                                  </p:childTnLst>
+                                </p:cTn>
+                              </p:par>
+                            </p:childTnLst>
+                          </p:cTn>
+                        </p:par>
+                      </p:childTnLst>
+                    </p:cTn>
+                  </p:par>
+                  <p:par>
+                    <p:cTn id="9" fill="hold">
+                      <p:stCondLst>
+                        <p:cond delay="indefinite"/>
+                      </p:stCondLst>
+                      <p:childTnLst>
+                        <p:par>
+                          <p:cTn id="10" fill="hold">
+                            <p:stCondLst>
+                              <p:cond delay="0"/>
+                            </p:stCondLst>
+                            <p:childTnLst>
+                              <p:par>
+                                <p:cTn id="11" presetID="1" presetClass="entr" presetSubtype="0" fill="hold" nodeType="clickEffect">
+                                  <p:stCondLst>
+                                    <p:cond delay="0"/>
+                                  </p:stCondLst>
+                                  <p:childTnLst>
+                                    <p:set>
+                                      <p:cBhvr>
+                                        <p:cTn id="12" dur="1" fill="hold">
+                                          <p:stCondLst>
+                                            <p:cond delay="0"/>
+                                          </p:stCondLst>
+                                        </p:cTn>
+                                        <p:tgtEl>
+                                          <p:spTgt spid="3085"/>
+                                        </p:tgtEl>
+                                        <p:attrNameLst>
+                                          <p:attrName>style.visibility</p:attrName>
+                                        </p:attrNameLst>
+                                      </p:cBhvr>
+                                      <p:to>
+                                        <p:strVal val="visible"/>
+                                      </p:to>
+                                    </p:set>
+                                  </p:childTnLst>
+                                </p:cTn>
+                              </p:par>
+                            </p:childTnLst>
+                          </p:cTn>
+                        </p:par>
+                        <p:par>
+                          <p:cTn id="13" fill="hold">
+                            <p:stCondLst>
+                              <p:cond delay="0"/>
+                            </p:stCondLst>
+                            <p:childTnLst>
+                              <p:par>
+                                <p:cTn id="14" presetID="2" presetClass="entr" presetSubtype="4" fill="hold" nodeType="afterEffect">
+                                  <p:stCondLst>
+                                    <p:cond delay="0"/>
+                                  </p:stCondLst>
+                                  <p:childTnLst>
+                                    <p:set>
+                                      <p:cBhvr>
+                                        <p:cTn id="15" dur="1" fill="hold">
+                                          <p:stCondLst>
+                                            <p:cond delay="0"/>
+                                          </p:stCondLst>
+                                        </p:cTn>
+                                        <p:tgtEl>
+                                          <p:spTgt spid="15"/>
+                                        </p:tgtEl>
+                                        <p:attrNameLst>
+                                          <p:attrName>style.visibility</p:attrName>
+                                        </p:attrNameLst>
+                                      </p:cBhvr>
+                                      <p:to>
+                                        <p:strVal val="visible"/>
+                                      </p:to>
+                                    </p:set>
+                                    <p:anim calcmode="lin" valueType="num">
+                                      <p:cBhvr additive="base">
+                                        <p:cTn id="16" dur="2000" fill="hold"/>
+                                        <p:tgtEl>
+                                          <p:spTgt spid="15"/>
+                                        </p:tgtEl>
+                                        <p:attrNameLst>
+                                          <p:attrName>ppt_x</p:attrName>
+                                        </p:attrNameLst>
+                                      </p:cBhvr>
+                                      <p:tavLst>
+                                        <p:tav tm="0">
+                                          <p:val>
+                                            <p:strVal val="#ppt_x"/>
+                                          </p:val>
+                                        </p:tav>
+                                        <p:tav tm="100000">
+                                          <p:val>
+                                            <p:strVal val="#ppt_x"/>
+                                          </p:val>
+                                        </p:tav>
+                                      </p:tavLst>
+                                    </p:anim>
+                                    <p:anim calcmode="lin" valueType="num">
+                                      <p:cBhvr additive="base">
+                                        <p:cTn id="17" dur="2000" fill="hold"/>
+                                        <p:tgtEl>
+                                          <p:spTgt spid="15"/>
+                                        </p:tgtEl>
+                                        <p:attrNameLst>
+                                          <p:attrName>ppt_y</p:attrName>
+                                        </p:attrNameLst>
+                                      </p:cBhvr>
+                                      <p:tavLst>
+                                        <p:tav tm="0">
+                                          <p:val>
+                                            <p:strVal val="1+#ppt_h/2"/>
+                                          </p:val>
+                                        </p:tav>
+                                        <p:tav tm="100000">
+                                          <p:val>
+                                            <p:strVal val="#ppt_y"/>
+                                          </p:val>
+                                        </p:tav>
+                                      </p:tavLst>
+                                    </p:anim>
+                                  </p:childTnLst>
+                                </p:cTn>
+                              </p:par>
+                            </p:childTnLst>
+                          </p:cTn>
+                        </p:par>
+                      </p:childTnLst>
+                    </p:cTn>
+                  </p:par>
+                  <p:par>
+                    <p:cTn id="18" fill="hold">
+                      <p:stCondLst>
+                        <p:cond delay="indefinite"/>
+                      </p:stCondLst>
+                      <p:childTnLst>
+                        <p:par>
+                          <p:cTn id="19" fill="hold">
+                            <p:stCondLst>
+                              <p:cond delay="0"/>
+                            </p:stCondLst>
+                            <p:childTnLst>
+                              <p:par>
+                                <p:cTn id="20" presetID="53" presetClass="entr" presetSubtype="16" fill="hold" nodeType="clickEffect">
+                                  <p:stCondLst>
+                                    <p:cond delay="0"/>
+                                  </p:stCondLst>
+                                  <p:childTnLst>
+                                    <p:set>
+                                      <p:cBhvr>
+                                        <p:cTn id="21" dur="1" fill="hold">
+                                          <p:stCondLst>
+                                            <p:cond delay="0"/>
+                                          </p:stCondLst>
+                                        </p:cTn>
+                                        <p:tgtEl>
+                                          <p:spTgt spid="3083"/>
+                                        </p:tgtEl>
+                                        <p:attrNameLst>
+                                          <p:attrName>style.visibility</p:attrName>
+                                        </p:attrNameLst>
+                                      </p:cBhvr>
+                                      <p:to>
+                                        <p:strVal val="visible"/>
+                                      </p:to>
+                                    </p:set>
+                                    <p:anim calcmode="lin" valueType="num">
+                                      <p:cBhvr>
+                                        <p:cTn id="22" dur="500" fill="hold"/>
+                                        <p:tgtEl>
+                                          <p:spTgt spid="3083"/>
+                                        </p:tgtEl>
+                                        <p:attrNameLst>
+                                          <p:attrName>ppt_w</p:attrName>
+                                        </p:attrNameLst>
+                                      </p:cBhvr>
+                                      <p:tavLst>
+                                        <p:tav tm="0">
+                                          <p:val>
+                                            <p:fltVal val="0"/>
+                                          </p:val>
+                                        </p:tav>
+                                        <p:tav tm="100000">
+                                          <p:val>
+                                            <p:strVal val="#ppt_w"/>
+                                          </p:val>
+                                        </p:tav>
+                                      </p:tavLst>
+                                    </p:anim>
+                                    <p:anim calcmode="lin" valueType="num">
+                                      <p:cBhvr>
+                                        <p:cTn id="23" dur="500" fill="hold"/>
+                                        <p:tgtEl>
+                                          <p:spTgt spid="3083"/>
+                                        </p:tgtEl>
+                                        <p:attrNameLst>
+                                          <p:attrName>ppt_h</p:attrName>
+                                        </p:attrNameLst>
+                                      </p:cBhvr>
+                                      <p:tavLst>
+                                        <p:tav tm="0">
+                                          <p:val>
+                                            <p:fltVal val="0"/>
+                                          </p:val>
+                                        </p:tav>
+                                        <p:tav tm="100000">
+                                          <p:val>
+                                            <p:strVal val="#ppt_h"/>
+                                          </p:val>
+                                        </p:tav>
+                                      </p:tavLst>
+                                    </p:anim>
+                                    <p:animEffect transition="in" filter="fade">
+                                      <p:cBhvr>
+                                        <p:cTn id="24" dur="500"/>
+                                        <p:tgtEl>
+                                          <p:spTgt spid="3083"/>
+                                        </p:tgtEl>
+                                      </p:cBhvr>
+                                    </p:animEffect>
+                                  </p:childTnLst>
+                                </p:cTn>
+                              </p:par>
+                            </p:childTnLst>
+                          </p:cTn>
+                        </p:par>
+                        <p:par>
+                          <p:cTn id="25" fill="hold">
+                            <p:stCondLst>
+                              <p:cond delay="500"/>
+                            </p:stCondLst>
+                            <p:childTnLst>
+                              <p:par>
+                                <p:cTn id="26" presetID="53" presetClass="entr" presetSubtype="16" fill="hold" nodeType="afterEffect">
+                                  <p:stCondLst>
+                                    <p:cond delay="0"/>
+                                  </p:stCondLst>
+                                  <p:childTnLst>
+                                    <p:set>
+                                      <p:cBhvr>
+                                        <p:cTn id="27" dur="1" fill="hold">
+                                          <p:stCondLst>
+                                            <p:cond delay="0"/>
+                                          </p:stCondLst>
+                                        </p:cTn>
+                                        <p:tgtEl>
+                                          <p:spTgt spid="64"/>
+                                        </p:tgtEl>
+                                        <p:attrNameLst>
+                                          <p:attrName>style.visibility</p:attrName>
+                                        </p:attrNameLst>
+                                      </p:cBhvr>
+                                      <p:to>
+                                        <p:strVal val="visible"/>
+                                      </p:to>
+                                    </p:set>
+                                    <p:anim calcmode="lin" valueType="num">
+                                      <p:cBhvr>
+                                        <p:cTn id="28" dur="500" fill="hold"/>
+                                        <p:tgtEl>
+                                          <p:spTgt spid="64"/>
+                                        </p:tgtEl>
+                                        <p:attrNameLst>
+                                          <p:attrName>ppt_w</p:attrName>
+                                        </p:attrNameLst>
+                                      </p:cBhvr>
+                                      <p:tavLst>
+                                        <p:tav tm="0">
+                                          <p:val>
+                                            <p:fltVal val="0"/>
+                                          </p:val>
+                                        </p:tav>
+                                        <p:tav tm="100000">
+                                          <p:val>
+                                            <p:strVal val="#ppt_w"/>
+                                          </p:val>
+                                        </p:tav>
+                                      </p:tavLst>
+                                    </p:anim>
+                                    <p:anim calcmode="lin" valueType="num">
+                                      <p:cBhvr>
+                                        <p:cTn id="29" dur="500" fill="hold"/>
+                                        <p:tgtEl>
+                                          <p:spTgt spid="64"/>
+                                        </p:tgtEl>
+                                        <p:attrNameLst>
+                                          <p:attrName>ppt_h</p:attrName>
+                                        </p:attrNameLst>
+                                      </p:cBhvr>
+                                      <p:tavLst>
+                                        <p:tav tm="0">
+                                          <p:val>
+                                            <p:fltVal val="0"/>
+                                          </p:val>
+                                        </p:tav>
+                                        <p:tav tm="100000">
+                                          <p:val>
+                                            <p:strVal val="#ppt_h"/>
+                                          </p:val>
+                                        </p:tav>
+                                      </p:tavLst>
+                                    </p:anim>
+                                    <p:animEffect transition="in" filter="fade">
+                                      <p:cBhvr>
+                                        <p:cTn id="30" dur="500"/>
+                                        <p:tgtEl>
+                                          <p:spTgt spid="64"/>
+                                        </p:tgtEl>
+                                      </p:cBhvr>
+                                    </p:animEffect>
+                                  </p:childTnLst>
+                                </p:cTn>
+                              </p:par>
+                            </p:childTnLst>
+                          </p:cTn>
+                        </p:par>
+                        <p:par>
+                          <p:cTn id="31" fill="hold">
+                            <p:stCondLst>
+                              <p:cond delay="1000"/>
+                            </p:stCondLst>
+                            <p:childTnLst>
+                              <p:par>
+                                <p:cTn id="32" presetID="32" presetClass="emph" presetSubtype="0" repeatCount="indefinite" fill="hold" nodeType="afterEffect">
+                                  <p:stCondLst>
+                                    <p:cond delay="0"/>
+                                  </p:stCondLst>
+                                  <p:endCondLst>
+                                    <p:cond evt="onNext" delay="0">
+                                      <p:tgtEl>
+                                        <p:sldTgt/>
+                                      </p:tgtEl>
+                                    </p:cond>
+                                  </p:endCondLst>
+                                  <p:childTnLst>
+                                    <p:animRot by="120000">
+                                      <p:cBhvr>
+                                        <p:cTn id="33" dur="100" fill="hold">
+                                          <p:stCondLst>
+                                            <p:cond delay="0"/>
+                                          </p:stCondLst>
+                                        </p:cTn>
+                                        <p:tgtEl>
+                                          <p:spTgt spid="64"/>
+                                        </p:tgtEl>
+                                        <p:attrNameLst>
+                                          <p:attrName>r</p:attrName>
+                                        </p:attrNameLst>
+                                      </p:cBhvr>
+                                    </p:animRot>
+                                    <p:animRot by="-240000">
+                                      <p:cBhvr>
+                                        <p:cTn id="34" dur="200" fill="hold">
+                                          <p:stCondLst>
+                                            <p:cond delay="200"/>
+                                          </p:stCondLst>
+                                        </p:cTn>
+                                        <p:tgtEl>
+                                          <p:spTgt spid="64"/>
+                                        </p:tgtEl>
+                                        <p:attrNameLst>
+                                          <p:attrName>r</p:attrName>
+                                        </p:attrNameLst>
+                                      </p:cBhvr>
+                                    </p:animRot>
+                                    <p:animRot by="240000">
+                                      <p:cBhvr>
+                                        <p:cTn id="35" dur="200" fill="hold">
+                                          <p:stCondLst>
+                                            <p:cond delay="400"/>
+                                          </p:stCondLst>
+                                        </p:cTn>
+                                        <p:tgtEl>
+                                          <p:spTgt spid="64"/>
+                                        </p:tgtEl>
+                                        <p:attrNameLst>
+                                          <p:attrName>r</p:attrName>
+                                        </p:attrNameLst>
+                                      </p:cBhvr>
+                                    </p:animRot>
+                                    <p:animRot by="-240000">
+                                      <p:cBhvr>
+                                        <p:cTn id="36" dur="200" fill="hold">
+                                          <p:stCondLst>
+                                            <p:cond delay="600"/>
+                                          </p:stCondLst>
+                                        </p:cTn>
+                                        <p:tgtEl>
+                                          <p:spTgt spid="64"/>
+                                        </p:tgtEl>
+                                        <p:attrNameLst>
+                                          <p:attrName>r</p:attrName>
+                                        </p:attrNameLst>
+                                      </p:cBhvr>
+                                    </p:animRot>
+                                    <p:animRot by="120000">
+                                      <p:cBhvr>
+                                        <p:cTn id="37" dur="200" fill="hold">
+                                          <p:stCondLst>
+                                            <p:cond delay="800"/>
+                                          </p:stCondLst>
+                                        </p:cTn>
+                                        <p:tgtEl>
+                                          <p:spTgt spid="64"/>
+                                        </p:tgtEl>
+                                        <p:attrNameLst>
+                                          <p:attrName>r</p:attrName>
+                                        </p:attrNameLst>
+                                      </p:cBhvr>
+                                    </p:animRot>
+                                  </p:childTnLst>
+                                </p:cTn>
+                              </p:par>
+                            </p:childTnLst>
+                          </p:cTn>
+                        </p:par>
+                      </p:childTnLst>
+                    </p:cTn>
+                  </p:par>
+                  <p:par>
+                    <p:cTn id="38" fill="hold">
+                      <p:stCondLst>
+                        <p:cond delay="indefinite"/>
+                      </p:stCondLst>
+                      <p:childTnLst>
+                        <p:par>
+                          <p:cTn id="39" fill="hold">
+                            <p:stCondLst>
+                              <p:cond delay="0"/>
+                            </p:stCondLst>
+                            <p:childTnLst>
+                              <p:par>
+                                <p:cTn id="40" presetID="25" presetClass="entr" presetSubtype="0" fill="hold" nodeType="clickEffect">
+                                  <p:stCondLst>
+                                    <p:cond delay="0"/>
+                                  </p:stCondLst>
+                                  <p:childTnLst>
+                                    <p:set>
+                                      <p:cBhvr>
+                                        <p:cTn id="41" dur="1" fill="hold">
+                                          <p:stCondLst>
+                                            <p:cond delay="0"/>
+                                          </p:stCondLst>
+                                        </p:cTn>
+                                        <p:tgtEl>
+                                          <p:spTgt spid="24"/>
+                                        </p:tgtEl>
+                                        <p:attrNameLst>
+                                          <p:attrName>style.visibility</p:attrName>
+                                        </p:attrNameLst>
+                                      </p:cBhvr>
+                                      <p:to>
+                                        <p:strVal val="visible"/>
+                                      </p:to>
+                                    </p:set>
+                                    <p:anim calcmode="lin" valueType="num">
+                                      <p:cBhvr>
+                                        <p:cTn id="42" dur="500" decel="50000" fill="hold">
+                                          <p:stCondLst>
+                                            <p:cond delay="0"/>
+                                          </p:stCondLst>
+                                        </p:cTn>
+                                        <p:tgtEl>
+                                          <p:spTgt spid="24"/>
+                                        </p:tgtEl>
+                                        <p:attrNameLst>
+                                          <p:attrName>style.rotation</p:attrName>
+                                        </p:attrNameLst>
+                                      </p:cBhvr>
+                                      <p:tavLst>
+                                        <p:tav tm="0">
+                                          <p:val>
+                                            <p:fltVal val="-90"/>
+                                          </p:val>
+                                        </p:tav>
+                                        <p:tav tm="100000">
+                                          <p:val>
+                                            <p:fltVal val="0"/>
+                                          </p:val>
+                                        </p:tav>
+                                      </p:tavLst>
+                                    </p:anim>
+                                    <p:anim calcmode="lin" valueType="num">
+                                      <p:cBhvr>
+                                        <p:cTn id="43" dur="500" decel="50000" fill="hold">
+                                          <p:stCondLst>
+                                            <p:cond delay="0"/>
+                                          </p:stCondLst>
+                                        </p:cTn>
+                                        <p:tgtEl>
+                                          <p:spTgt spid="24"/>
+                                        </p:tgtEl>
+                                        <p:attrNameLst>
+                                          <p:attrName>ppt_w</p:attrName>
+                                        </p:attrNameLst>
+                                      </p:cBhvr>
+                                      <p:tavLst>
+                                        <p:tav tm="0">
+                                          <p:val>
+                                            <p:strVal val="#ppt_w"/>
+                                          </p:val>
+                                        </p:tav>
+                                        <p:tav tm="100000">
+                                          <p:val>
+                                            <p:strVal val="#ppt_w*.05"/>
+                                          </p:val>
+                                        </p:tav>
+                                      </p:tavLst>
+                                    </p:anim>
+                                    <p:anim calcmode="lin" valueType="num">
+                                      <p:cBhvr>
+                                        <p:cTn id="44" dur="500" accel="50000" fill="hold">
+                                          <p:stCondLst>
+                                            <p:cond delay="500"/>
+                                          </p:stCondLst>
+                                        </p:cTn>
+                                        <p:tgtEl>
+                                          <p:spTgt spid="24"/>
+                                        </p:tgtEl>
+                                        <p:attrNameLst>
+                                          <p:attrName>ppt_w</p:attrName>
+                                        </p:attrNameLst>
+                                      </p:cBhvr>
+                                      <p:tavLst>
+                                        <p:tav tm="0">
+                                          <p:val>
+                                            <p:strVal val="#ppt_w*.05"/>
+                                          </p:val>
+                                        </p:tav>
+                                        <p:tav tm="100000">
+                                          <p:val>
+                                            <p:strVal val="#ppt_w"/>
+                                          </p:val>
+                                        </p:tav>
+                                      </p:tavLst>
+                                    </p:anim>
+                                    <p:anim calcmode="lin" valueType="num">
+                                      <p:cBhvr>
+                                        <p:cTn id="45" dur="1000" fill="hold"/>
+                                        <p:tgtEl>
+                                          <p:spTgt spid="24"/>
+                                        </p:tgtEl>
+                                        <p:attrNameLst>
+                                          <p:attrName>ppt_h</p:attrName>
+                                        </p:attrNameLst>
+                                      </p:cBhvr>
+                                      <p:tavLst>
+                                        <p:tav tm="0">
+                                          <p:val>
+                                            <p:strVal val="#ppt_h"/>
+                                          </p:val>
+                                        </p:tav>
+                                        <p:tav tm="100000">
+                                          <p:val>
+                                            <p:strVal val="#ppt_h"/>
+                                          </p:val>
+                                        </p:tav>
+                                      </p:tavLst>
+                                    </p:anim>
+                                    <p:anim calcmode="lin" valueType="num">
+                                      <p:cBhvr>
+                                        <p:cTn id="46" dur="500" decel="50000" fill="hold">
+                                          <p:stCondLst>
+                                            <p:cond delay="0"/>
+                                          </p:stCondLst>
+                                        </p:cTn>
+                                        <p:tgtEl>
+                                          <p:spTgt spid="24"/>
+                                        </p:tgtEl>
+                                        <p:attrNameLst>
+                                          <p:attrName>ppt_x</p:attrName>
+                                        </p:attrNameLst>
+                                      </p:cBhvr>
+                                      <p:tavLst>
+                                        <p:tav tm="0">
+                                          <p:val>
+                                            <p:strVal val="#ppt_x+.4"/>
+                                          </p:val>
+                                        </p:tav>
+                                        <p:tav tm="100000">
+                                          <p:val>
+                                            <p:strVal val="#ppt_x"/>
+                                          </p:val>
+                                        </p:tav>
+                                      </p:tavLst>
+                                    </p:anim>
+                                    <p:anim calcmode="lin" valueType="num">
+                                      <p:cBhvr>
+                                        <p:cTn id="47" dur="500" decel="50000" fill="hold">
+                                          <p:stCondLst>
+                                            <p:cond delay="0"/>
+                                          </p:stCondLst>
+                                        </p:cTn>
+                                        <p:tgtEl>
+                                          <p:spTgt spid="24"/>
+                                        </p:tgtEl>
+                                        <p:attrNameLst>
+                                          <p:attrName>ppt_y</p:attrName>
+                                        </p:attrNameLst>
+                                      </p:cBhvr>
+                                      <p:tavLst>
+                                        <p:tav tm="0">
+                                          <p:val>
+                                            <p:strVal val="#ppt_y-.2"/>
+                                          </p:val>
+                                        </p:tav>
+                                        <p:tav tm="100000">
+                                          <p:val>
+                                            <p:strVal val="#ppt_y+.1"/>
+                                          </p:val>
+                                        </p:tav>
+                                      </p:tavLst>
+                                    </p:anim>
+                                    <p:anim calcmode="lin" valueType="num">
+                                      <p:cBhvr>
+                                        <p:cTn id="48" dur="500" accel="50000" fill="hold">
+                                          <p:stCondLst>
+                                            <p:cond delay="500"/>
+                                          </p:stCondLst>
+                                        </p:cTn>
+                                        <p:tgtEl>
+                                          <p:spTgt spid="24"/>
+                                        </p:tgtEl>
+                                        <p:attrNameLst>
+                                          <p:attrName>ppt_y</p:attrName>
+                                        </p:attrNameLst>
+                                      </p:cBhvr>
+                                      <p:tavLst>
+                                        <p:tav tm="0">
+                                          <p:val>
+                                            <p:strVal val="#ppt_y+.1"/>
+                                          </p:val>
+                                        </p:tav>
+                                        <p:tav tm="100000">
+                                          <p:val>
+                                            <p:strVal val="#ppt_y"/>
+                                          </p:val>
+                                        </p:tav>
+                                      </p:tavLst>
+                                    </p:anim>
+                                    <p:animEffect transition="in" filter="fade">
+                                      <p:cBhvr>
+                                        <p:cTn id="49" dur="1000" decel="50000">
+                                          <p:stCondLst>
+                                            <p:cond delay="0"/>
+                                          </p:stCondLst>
+                                        </p:cTn>
+                                        <p:tgtEl>
+                                          <p:spTgt spid="24"/>
+                                        </p:tgtEl>
+                                      </p:cBhvr>
+                                    </p:animEffect>
+                                  </p:childTnLst>
+                                </p:cTn>
+                              </p:par>
+                            </p:childTnLst>
+                          </p:cTn>
+                        </p:par>
+                      </p:childTnLst>
+                    </p:cTn>
+                  </p:par>
+                  <p:par>
+                    <p:cTn id="50" fill="hold">
+                      <p:stCondLst>
+                        <p:cond delay="indefinite"/>
+                      </p:stCondLst>
+                      <p:childTnLst>
+                        <p:par>
+                          <p:cTn id="51" fill="hold">
+                            <p:stCondLst>
+                              <p:cond delay="0"/>
+                            </p:stCondLst>
+                            <p:childTnLst>
+                              <p:par>
+                                <p:cTn id="52" presetID="26" presetClass="entr" presetSubtype="0" fill="hold" nodeType="clickEffect">
+                                  <p:stCondLst>
+                                    <p:cond delay="0"/>
+                                  </p:stCondLst>
+                                  <p:childTnLst>
+                                    <p:set>
+                                      <p:cBhvr>
+                                        <p:cTn id="53" dur="1" fill="hold">
+                                          <p:stCondLst>
+                                            <p:cond delay="0"/>
+                                          </p:stCondLst>
+                                        </p:cTn>
+                                        <p:tgtEl>
+                                          <p:spTgt spid="59"/>
+                                        </p:tgtEl>
+                                        <p:attrNameLst>
+                                          <p:attrName>style.visibility</p:attrName>
+                                        </p:attrNameLst>
+                                      </p:cBhvr>
+                                      <p:to>
+                                        <p:strVal val="visible"/>
+                                      </p:to>
+                                    </p:set>
+                                    <p:animEffect transition="in" filter="wipe(down)">
+                                      <p:cBhvr>
+                                        <p:cTn id="54" dur="580">
+                                          <p:stCondLst>
+                                            <p:cond delay="0"/>
+                                          </p:stCondLst>
+                                        </p:cTn>
+                                        <p:tgtEl>
+                                          <p:spTgt spid="59"/>
+                                        </p:tgtEl>
+                                      </p:cBhvr>
+                                    </p:animEffect>
+                                    <p:anim calcmode="lin" valueType="num">
+                                      <p:cBhvr>
+                                        <p:cTn id="55" dur="1822" tmFilter="0,0; 0.14,0.36; 0.43,0.73; 0.71,0.91; 1.0,1.0">
+                                          <p:stCondLst>
+                                            <p:cond delay="0"/>
+                                          </p:stCondLst>
+                                        </p:cTn>
+                                        <p:tgtEl>
+                                          <p:spTgt spid="59"/>
+                                        </p:tgtEl>
+                                        <p:attrNameLst>
+                                          <p:attrName>ppt_x</p:attrName>
+                                        </p:attrNameLst>
+                                      </p:cBhvr>
+                                      <p:tavLst>
+                                        <p:tav tm="0">
+                                          <p:val>
+                                            <p:strVal val="#ppt_x-0.25"/>
+                                          </p:val>
+                                        </p:tav>
+                                        <p:tav tm="100000">
+                                          <p:val>
+                                            <p:strVal val="#ppt_x"/>
+                                          </p:val>
+                                        </p:tav>
+                                      </p:tavLst>
+                                    </p:anim>
+                                    <p:anim calcmode="lin" valueType="num">
+                                      <p:cBhvr>
+                                        <p:cTn id="56" dur="664" tmFilter="0.0,0.0; 0.25,0.07; 0.50,0.2; 0.75,0.467; 1.0,1.0">
+                                          <p:stCondLst>
+                                            <p:cond delay="0"/>
+                                          </p:stCondLst>
+                                        </p:cTn>
+                                        <p:tgtEl>
+                                          <p:spTgt spid="59"/>
+                                        </p:tgtEl>
+                                        <p:attrNameLst>
+                                          <p:attrName>ppt_y</p:attrName>
+                                        </p:attrNameLst>
+                                      </p:cBhvr>
+                                      <p:tavLst>
+                                        <p:tav tm="0" fmla="#ppt_y-sin(pi*$)/3">
+                                          <p:val>
+                                            <p:fltVal val="0.5"/>
+                                          </p:val>
+                                        </p:tav>
+                                        <p:tav tm="100000">
+                                          <p:val>
+                                            <p:fltVal val="1"/>
+                                          </p:val>
+                                        </p:tav>
+                                      </p:tavLst>
+                                    </p:anim>
+                                    <p:anim calcmode="lin" valueType="num">
+                                      <p:cBhvr>
+                                        <p:cTn id="57" dur="664" tmFilter="0, 0; 0.125,0.2665; 0.25,0.4; 0.375,0.465; 0.5,0.5;  0.625,0.535; 0.75,0.6; 0.875,0.7335; 1,1">
+                                          <p:stCondLst>
+                                            <p:cond delay="664"/>
+                                          </p:stCondLst>
+                                        </p:cTn>
+                                        <p:tgtEl>
+                                          <p:spTgt spid="59"/>
+                                        </p:tgtEl>
+                                        <p:attrNameLst>
+                                          <p:attrName>ppt_y</p:attrName>
+                                        </p:attrNameLst>
+                                      </p:cBhvr>
+                                      <p:tavLst>
+                                        <p:tav tm="0" fmla="#ppt_y-sin(pi*$)/9">
+                                          <p:val>
+                                            <p:fltVal val="0"/>
+                                          </p:val>
+                                        </p:tav>
+                                        <p:tav tm="100000">
+                                          <p:val>
+                                            <p:fltVal val="1"/>
+                                          </p:val>
+                                        </p:tav>
+                                      </p:tavLst>
+                                    </p:anim>
+                                    <p:anim calcmode="lin" valueType="num">
+                                      <p:cBhvr>
+                                        <p:cTn id="58" dur="332" tmFilter="0, 0; 0.125,0.2665; 0.25,0.4; 0.375,0.465; 0.5,0.5;  0.625,0.535; 0.75,0.6; 0.875,0.7335; 1,1">
+                                          <p:stCondLst>
+                                            <p:cond delay="1324"/>
+                                          </p:stCondLst>
+                                        </p:cTn>
+                                        <p:tgtEl>
+                                          <p:spTgt spid="59"/>
+                                        </p:tgtEl>
+                                        <p:attrNameLst>
+                                          <p:attrName>ppt_y</p:attrName>
+                                        </p:attrNameLst>
+                                      </p:cBhvr>
+                                      <p:tavLst>
+                                        <p:tav tm="0" fmla="#ppt_y-sin(pi*$)/27">
+                                          <p:val>
+                                            <p:fltVal val="0"/>
+                                          </p:val>
+                                        </p:tav>
+                                        <p:tav tm="100000">
+                                          <p:val>
+                                            <p:fltVal val="1"/>
+                                          </p:val>
+                                        </p:tav>
+                                      </p:tavLst>
+                                    </p:anim>
+                                    <p:anim calcmode="lin" valueType="num">
+                                      <p:cBhvr>
+                                        <p:cTn id="59" dur="164" tmFilter="0, 0; 0.125,0.2665; 0.25,0.4; 0.375,0.465; 0.5,0.5;  0.625,0.535; 0.75,0.6; 0.875,0.7335; 1,1">
+                                          <p:stCondLst>
+                                            <p:cond delay="1656"/>
+                                          </p:stCondLst>
+                                        </p:cTn>
+                                        <p:tgtEl>
+                                          <p:spTgt spid="59"/>
+                                        </p:tgtEl>
+                                        <p:attrNameLst>
+                                          <p:attrName>ppt_y</p:attrName>
+                                        </p:attrNameLst>
+                                      </p:cBhvr>
+                                      <p:tavLst>
+                                        <p:tav tm="0" fmla="#ppt_y-sin(pi*$)/81">
+                                          <p:val>
+                                            <p:fltVal val="0"/>
+                                          </p:val>
+                                        </p:tav>
+                                        <p:tav tm="100000">
+                                          <p:val>
+                                            <p:fltVal val="1"/>
+                                          </p:val>
+                                        </p:tav>
+                                      </p:tavLst>
+                                    </p:anim>
+                                    <p:animScale>
+                                      <p:cBhvr>
+                                        <p:cTn id="60" dur="26">
+                                          <p:stCondLst>
+                                            <p:cond delay="650"/>
+                                          </p:stCondLst>
+                                        </p:cTn>
+                                        <p:tgtEl>
+                                          <p:spTgt spid="59"/>
+                                        </p:tgtEl>
+                                      </p:cBhvr>
+                                      <p:to x="100000" y="60000"/>
+                                    </p:animScale>
+                                    <p:animScale>
+                                      <p:cBhvr>
+                                        <p:cTn id="61" dur="166" decel="50000">
+                                          <p:stCondLst>
+                                            <p:cond delay="676"/>
+                                          </p:stCondLst>
+                                        </p:cTn>
+                                        <p:tgtEl>
+                                          <p:spTgt spid="59"/>
+                                        </p:tgtEl>
+                                      </p:cBhvr>
+                                      <p:to x="100000" y="100000"/>
+                                    </p:animScale>
+                                    <p:animScale>
+                                      <p:cBhvr>
+                                        <p:cTn id="62" dur="26">
+                                          <p:stCondLst>
+                                            <p:cond delay="1312"/>
+                                          </p:stCondLst>
+                                        </p:cTn>
+                                        <p:tgtEl>
+                                          <p:spTgt spid="59"/>
+                                        </p:tgtEl>
+                                      </p:cBhvr>
+                                      <p:to x="100000" y="80000"/>
+                                    </p:animScale>
+                                    <p:animScale>
+                                      <p:cBhvr>
+                                        <p:cTn id="63" dur="166" decel="50000">
+                                          <p:stCondLst>
+                                            <p:cond delay="1338"/>
+                                          </p:stCondLst>
+                                        </p:cTn>
+                                        <p:tgtEl>
+                                          <p:spTgt spid="59"/>
+                                        </p:tgtEl>
+                                      </p:cBhvr>
+                                      <p:to x="100000" y="100000"/>
+                                    </p:animScale>
+                                    <p:animScale>
+                                      <p:cBhvr>
+                                        <p:cTn id="64" dur="26">
+                                          <p:stCondLst>
+                                            <p:cond delay="1642"/>
+                                          </p:stCondLst>
+                                        </p:cTn>
+                                        <p:tgtEl>
+                                          <p:spTgt spid="59"/>
+                                        </p:tgtEl>
+                                      </p:cBhvr>
+                                      <p:to x="100000" y="90000"/>
+                                    </p:animScale>
+                                    <p:animScale>
+                                      <p:cBhvr>
+                                        <p:cTn id="65" dur="166" decel="50000">
+                                          <p:stCondLst>
+                                            <p:cond delay="1668"/>
+                                          </p:stCondLst>
+                                        </p:cTn>
+                                        <p:tgtEl>
+                                          <p:spTgt spid="59"/>
+                                        </p:tgtEl>
+                                      </p:cBhvr>
+                                      <p:to x="100000" y="100000"/>
+                                    </p:animScale>
+                                    <p:animScale>
+                                      <p:cBhvr>
+                                        <p:cTn id="66" dur="26">
+                                          <p:stCondLst>
+                                            <p:cond delay="1808"/>
+                                          </p:stCondLst>
+                                        </p:cTn>
+                                        <p:tgtEl>
+                                          <p:spTgt spid="59"/>
+                                        </p:tgtEl>
+                                      </p:cBhvr>
+                                      <p:to x="100000" y="95000"/>
+                                    </p:animScale>
+                                    <p:animScale>
+                                      <p:cBhvr>
+                                        <p:cTn id="67" dur="166" decel="50000">
+                                          <p:stCondLst>
+                                            <p:cond delay="1834"/>
+                                          </p:stCondLst>
+                                        </p:cTn>
+                                        <p:tgtEl>
+                                          <p:spTgt spid="59"/>
+                                        </p:tgtEl>
+                                      </p:cBhvr>
+                                      <p:to x="100000" y="100000"/>
+                                    </p:animScale>
+                                  </p:childTnLst>
+                                </p:cTn>
+                              </p:par>
+                            </p:childTnLst>
+                          </p:cTn>
+                        </p:par>
+                      </p:childTnLst>
+                    </p:cTn>
+                  </p:par>
+                  <p:par>
+                    <p:cTn id="68" fill="hold">
+                      <p:stCondLst>
+                        <p:cond delay="indefinite"/>
+                      </p:stCondLst>
+                      <p:childTnLst>
+                        <p:par>
+                          <p:cTn id="69" fill="hold">
+                            <p:stCondLst>
+                              <p:cond delay="0"/>
+                            </p:stCondLst>
+                            <p:childTnLst>
+                              <p:par>
+                                <p:cTn id="70" presetID="25" presetClass="entr" presetSubtype="0" fill="hold" nodeType="clickEffect">
+                                  <p:stCondLst>
+                                    <p:cond delay="0"/>
+                                  </p:stCondLst>
+                                  <p:childTnLst>
+                                    <p:set>
+                                      <p:cBhvr>
+                                        <p:cTn id="71" dur="1" fill="hold">
+                                          <p:stCondLst>
+                                            <p:cond delay="0"/>
+                                          </p:stCondLst>
+                                        </p:cTn>
+                                        <p:tgtEl>
+                                          <p:spTgt spid="30"/>
+                                        </p:tgtEl>
+                                        <p:attrNameLst>
+                                          <p:attrName>style.visibility</p:attrName>
+                                        </p:attrNameLst>
+                                      </p:cBhvr>
+                                      <p:to>
+                                        <p:strVal val="visible"/>
+                                      </p:to>
+                                    </p:set>
+                                    <p:anim calcmode="lin" valueType="num">
+                                      <p:cBhvr>
+                                        <p:cTn id="72" dur="500" decel="50000" fill="hold">
+                                          <p:stCondLst>
+                                            <p:cond delay="0"/>
+                                          </p:stCondLst>
+                                        </p:cTn>
+                                        <p:tgtEl>
+                                          <p:spTgt spid="30"/>
+                                        </p:tgtEl>
+                                        <p:attrNameLst>
+                                          <p:attrName>style.rotation</p:attrName>
+                                        </p:attrNameLst>
+                                      </p:cBhvr>
+                                      <p:tavLst>
+                                        <p:tav tm="0">
+                                          <p:val>
+                                            <p:fltVal val="-90"/>
+                                          </p:val>
+                                        </p:tav>
+                                        <p:tav tm="100000">
+                                          <p:val>
+                                            <p:fltVal val="0"/>
+                                          </p:val>
+                                        </p:tav>
+                                      </p:tavLst>
+                                    </p:anim>
+                                    <p:anim calcmode="lin" valueType="num">
+                                      <p:cBhvr>
+                                        <p:cTn id="73" dur="500" decel="50000" fill="hold">
+                                          <p:stCondLst>
+                                            <p:cond delay="0"/>
+                                          </p:stCondLst>
+                                        </p:cTn>
+                                        <p:tgtEl>
+                                          <p:spTgt spid="30"/>
+                                        </p:tgtEl>
+                                        <p:attrNameLst>
+                                          <p:attrName>ppt_w</p:attrName>
+                                        </p:attrNameLst>
+                                      </p:cBhvr>
+                                      <p:tavLst>
+                                        <p:tav tm="0">
+                                          <p:val>
+                                            <p:strVal val="#ppt_w"/>
+                                          </p:val>
+                                        </p:tav>
+                                        <p:tav tm="100000">
+                                          <p:val>
+                                            <p:strVal val="#ppt_w*.05"/>
+                                          </p:val>
+                                        </p:tav>
+                                      </p:tavLst>
+                                    </p:anim>
+                                    <p:anim calcmode="lin" valueType="num">
+                                      <p:cBhvr>
+                                        <p:cTn id="74" dur="500" accel="50000" fill="hold">
+                                          <p:stCondLst>
+                                            <p:cond delay="500"/>
+                                          </p:stCondLst>
+                                        </p:cTn>
+                                        <p:tgtEl>
+                                          <p:spTgt spid="30"/>
+                                        </p:tgtEl>
+                                        <p:attrNameLst>
+                                          <p:attrName>ppt_w</p:attrName>
+                                        </p:attrNameLst>
+                                      </p:cBhvr>
+                                      <p:tavLst>
+                                        <p:tav tm="0">
+                                          <p:val>
+                                            <p:strVal val="#ppt_w*.05"/>
+                                          </p:val>
+                                        </p:tav>
+                                        <p:tav tm="100000">
+                                          <p:val>
+                                            <p:strVal val="#ppt_w"/>
+                                          </p:val>
+                                        </p:tav>
+                                      </p:tavLst>
+                                    </p:anim>
+                                    <p:anim calcmode="lin" valueType="num">
+                                      <p:cBhvr>
+                                        <p:cTn id="75" dur="1000" fill="hold"/>
+                                        <p:tgtEl>
+                                          <p:spTgt spid="30"/>
+                                        </p:tgtEl>
+                                        <p:attrNameLst>
+                                          <p:attrName>ppt_h</p:attrName>
+                                        </p:attrNameLst>
+                                      </p:cBhvr>
+                                      <p:tavLst>
+                                        <p:tav tm="0">
+                                          <p:val>
+                                            <p:strVal val="#ppt_h"/>
+                                          </p:val>
+                                        </p:tav>
+                                        <p:tav tm="100000">
+                                          <p:val>
+                                            <p:strVal val="#ppt_h"/>
+                                          </p:val>
+                                        </p:tav>
+                                      </p:tavLst>
+                                    </p:anim>
+                                    <p:anim calcmode="lin" valueType="num">
+                                      <p:cBhvr>
+                                        <p:cTn id="76" dur="500" decel="50000" fill="hold">
+                                          <p:stCondLst>
+                                            <p:cond delay="0"/>
+                                          </p:stCondLst>
+                                        </p:cTn>
+                                        <p:tgtEl>
+                                          <p:spTgt spid="30"/>
+                                        </p:tgtEl>
+                                        <p:attrNameLst>
+                                          <p:attrName>ppt_x</p:attrName>
+                                        </p:attrNameLst>
+                                      </p:cBhvr>
+                                      <p:tavLst>
+                                        <p:tav tm="0">
+                                          <p:val>
+                                            <p:strVal val="#ppt_x+.4"/>
+                                          </p:val>
+                                        </p:tav>
+                                        <p:tav tm="100000">
+                                          <p:val>
+                                            <p:strVal val="#ppt_x"/>
+                                          </p:val>
+                                        </p:tav>
+                                      </p:tavLst>
+                                    </p:anim>
+                                    <p:anim calcmode="lin" valueType="num">
+                                      <p:cBhvr>
+                                        <p:cTn id="77" dur="500" decel="50000" fill="hold">
+                                          <p:stCondLst>
+                                            <p:cond delay="0"/>
+                                          </p:stCondLst>
+                                        </p:cTn>
+                                        <p:tgtEl>
+                                          <p:spTgt spid="30"/>
+                                        </p:tgtEl>
+                                        <p:attrNameLst>
+                                          <p:attrName>ppt_y</p:attrName>
+                                        </p:attrNameLst>
+                                      </p:cBhvr>
+                                      <p:tavLst>
+                                        <p:tav tm="0">
+                                          <p:val>
+                                            <p:strVal val="#ppt_y-.2"/>
+                                          </p:val>
+                                        </p:tav>
+                                        <p:tav tm="100000">
+                                          <p:val>
+                                            <p:strVal val="#ppt_y+.1"/>
+                                          </p:val>
+                                        </p:tav>
+                                      </p:tavLst>
+                                    </p:anim>
+                                    <p:anim calcmode="lin" valueType="num">
+                                      <p:cBhvr>
+                                        <p:cTn id="78" dur="500" accel="50000" fill="hold">
+                                          <p:stCondLst>
+                                            <p:cond delay="500"/>
+                                          </p:stCondLst>
+                                        </p:cTn>
+                                        <p:tgtEl>
+                                          <p:spTgt spid="30"/>
+                                        </p:tgtEl>
+                                        <p:attrNameLst>
+                                          <p:attrName>ppt_y</p:attrName>
+                                        </p:attrNameLst>
+                                      </p:cBhvr>
+                                      <p:tavLst>
+                                        <p:tav tm="0">
+                                          <p:val>
+                                            <p:strVal val="#ppt_y+.1"/>
+                                          </p:val>
+                                        </p:tav>
+                                        <p:tav tm="100000">
+                                          <p:val>
+                                            <p:strVal val="#ppt_y"/>
+                                          </p:val>
+                                        </p:tav>
+                                      </p:tavLst>
+                                    </p:anim>
+                                    <p:animEffect transition="in" filter="fade">
+                                      <p:cBhvr>
+                                        <p:cTn id="79" dur="1000" decel="50000">
+                                          <p:stCondLst>
+                                            <p:cond delay="0"/>
+                                          </p:stCondLst>
+                                        </p:cTn>
+                                        <p:tgtEl>
+                                          <p:spTgt spid="30"/>
+                                        </p:tgtEl>
+                                      </p:cBhvr>
+                                    </p:animEffect>
+                                  </p:childTnLst>
+                                </p:cTn>
+                              </p:par>
+                            </p:childTnLst>
+                          </p:cTn>
+                        </p:par>
+                      </p:childTnLst>
+                    </p:cTn>
+                  </p:par>
+                  <p:par>
+                    <p:cTn id="80" fill="hold">
+                      <p:stCondLst>
+                        <p:cond delay="indefinite"/>
+                      </p:stCondLst>
+                      <p:childTnLst>
+                        <p:par>
+                          <p:cTn id="81" fill="hold">
+                            <p:stCondLst>
+                              <p:cond delay="0"/>
+                            </p:stCondLst>
+                            <p:childTnLst>
+                              <p:par>
+                                <p:cTn id="82" presetID="14" presetClass="entr" presetSubtype="10" fill="hold" nodeType="clickEffect">
+                                  <p:stCondLst>
+                                    <p:cond delay="0"/>
+                                  </p:stCondLst>
+                                  <p:childTnLst>
+                                    <p:set>
+                                      <p:cBhvr>
+                                        <p:cTn id="83" dur="1" fill="hold">
+                                          <p:stCondLst>
+                                            <p:cond delay="0"/>
+                                          </p:stCondLst>
+                                        </p:cTn>
+                                        <p:tgtEl>
+                                          <p:spTgt spid="98"/>
+                                        </p:tgtEl>
+                                        <p:attrNameLst>
+                                          <p:attrName>style.visibility</p:attrName>
+                                        </p:attrNameLst>
+                                      </p:cBhvr>
+                                      <p:to>
+                                        <p:strVal val="visible"/>
+                                      </p:to>
+                                    </p:set>
+                                    <p:animEffect transition="in" filter="randombar(horizontal)">
+                                      <p:cBhvr>
+                                        <p:cTn id="84" dur="500"/>
+                                        <p:tgtEl>
+                                          <p:spTgt spid="98"/>
+                                        </p:tgtEl>
+                                      </p:cBhvr>
+                                    </p:animEffect>
+                                  </p:childTnLst>
+                                </p:cTn>
+                              </p:par>
+                              <p:par>
+                                <p:cTn id="85" presetID="14" presetClass="entr" presetSubtype="10" fill="hold" nodeType="withEffect">
+                                  <p:stCondLst>
+                                    <p:cond delay="0"/>
+                                  </p:stCondLst>
+                                  <p:childTnLst>
+                                    <p:set>
+                                      <p:cBhvr>
+                                        <p:cTn id="86" dur="1" fill="hold">
+                                          <p:stCondLst>
+                                            <p:cond delay="0"/>
+                                          </p:stCondLst>
+                                        </p:cTn>
+                                        <p:tgtEl>
+                                          <p:spTgt spid="97"/>
+                                        </p:tgtEl>
+                                        <p:attrNameLst>
+                                          <p:attrName>style.visibility</p:attrName>
+                                        </p:attrNameLst>
+                                      </p:cBhvr>
+                                      <p:to>
+                                        <p:strVal val="visible"/>
+                                      </p:to>
+                                    </p:set>
+                                    <p:animEffect transition="in" filter="randombar(horizontal)">
+                                      <p:cBhvr>
+                                        <p:cTn id="87" dur="500"/>
+                                        <p:tgtEl>
+                                          <p:spTgt spid="97"/>
+                                        </p:tgtEl>
+                                      </p:cBhvr>
+                                    </p:animEffect>
+                                  </p:childTnLst>
+                                </p:cTn>
+                              </p:par>
+                              <p:par>
+                                <p:cTn id="88" presetID="14" presetClass="entr" presetSubtype="10" fill="hold" nodeType="withEffect">
+                                  <p:stCondLst>
+                                    <p:cond delay="0"/>
+                                  </p:stCondLst>
+                                  <p:childTnLst>
+                                    <p:set>
+                                      <p:cBhvr>
+                                        <p:cTn id="89" dur="1" fill="hold">
+                                          <p:stCondLst>
+                                            <p:cond delay="0"/>
+                                          </p:stCondLst>
+                                        </p:cTn>
+                                        <p:tgtEl>
+                                          <p:spTgt spid="92"/>
+                                        </p:tgtEl>
+                                        <p:attrNameLst>
+                                          <p:attrName>style.visibility</p:attrName>
+                                        </p:attrNameLst>
+                                      </p:cBhvr>
+                                      <p:to>
+                                        <p:strVal val="visible"/>
+                                      </p:to>
+                                    </p:set>
+                                    <p:animEffect transition="in" filter="randombar(horizontal)">
+                                      <p:cBhvr>
+                                        <p:cTn id="90" dur="500"/>
+                                        <p:tgtEl>
+                                          <p:spTgt spid="92"/>
+                                        </p:tgtEl>
+                                      </p:cBhvr>
+                                    </p:animEffect>
+                                  </p:childTnLst>
+                                </p:cTn>
+                              </p:par>
+                              <p:par>
+                                <p:cTn id="91" presetID="14" presetClass="entr" presetSubtype="10" fill="hold" nodeType="withEffect">
+                                  <p:stCondLst>
+                                    <p:cond delay="0"/>
+                                  </p:stCondLst>
+                                  <p:childTnLst>
+                                    <p:set>
+                                      <p:cBhvr>
+                                        <p:cTn id="92" dur="1" fill="hold">
+                                          <p:stCondLst>
+                                            <p:cond delay="0"/>
+                                          </p:stCondLst>
+                                        </p:cTn>
+                                        <p:tgtEl>
+                                          <p:spTgt spid="91"/>
+                                        </p:tgtEl>
+                                        <p:attrNameLst>
+                                          <p:attrName>style.visibility</p:attrName>
+                                        </p:attrNameLst>
+                                      </p:cBhvr>
+                                      <p:to>
+                                        <p:strVal val="visible"/>
+                                      </p:to>
+                                    </p:set>
+                                    <p:animEffect transition="in" filter="randombar(horizontal)">
+                                      <p:cBhvr>
+                                        <p:cTn id="93" dur="500"/>
+                                        <p:tgtEl>
+                                          <p:spTgt spid="91"/>
+                                        </p:tgtEl>
+                                      </p:cBhvr>
+                                    </p:animEffect>
+                                  </p:childTnLst>
+                                </p:cTn>
+                              </p:par>
+                              <p:par>
+                                <p:cTn id="94" presetID="14" presetClass="entr" presetSubtype="10" fill="hold" nodeType="withEffect">
+                                  <p:stCondLst>
+                                    <p:cond delay="0"/>
+                                  </p:stCondLst>
+                                  <p:childTnLst>
+                                    <p:set>
+                                      <p:cBhvr>
+                                        <p:cTn id="95" dur="1" fill="hold">
+                                          <p:stCondLst>
+                                            <p:cond delay="0"/>
+                                          </p:stCondLst>
+                                        </p:cTn>
+                                        <p:tgtEl>
+                                          <p:spTgt spid="85"/>
+                                        </p:tgtEl>
+                                        <p:attrNameLst>
+                                          <p:attrName>style.visibility</p:attrName>
+                                        </p:attrNameLst>
+                                      </p:cBhvr>
+                                      <p:to>
+                                        <p:strVal val="visible"/>
+                                      </p:to>
+                                    </p:set>
+                                    <p:animEffect transition="in" filter="randombar(horizontal)">
+                                      <p:cBhvr>
+                                        <p:cTn id="96" dur="500"/>
+                                        <p:tgtEl>
+                                          <p:spTgt spid="85"/>
+                                        </p:tgtEl>
+                                      </p:cBhvr>
+                                    </p:animEffect>
+                                  </p:childTnLst>
+                                </p:cTn>
+                              </p:par>
+                              <p:par>
+                                <p:cTn id="97" presetID="14" presetClass="entr" presetSubtype="10" fill="hold" nodeType="withEffect">
+                                  <p:stCondLst>
+                                    <p:cond delay="0"/>
+                                  </p:stCondLst>
+                                  <p:childTnLst>
+                                    <p:set>
+                                      <p:cBhvr>
+                                        <p:cTn id="98" dur="1" fill="hold">
+                                          <p:stCondLst>
+                                            <p:cond delay="0"/>
+                                          </p:stCondLst>
+                                        </p:cTn>
+                                        <p:tgtEl>
+                                          <p:spTgt spid="86"/>
+                                        </p:tgtEl>
+                                        <p:attrNameLst>
+                                          <p:attrName>style.visibility</p:attrName>
+                                        </p:attrNameLst>
+                                      </p:cBhvr>
+                                      <p:to>
+                                        <p:strVal val="visible"/>
+                                      </p:to>
+                                    </p:set>
+                                    <p:animEffect transition="in" filter="randombar(horizontal)">
+                                      <p:cBhvr>
+                                        <p:cTn id="99" dur="500"/>
+                                        <p:tgtEl>
+                                          <p:spTgt spid="86"/>
+                                        </p:tgtEl>
+                                      </p:cBhvr>
+                                    </p:animEffect>
+                                  </p:childTnLst>
+                                </p:cTn>
+                              </p:par>
+                            </p:childTnLst>
+                          </p:cTn>
+                        </p:par>
+                      </p:childTnLst>
+                    </p:cTn>
+                  </p:par>
+                  <p:par>
+                    <p:cTn id="100" fill="hold">
+                      <p:stCondLst>
+                        <p:cond delay="indefinite"/>
+                      </p:stCondLst>
+                      <p:childTnLst>
+                        <p:par>
+                          <p:cTn id="101" fill="hold">
+                            <p:stCondLst>
+                              <p:cond delay="0"/>
+                            </p:stCondLst>
+                            <p:childTnLst>
+                              <p:par>
+                                <p:cTn id="102" presetID="31" presetClass="exit" presetSubtype="0" fill="hold" nodeType="clickEffect">
+                                  <p:stCondLst>
+                                    <p:cond delay="0"/>
+                                  </p:stCondLst>
+                                  <p:childTnLst>
+                                    <p:anim calcmode="lin" valueType="num">
+                                      <p:cBhvr>
+                                        <p:cTn id="103" dur="1000"/>
+                                        <p:tgtEl>
+                                          <p:spTgt spid="98"/>
+                                        </p:tgtEl>
+                                        <p:attrNameLst>
+                                          <p:attrName>ppt_w</p:attrName>
+                                        </p:attrNameLst>
+                                      </p:cBhvr>
+                                      <p:tavLst>
+                                        <p:tav tm="0">
+                                          <p:val>
+                                            <p:strVal val="ppt_w"/>
+                                          </p:val>
+                                        </p:tav>
+                                        <p:tav tm="100000">
+                                          <p:val>
+                                            <p:fltVal val="0"/>
+                                          </p:val>
+                                        </p:tav>
+                                      </p:tavLst>
+                                    </p:anim>
+                                    <p:anim calcmode="lin" valueType="num">
+                                      <p:cBhvr>
+                                        <p:cTn id="104" dur="1000"/>
+                                        <p:tgtEl>
+                                          <p:spTgt spid="98"/>
+                                        </p:tgtEl>
+                                        <p:attrNameLst>
+                                          <p:attrName>ppt_h</p:attrName>
+                                        </p:attrNameLst>
+                                      </p:cBhvr>
+                                      <p:tavLst>
+                                        <p:tav tm="0">
+                                          <p:val>
+                                            <p:strVal val="ppt_h"/>
+                                          </p:val>
+                                        </p:tav>
+                                        <p:tav tm="100000">
+                                          <p:val>
+                                            <p:fltVal val="0"/>
+                                          </p:val>
+                                        </p:tav>
+                                      </p:tavLst>
+                                    </p:anim>
+                                    <p:anim calcmode="lin" valueType="num">
+                                      <p:cBhvr>
+                                        <p:cTn id="105" dur="1000"/>
+                                        <p:tgtEl>
+                                          <p:spTgt spid="98"/>
+                                        </p:tgtEl>
+                                        <p:attrNameLst>
+                                          <p:attrName>style.rotation</p:attrName>
+                                        </p:attrNameLst>
+                                      </p:cBhvr>
+                                      <p:tavLst>
+                                        <p:tav tm="0">
+                                          <p:val>
+                                            <p:fltVal val="0"/>
+                                          </p:val>
+                                        </p:tav>
+                                        <p:tav tm="100000">
+                                          <p:val>
+                                            <p:fltVal val="90"/>
+                                          </p:val>
+                                        </p:tav>
+                                      </p:tavLst>
+                                    </p:anim>
+                                    <p:animEffect transition="out" filter="fade">
+                                      <p:cBhvr>
+                                        <p:cTn id="106" dur="1000"/>
+                                        <p:tgtEl>
+                                          <p:spTgt spid="98"/>
+                                        </p:tgtEl>
+                                      </p:cBhvr>
+                                    </p:animEffect>
+                                    <p:set>
+                                      <p:cBhvr>
+                                        <p:cTn id="107" dur="1" fill="hold">
+                                          <p:stCondLst>
+                                            <p:cond delay="999"/>
+                                          </p:stCondLst>
+                                        </p:cTn>
+                                        <p:tgtEl>
+                                          <p:spTgt spid="98"/>
+                                        </p:tgtEl>
+                                        <p:attrNameLst>
+                                          <p:attrName>style.visibility</p:attrName>
+                                        </p:attrNameLst>
+                                      </p:cBhvr>
+                                      <p:to>
+                                        <p:strVal val="hidden"/>
+                                      </p:to>
+                                    </p:set>
+                                  </p:childTnLst>
+                                </p:cTn>
+                              </p:par>
+                              <p:par>
+                                <p:cTn id="108" presetID="31" presetClass="exit" presetSubtype="0" fill="hold" nodeType="withEffect">
+                                  <p:stCondLst>
+                                    <p:cond delay="0"/>
+                                  </p:stCondLst>
+                                  <p:childTnLst>
+                                    <p:anim calcmode="lin" valueType="num">
+                                      <p:cBhvr>
+                                        <p:cTn id="109" dur="1000"/>
+                                        <p:tgtEl>
+                                          <p:spTgt spid="97"/>
+                                        </p:tgtEl>
+                                        <p:attrNameLst>
+                                          <p:attrName>ppt_w</p:attrName>
+                                        </p:attrNameLst>
+                                      </p:cBhvr>
+                                      <p:tavLst>
+                                        <p:tav tm="0">
+                                          <p:val>
+                                            <p:strVal val="ppt_w"/>
+                                          </p:val>
+                                        </p:tav>
+                                        <p:tav tm="100000">
+                                          <p:val>
+                                            <p:fltVal val="0"/>
+                                          </p:val>
+                                        </p:tav>
+                                      </p:tavLst>
+                                    </p:anim>
+                                    <p:anim calcmode="lin" valueType="num">
+                                      <p:cBhvr>
+                                        <p:cTn id="110" dur="1000"/>
+                                        <p:tgtEl>
+                                          <p:spTgt spid="97"/>
+                                        </p:tgtEl>
+                                        <p:attrNameLst>
+                                          <p:attrName>ppt_h</p:attrName>
+                                        </p:attrNameLst>
+                                      </p:cBhvr>
+                                      <p:tavLst>
+                                        <p:tav tm="0">
+                                          <p:val>
+                                            <p:strVal val="ppt_h"/>
+                                          </p:val>
+                                        </p:tav>
+                                        <p:tav tm="100000">
+                                          <p:val>
+                                            <p:fltVal val="0"/>
+                                          </p:val>
+                                        </p:tav>
+                                      </p:tavLst>
+                                    </p:anim>
+                                    <p:anim calcmode="lin" valueType="num">
+                                      <p:cBhvr>
+                                        <p:cTn id="111" dur="1000"/>
+                                        <p:tgtEl>
+                                          <p:spTgt spid="97"/>
+                                        </p:tgtEl>
+                                        <p:attrNameLst>
+                                          <p:attrName>style.rotation</p:attrName>
+                                        </p:attrNameLst>
+                                      </p:cBhvr>
+                                      <p:tavLst>
+                                        <p:tav tm="0">
+                                          <p:val>
+                                            <p:fltVal val="0"/>
+                                          </p:val>
+                                        </p:tav>
+                                        <p:tav tm="100000">
+                                          <p:val>
+                                            <p:fltVal val="90"/>
+                                          </p:val>
+                                        </p:tav>
+                                      </p:tavLst>
+                                    </p:anim>
+                                    <p:animEffect transition="out" filter="fade">
+                                      <p:cBhvr>
+                                        <p:cTn id="112" dur="1000"/>
+                                        <p:tgtEl>
+                                          <p:spTgt spid="97"/>
+                                        </p:tgtEl>
+                                      </p:cBhvr>
+                                    </p:animEffect>
+                                    <p:set>
+                                      <p:cBhvr>
+                                        <p:cTn id="113" dur="1" fill="hold">
+                                          <p:stCondLst>
+                                            <p:cond delay="999"/>
+                                          </p:stCondLst>
+                                        </p:cTn>
+                                        <p:tgtEl>
+                                          <p:spTgt spid="97"/>
+                                        </p:tgtEl>
+                                        <p:attrNameLst>
+                                          <p:attrName>style.visibility</p:attrName>
+                                        </p:attrNameLst>
+                                      </p:cBhvr>
+                                      <p:to>
+                                        <p:strVal val="hidden"/>
+                                      </p:to>
+                                    </p:set>
+                                  </p:childTnLst>
+                                </p:cTn>
+                              </p:par>
+                              <p:par>
+                                <p:cTn id="114" presetID="31" presetClass="exit" presetSubtype="0" fill="hold" nodeType="withEffect">
+                                  <p:stCondLst>
+                                    <p:cond delay="0"/>
+                                  </p:stCondLst>
+                                  <p:childTnLst>
+                                    <p:anim calcmode="lin" valueType="num">
+                                      <p:cBhvr>
+                                        <p:cTn id="115" dur="1000"/>
+                                        <p:tgtEl>
+                                          <p:spTgt spid="92"/>
+                                        </p:tgtEl>
+                                        <p:attrNameLst>
+                                          <p:attrName>ppt_w</p:attrName>
+                                        </p:attrNameLst>
+                                      </p:cBhvr>
+                                      <p:tavLst>
+                                        <p:tav tm="0">
+                                          <p:val>
+                                            <p:strVal val="ppt_w"/>
+                                          </p:val>
+                                        </p:tav>
+                                        <p:tav tm="100000">
+                                          <p:val>
+                                            <p:fltVal val="0"/>
+                                          </p:val>
+                                        </p:tav>
+                                      </p:tavLst>
+                                    </p:anim>
+                                    <p:anim calcmode="lin" valueType="num">
+                                      <p:cBhvr>
+                                        <p:cTn id="116" dur="1000"/>
+                                        <p:tgtEl>
+                                          <p:spTgt spid="92"/>
+                                        </p:tgtEl>
+                                        <p:attrNameLst>
+                                          <p:attrName>ppt_h</p:attrName>
+                                        </p:attrNameLst>
+                                      </p:cBhvr>
+                                      <p:tavLst>
+                                        <p:tav tm="0">
+                                          <p:val>
+                                            <p:strVal val="ppt_h"/>
+                                          </p:val>
+                                        </p:tav>
+                                        <p:tav tm="100000">
+                                          <p:val>
+                                            <p:fltVal val="0"/>
+                                          </p:val>
+                                        </p:tav>
+                                      </p:tavLst>
+                                    </p:anim>
+                                    <p:anim calcmode="lin" valueType="num">
+                                      <p:cBhvr>
+                                        <p:cTn id="117" dur="1000"/>
+                                        <p:tgtEl>
+                                          <p:spTgt spid="92"/>
+                                        </p:tgtEl>
+                                        <p:attrNameLst>
+                                          <p:attrName>style.rotation</p:attrName>
+                                        </p:attrNameLst>
+                                      </p:cBhvr>
+                                      <p:tavLst>
+                                        <p:tav tm="0">
+                                          <p:val>
+                                            <p:fltVal val="0"/>
+                                          </p:val>
+                                        </p:tav>
+                                        <p:tav tm="100000">
+                                          <p:val>
+                                            <p:fltVal val="90"/>
+                                          </p:val>
+                                        </p:tav>
+                                      </p:tavLst>
+                                    </p:anim>
+                                    <p:animEffect transition="out" filter="fade">
+                                      <p:cBhvr>
+                                        <p:cTn id="118" dur="1000"/>
+                                        <p:tgtEl>
+                                          <p:spTgt spid="92"/>
+                                        </p:tgtEl>
+                                      </p:cBhvr>
+                                    </p:animEffect>
+                                    <p:set>
+                                      <p:cBhvr>
+                                        <p:cTn id="119" dur="1" fill="hold">
+                                          <p:stCondLst>
+                                            <p:cond delay="999"/>
+                                          </p:stCondLst>
+                                        </p:cTn>
+                                        <p:tgtEl>
+                                          <p:spTgt spid="92"/>
+                                        </p:tgtEl>
+                                        <p:attrNameLst>
+                                          <p:attrName>style.visibility</p:attrName>
+                                        </p:attrNameLst>
+                                      </p:cBhvr>
+                                      <p:to>
+                                        <p:strVal val="hidden"/>
+                                      </p:to>
+                                    </p:set>
+                                  </p:childTnLst>
+                                </p:cTn>
+                              </p:par>
+                              <p:par>
+                                <p:cTn id="120" presetID="31" presetClass="exit" presetSubtype="0" fill="hold" nodeType="withEffect">
+                                  <p:stCondLst>
+                                    <p:cond delay="0"/>
+                                  </p:stCondLst>
+                                  <p:childTnLst>
+                                    <p:anim calcmode="lin" valueType="num">
+                                      <p:cBhvr>
+                                        <p:cTn id="121" dur="1000"/>
+                                        <p:tgtEl>
+                                          <p:spTgt spid="91"/>
+                                        </p:tgtEl>
+                                        <p:attrNameLst>
+                                          <p:attrName>ppt_w</p:attrName>
+                                        </p:attrNameLst>
+                                      </p:cBhvr>
+                                      <p:tavLst>
+                                        <p:tav tm="0">
+                                          <p:val>
+                                            <p:strVal val="ppt_w"/>
+                                          </p:val>
+                                        </p:tav>
+                                        <p:tav tm="100000">
+                                          <p:val>
+                                            <p:fltVal val="0"/>
+                                          </p:val>
+                                        </p:tav>
+                                      </p:tavLst>
+                                    </p:anim>
+                                    <p:anim calcmode="lin" valueType="num">
+                                      <p:cBhvr>
+                                        <p:cTn id="122" dur="1000"/>
+                                        <p:tgtEl>
+                                          <p:spTgt spid="91"/>
+                                        </p:tgtEl>
+                                        <p:attrNameLst>
+                                          <p:attrName>ppt_h</p:attrName>
+                                        </p:attrNameLst>
+                                      </p:cBhvr>
+                                      <p:tavLst>
+                                        <p:tav tm="0">
+                                          <p:val>
+                                            <p:strVal val="ppt_h"/>
+                                          </p:val>
+                                        </p:tav>
+                                        <p:tav tm="100000">
+                                          <p:val>
+                                            <p:fltVal val="0"/>
+                                          </p:val>
+                                        </p:tav>
+                                      </p:tavLst>
+                                    </p:anim>
+                                    <p:anim calcmode="lin" valueType="num">
+                                      <p:cBhvr>
+                                        <p:cTn id="123" dur="1000"/>
+                                        <p:tgtEl>
+                                          <p:spTgt spid="91"/>
+                                        </p:tgtEl>
+                                        <p:attrNameLst>
+                                          <p:attrName>style.rotation</p:attrName>
+                                        </p:attrNameLst>
+                                      </p:cBhvr>
+                                      <p:tavLst>
+                                        <p:tav tm="0">
+                                          <p:val>
+                                            <p:fltVal val="0"/>
+                                          </p:val>
+                                        </p:tav>
+                                        <p:tav tm="100000">
+                                          <p:val>
+                                            <p:fltVal val="90"/>
+                                          </p:val>
+                                        </p:tav>
+                                      </p:tavLst>
+                                    </p:anim>
+                                    <p:animEffect transition="out" filter="fade">
+                                      <p:cBhvr>
+                                        <p:cTn id="124" dur="1000"/>
+                                        <p:tgtEl>
+                                          <p:spTgt spid="91"/>
+                                        </p:tgtEl>
+                                      </p:cBhvr>
+                                    </p:animEffect>
+                                    <p:set>
+                                      <p:cBhvr>
+                                        <p:cTn id="125" dur="1" fill="hold">
+                                          <p:stCondLst>
+                                            <p:cond delay="999"/>
+                                          </p:stCondLst>
+                                        </p:cTn>
+                                        <p:tgtEl>
+                                          <p:spTgt spid="91"/>
+                                        </p:tgtEl>
+                                        <p:attrNameLst>
+                                          <p:attrName>style.visibility</p:attrName>
+                                        </p:attrNameLst>
+                                      </p:cBhvr>
+                                      <p:to>
+                                        <p:strVal val="hidden"/>
+                                      </p:to>
+                                    </p:set>
+                                  </p:childTnLst>
+                                </p:cTn>
+                              </p:par>
+                              <p:par>
+                                <p:cTn id="126" presetID="31" presetClass="exit" presetSubtype="0" fill="hold" nodeType="withEffect">
+                                  <p:stCondLst>
+                                    <p:cond delay="0"/>
+                                  </p:stCondLst>
+                                  <p:childTnLst>
+                                    <p:anim calcmode="lin" valueType="num">
+                                      <p:cBhvr>
+                                        <p:cTn id="127" dur="1000"/>
+                                        <p:tgtEl>
+                                          <p:spTgt spid="85"/>
+                                        </p:tgtEl>
+                                        <p:attrNameLst>
+                                          <p:attrName>ppt_w</p:attrName>
+                                        </p:attrNameLst>
+                                      </p:cBhvr>
+                                      <p:tavLst>
+                                        <p:tav tm="0">
+                                          <p:val>
+                                            <p:strVal val="ppt_w"/>
+                                          </p:val>
+                                        </p:tav>
+                                        <p:tav tm="100000">
+                                          <p:val>
+                                            <p:fltVal val="0"/>
+                                          </p:val>
+                                        </p:tav>
+                                      </p:tavLst>
+                                    </p:anim>
+                                    <p:anim calcmode="lin" valueType="num">
+                                      <p:cBhvr>
+                                        <p:cTn id="128" dur="1000"/>
+                                        <p:tgtEl>
+                                          <p:spTgt spid="85"/>
+                                        </p:tgtEl>
+                                        <p:attrNameLst>
+                                          <p:attrName>ppt_h</p:attrName>
+                                        </p:attrNameLst>
+                                      </p:cBhvr>
+                                      <p:tavLst>
+                                        <p:tav tm="0">
+                                          <p:val>
+                                            <p:strVal val="ppt_h"/>
+                                          </p:val>
+                                        </p:tav>
+                                        <p:tav tm="100000">
+                                          <p:val>
+                                            <p:fltVal val="0"/>
+                                          </p:val>
+                                        </p:tav>
+                                      </p:tavLst>
+                                    </p:anim>
+                                    <p:anim calcmode="lin" valueType="num">
+                                      <p:cBhvr>
+                                        <p:cTn id="129" dur="1000"/>
+                                        <p:tgtEl>
+                                          <p:spTgt spid="85"/>
+                                        </p:tgtEl>
+                                        <p:attrNameLst>
+                                          <p:attrName>style.rotation</p:attrName>
+                                        </p:attrNameLst>
+                                      </p:cBhvr>
+                                      <p:tavLst>
+                                        <p:tav tm="0">
+                                          <p:val>
+                                            <p:fltVal val="0"/>
+                                          </p:val>
+                                        </p:tav>
+                                        <p:tav tm="100000">
+                                          <p:val>
+                                            <p:fltVal val="90"/>
+                                          </p:val>
+                                        </p:tav>
+                                      </p:tavLst>
+                                    </p:anim>
+                                    <p:animEffect transition="out" filter="fade">
+                                      <p:cBhvr>
+                                        <p:cTn id="130" dur="1000"/>
+                                        <p:tgtEl>
+                                          <p:spTgt spid="85"/>
+                                        </p:tgtEl>
+                                      </p:cBhvr>
+                                    </p:animEffect>
+                                    <p:set>
+                                      <p:cBhvr>
+                                        <p:cTn id="131" dur="1" fill="hold">
+                                          <p:stCondLst>
+                                            <p:cond delay="999"/>
+                                          </p:stCondLst>
+                                        </p:cTn>
+                                        <p:tgtEl>
+                                          <p:spTgt spid="85"/>
+                                        </p:tgtEl>
+                                        <p:attrNameLst>
+                                          <p:attrName>style.visibility</p:attrName>
+                                        </p:attrNameLst>
+                                      </p:cBhvr>
+                                      <p:to>
+                                        <p:strVal val="hidden"/>
+                                      </p:to>
+                                    </p:set>
+                                  </p:childTnLst>
+                                </p:cTn>
+                              </p:par>
+                              <p:par>
+                                <p:cTn id="132" presetID="31" presetClass="exit" presetSubtype="0" fill="hold" nodeType="withEffect">
+                                  <p:stCondLst>
+                                    <p:cond delay="0"/>
+                                  </p:stCondLst>
+                                  <p:childTnLst>
+                                    <p:anim calcmode="lin" valueType="num">
+                                      <p:cBhvr>
+                                        <p:cTn id="133" dur="1000"/>
+                                        <p:tgtEl>
+                                          <p:spTgt spid="86"/>
+                                        </p:tgtEl>
+                                        <p:attrNameLst>
+                                          <p:attrName>ppt_w</p:attrName>
+                                        </p:attrNameLst>
+                                      </p:cBhvr>
+                                      <p:tavLst>
+                                        <p:tav tm="0">
+                                          <p:val>
+                                            <p:strVal val="ppt_w"/>
+                                          </p:val>
+                                        </p:tav>
+                                        <p:tav tm="100000">
+                                          <p:val>
+                                            <p:fltVal val="0"/>
+                                          </p:val>
+                                        </p:tav>
+                                      </p:tavLst>
+                                    </p:anim>
+                                    <p:anim calcmode="lin" valueType="num">
+                                      <p:cBhvr>
+                                        <p:cTn id="134" dur="1000"/>
+                                        <p:tgtEl>
+                                          <p:spTgt spid="86"/>
+                                        </p:tgtEl>
+                                        <p:attrNameLst>
+                                          <p:attrName>ppt_h</p:attrName>
+                                        </p:attrNameLst>
+                                      </p:cBhvr>
+                                      <p:tavLst>
+                                        <p:tav tm="0">
+                                          <p:val>
+                                            <p:strVal val="ppt_h"/>
+                                          </p:val>
+                                        </p:tav>
+                                        <p:tav tm="100000">
+                                          <p:val>
+                                            <p:fltVal val="0"/>
+                                          </p:val>
+                                        </p:tav>
+                                      </p:tavLst>
+                                    </p:anim>
+                                    <p:anim calcmode="lin" valueType="num">
+                                      <p:cBhvr>
+                                        <p:cTn id="135" dur="1000"/>
+                                        <p:tgtEl>
+                                          <p:spTgt spid="86"/>
+                                        </p:tgtEl>
+                                        <p:attrNameLst>
+                                          <p:attrName>style.rotation</p:attrName>
+                                        </p:attrNameLst>
+                                      </p:cBhvr>
+                                      <p:tavLst>
+                                        <p:tav tm="0">
+                                          <p:val>
+                                            <p:fltVal val="0"/>
+                                          </p:val>
+                                        </p:tav>
+                                        <p:tav tm="100000">
+                                          <p:val>
+                                            <p:fltVal val="90"/>
+                                          </p:val>
+                                        </p:tav>
+                                      </p:tavLst>
+                                    </p:anim>
+                                    <p:animEffect transition="out" filter="fade">
+                                      <p:cBhvr>
+                                        <p:cTn id="136" dur="1000"/>
+                                        <p:tgtEl>
+                                          <p:spTgt spid="86"/>
+                                        </p:tgtEl>
+                                      </p:cBhvr>
+                                    </p:animEffect>
+                                    <p:set>
+                                      <p:cBhvr>
+                                        <p:cTn id="137" dur="1" fill="hold">
+                                          <p:stCondLst>
+                                            <p:cond delay="999"/>
+                                          </p:stCondLst>
+                                        </p:cTn>
+                                        <p:tgtEl>
+                                          <p:spTgt spid="86"/>
+                                        </p:tgtEl>
+                                        <p:attrNameLst>
+                                          <p:attrName>style.visibility</p:attrName>
+                                        </p:attrNameLst>
+                                      </p:cBhvr>
+                                      <p:to>
+                                        <p:strVal val="hidden"/>
+                                      </p:to>
+                                    </p:set>
+                                  </p:childTnLst>
+                                </p:cTn>
+                              </p:par>
+                            </p:childTnLst>
+                          </p:cTn>
+                        </p:par>
+                        <p:par>
+                          <p:cTn id="138" fill="hold">
+                            <p:stCondLst>
+                              <p:cond delay="1000"/>
+                            </p:stCondLst>
+                            <p:childTnLst>
+                              <p:par>
+                                <p:cTn id="139" presetID="16" presetClass="entr" presetSubtype="37" fill="hold" nodeType="afterEffect">
+                                  <p:stCondLst>
+                                    <p:cond delay="0"/>
+                                  </p:stCondLst>
+                                  <p:childTnLst>
+                                    <p:set>
+                                      <p:cBhvr>
+                                        <p:cTn id="140" dur="1" fill="hold">
+                                          <p:stCondLst>
+                                            <p:cond delay="0"/>
+                                          </p:stCondLst>
+                                        </p:cTn>
+                                        <p:tgtEl>
+                                          <p:spTgt spid="3082"/>
+                                        </p:tgtEl>
+                                        <p:attrNameLst>
+                                          <p:attrName>style.visibility</p:attrName>
+                                        </p:attrNameLst>
+                                      </p:cBhvr>
+                                      <p:to>
+                                        <p:strVal val="visible"/>
+                                      </p:to>
+                                    </p:set>
+                                    <p:animEffect transition="in" filter="barn(outVertical)">
+                                      <p:cBhvr>
+                                        <p:cTn id="141" dur="5000"/>
+                                        <p:tgtEl>
+                                          <p:spTgt spid="3082"/>
+                                        </p:tgtEl>
+                                      </p:cBhvr>
+                                    </p:animEffect>
+                                  </p:childTnLst>
+                                </p:cTn>
+                              </p:par>
+                            </p:childTnLst>
+                          </p:cTn>
+                        </p:par>
+                        <p:par>
+                          <p:cTn id="142" fill="hold">
+                            <p:stCondLst>
+                              <p:cond delay="6000"/>
+                            </p:stCondLst>
+                            <p:childTnLst>
+                              <p:par>
+                                <p:cTn id="143" presetID="53" presetClass="entr" presetSubtype="16" fill="hold" nodeType="afterEffect">
+                                  <p:stCondLst>
+                                    <p:cond delay="1500"/>
+                                  </p:stCondLst>
+                                  <p:childTnLst>
+                                    <p:set>
+                                      <p:cBhvr>
+                                        <p:cTn id="144" dur="1" fill="hold">
+                                          <p:stCondLst>
+                                            <p:cond delay="0"/>
+                                          </p:stCondLst>
+                                        </p:cTn>
+                                        <p:tgtEl>
+                                          <p:spTgt spid="66"/>
+                                        </p:tgtEl>
+                                        <p:attrNameLst>
+                                          <p:attrName>style.visibility</p:attrName>
+                                        </p:attrNameLst>
+                                      </p:cBhvr>
+                                      <p:to>
+                                        <p:strVal val="visible"/>
+                                      </p:to>
+                                    </p:set>
+                                    <p:anim calcmode="lin" valueType="num">
+                                      <p:cBhvr>
+                                        <p:cTn id="145" dur="500" fill="hold"/>
+                                        <p:tgtEl>
+                                          <p:spTgt spid="66"/>
+                                        </p:tgtEl>
+                                        <p:attrNameLst>
+                                          <p:attrName>ppt_w</p:attrName>
+                                        </p:attrNameLst>
+                                      </p:cBhvr>
+                                      <p:tavLst>
+                                        <p:tav tm="0">
+                                          <p:val>
+                                            <p:fltVal val="0"/>
+                                          </p:val>
+                                        </p:tav>
+                                        <p:tav tm="100000">
+                                          <p:val>
+                                            <p:strVal val="#ppt_w"/>
+                                          </p:val>
+                                        </p:tav>
+                                      </p:tavLst>
+                                    </p:anim>
+                                    <p:anim calcmode="lin" valueType="num">
+                                      <p:cBhvr>
+                                        <p:cTn id="146" dur="500" fill="hold"/>
+                                        <p:tgtEl>
+                                          <p:spTgt spid="66"/>
+                                        </p:tgtEl>
+                                        <p:attrNameLst>
+                                          <p:attrName>ppt_h</p:attrName>
+                                        </p:attrNameLst>
+                                      </p:cBhvr>
+                                      <p:tavLst>
+                                        <p:tav tm="0">
+                                          <p:val>
+                                            <p:fltVal val="0"/>
+                                          </p:val>
+                                        </p:tav>
+                                        <p:tav tm="100000">
+                                          <p:val>
+                                            <p:strVal val="#ppt_h"/>
+                                          </p:val>
+                                        </p:tav>
+                                      </p:tavLst>
+                                    </p:anim>
+                                    <p:animEffect transition="in" filter="fade">
+                                      <p:cBhvr>
+                                        <p:cTn id="147" dur="500"/>
+                                        <p:tgtEl>
+                                          <p:spTgt spid="66"/>
+                                        </p:tgtEl>
+                                      </p:cBhvr>
+                                    </p:animEffect>
+                                  </p:childTnLst>
+                                </p:cTn>
+                              </p:par>
+                            </p:childTnLst>
+                          </p:cTn>
+                        </p:par>
+                        <p:par>
+                          <p:cTn id="148" fill="hold">
+                            <p:stCondLst>
+                              <p:cond delay="8000"/>
+                            </p:stCondLst>
+                            <p:childTnLst>
+                              <p:par>
+                                <p:cTn id="149" presetID="26" presetClass="emph" presetSubtype="0" repeatCount="indefinite" fill="hold" nodeType="afterEffect">
+                                  <p:stCondLst>
+                                    <p:cond delay="0"/>
+                                  </p:stCondLst>
+                                  <p:childTnLst>
+                                    <p:animEffect transition="out" filter="fade">
+                                      <p:cBhvr>
+                                        <p:cTn id="150" dur="500" tmFilter="0, 0; .2, .5; .8, .5; 1, 0"/>
+                                        <p:tgtEl>
+                                          <p:spTgt spid="66"/>
+                                        </p:tgtEl>
+                                      </p:cBhvr>
+                                    </p:animEffect>
+                                    <p:animScale>
+                                      <p:cBhvr>
+                                        <p:cTn id="151" dur="250" autoRev="1" fill="hold"/>
+                                        <p:tgtEl>
+                                          <p:spTgt spid="66"/>
+                                        </p:tgtEl>
+                                      </p:cBhvr>
+                                      <p:by x="105000" y="105000"/>
+                                    </p:animScale>
+                                  </p:childTnLst>
+                                </p:cTn>
+                              </p:par>
+                            </p:childTnLst>
+                          </p:cTn>
+                        </p:par>
+                      </p:childTnLst>
+                    </p:cTn>
+                  </p:par>
+                </p:childTnLst>
+              </p:cTn>
+              <p:prevCondLst>
+                <p:cond evt="onPrev" delay="0">
+                  <p:tgtEl>
+                    <p:sldTgt/>
+                  </p:tgtEl>
+                </p:cond>
+              </p:prevCondLst>
+              <p:nextCondLst>
+                <p:cond evt="onNext" delay="0">
+                  <p:tgtEl>
+                    <p:sldTgt/>
+                  </p:tgtEl>
+                </p:cond>
+              </p:nextCondLst>
+            </p:seq>
+          </p:childTnLst>
+        </p:cTn>
+      </p:par>
+    </p:tnLst>
   </p:timing>
 </p:sld>
 </file>
